--- a/Social Weather Presentation.pptx
+++ b/Social Weather Presentation.pptx
@@ -9,8 +9,10 @@
     <p:sldId id="258" r:id="rId3"/>
     <p:sldId id="257" r:id="rId4"/>
     <p:sldId id="259" r:id="rId5"/>
-    <p:sldId id="260" r:id="rId6"/>
-    <p:sldId id="261" r:id="rId7"/>
+    <p:sldId id="262" r:id="rId6"/>
+    <p:sldId id="260" r:id="rId7"/>
+    <p:sldId id="263" r:id="rId8"/>
+    <p:sldId id="261" r:id="rId9"/>
   </p:sldIdLst>
   <p:sldSz cx="12192000" cy="6858000"/>
   <p:notesSz cx="6858000" cy="9144000"/>
@@ -109,6 +111,11 @@
       </a:defRPr>
     </a:lvl9pPr>
   </p:defaultTextStyle>
+  <p:extLst>
+    <p:ext uri="{EFAFB233-063F-42B5-8137-9DF3F51BA10A}">
+      <p15:sldGuideLst xmlns:p15="http://schemas.microsoft.com/office/powerpoint/2012/main"/>
+    </p:ext>
+  </p:extLst>
 </p:presentation>
 </file>
 
@@ -298,7 +305,7 @@
           <a:p>
             <a:fld id="{4AAD347D-5ACD-4C99-B74B-A9C85AD731AF}" type="datetimeFigureOut">
               <a:rPr lang="en-US" dirty="0"/>
-              <a:t>2/26/18</a:t>
+              <a:t>2/27/18</a:t>
             </a:fld>
             <a:endParaRPr lang="en-US" dirty="0"/>
           </a:p>
@@ -568,7 +575,7 @@
           <a:p>
             <a:fld id="{4509A250-FF31-4206-8172-F9D3106AACB1}" type="datetimeFigureOut">
               <a:rPr lang="en-US" dirty="0"/>
-              <a:t>2/26/18</a:t>
+              <a:t>2/27/18</a:t>
             </a:fld>
             <a:endParaRPr lang="en-US" dirty="0"/>
           </a:p>
@@ -757,7 +764,7 @@
           <a:p>
             <a:fld id="{4509A250-FF31-4206-8172-F9D3106AACB1}" type="datetimeFigureOut">
               <a:rPr lang="en-US" dirty="0"/>
-              <a:t>2/26/18</a:t>
+              <a:t>2/27/18</a:t>
             </a:fld>
             <a:endParaRPr lang="en-US" dirty="0"/>
           </a:p>
@@ -1025,7 +1032,7 @@
           <a:p>
             <a:fld id="{4509A250-FF31-4206-8172-F9D3106AACB1}" type="datetimeFigureOut">
               <a:rPr lang="en-US" dirty="0"/>
-              <a:t>2/26/18</a:t>
+              <a:t>2/27/18</a:t>
             </a:fld>
             <a:endParaRPr lang="en-US" dirty="0"/>
           </a:p>
@@ -1361,7 +1368,7 @@
           <a:p>
             <a:fld id="{4509A250-FF31-4206-8172-F9D3106AACB1}" type="datetimeFigureOut">
               <a:rPr lang="en-US" dirty="0"/>
-              <a:t>2/26/18</a:t>
+              <a:t>2/27/18</a:t>
             </a:fld>
             <a:endParaRPr lang="en-US" dirty="0"/>
           </a:p>
@@ -1979,7 +1986,7 @@
           <a:p>
             <a:fld id="{4509A250-FF31-4206-8172-F9D3106AACB1}" type="datetimeFigureOut">
               <a:rPr lang="en-US" dirty="0"/>
-              <a:t>2/26/18</a:t>
+              <a:t>2/27/18</a:t>
             </a:fld>
             <a:endParaRPr lang="en-US" dirty="0"/>
           </a:p>
@@ -2834,7 +2841,7 @@
           <a:p>
             <a:fld id="{4509A250-FF31-4206-8172-F9D3106AACB1}" type="datetimeFigureOut">
               <a:rPr lang="en-US" dirty="0"/>
-              <a:t>2/26/18</a:t>
+              <a:t>2/27/18</a:t>
             </a:fld>
             <a:endParaRPr lang="en-US" dirty="0"/>
           </a:p>
@@ -2999,7 +3006,7 @@
           <a:p>
             <a:fld id="{4509A250-FF31-4206-8172-F9D3106AACB1}" type="datetimeFigureOut">
               <a:rPr lang="en-US" dirty="0"/>
-              <a:t>2/26/18</a:t>
+              <a:t>2/27/18</a:t>
             </a:fld>
             <a:endParaRPr lang="en-US" dirty="0"/>
           </a:p>
@@ -3174,7 +3181,7 @@
           <a:p>
             <a:fld id="{4509A250-FF31-4206-8172-F9D3106AACB1}" type="datetimeFigureOut">
               <a:rPr lang="en-US" dirty="0"/>
-              <a:t>2/26/18</a:t>
+              <a:t>2/27/18</a:t>
             </a:fld>
             <a:endParaRPr lang="en-US" dirty="0"/>
           </a:p>
@@ -3339,7 +3346,7 @@
           <a:p>
             <a:fld id="{4509A250-FF31-4206-8172-F9D3106AACB1}" type="datetimeFigureOut">
               <a:rPr lang="en-US" dirty="0"/>
-              <a:t>2/26/18</a:t>
+              <a:t>2/27/18</a:t>
             </a:fld>
             <a:endParaRPr lang="en-US" dirty="0"/>
           </a:p>
@@ -3581,7 +3588,7 @@
           <a:p>
             <a:fld id="{9796027F-7875-4030-9381-8BD8C4F21935}" type="datetimeFigureOut">
               <a:rPr lang="en-US" dirty="0"/>
-              <a:t>2/26/18</a:t>
+              <a:t>2/27/18</a:t>
             </a:fld>
             <a:endParaRPr lang="en-US" dirty="0"/>
           </a:p>
@@ -3868,7 +3875,7 @@
           <a:p>
             <a:fld id="{9796027F-7875-4030-9381-8BD8C4F21935}" type="datetimeFigureOut">
               <a:rPr lang="en-US" dirty="0"/>
-              <a:t>2/26/18</a:t>
+              <a:t>2/27/18</a:t>
             </a:fld>
             <a:endParaRPr lang="en-US" dirty="0"/>
           </a:p>
@@ -4307,7 +4314,7 @@
           <a:p>
             <a:fld id="{9796027F-7875-4030-9381-8BD8C4F21935}" type="datetimeFigureOut">
               <a:rPr lang="en-US" dirty="0"/>
-              <a:t>2/26/18</a:t>
+              <a:t>2/27/18</a:t>
             </a:fld>
             <a:endParaRPr lang="en-US" dirty="0"/>
           </a:p>
@@ -4420,7 +4427,7 @@
           <a:p>
             <a:fld id="{4509A250-FF31-4206-8172-F9D3106AACB1}" type="datetimeFigureOut">
               <a:rPr lang="en-US" dirty="0"/>
-              <a:t>2/26/18</a:t>
+              <a:t>2/27/18</a:t>
             </a:fld>
             <a:endParaRPr lang="en-US" dirty="0"/>
           </a:p>
@@ -4510,7 +4517,7 @@
           <a:p>
             <a:fld id="{4509A250-FF31-4206-8172-F9D3106AACB1}" type="datetimeFigureOut">
               <a:rPr lang="en-US" dirty="0"/>
-              <a:t>2/26/18</a:t>
+              <a:t>2/27/18</a:t>
             </a:fld>
             <a:endParaRPr lang="en-US" dirty="0"/>
           </a:p>
@@ -4784,7 +4791,7 @@
           <a:p>
             <a:fld id="{4509A250-FF31-4206-8172-F9D3106AACB1}" type="datetimeFigureOut">
               <a:rPr lang="en-US" dirty="0"/>
-              <a:t>2/26/18</a:t>
+              <a:t>2/27/18</a:t>
             </a:fld>
             <a:endParaRPr lang="en-US" dirty="0"/>
           </a:p>
@@ -5054,7 +5061,7 @@
           <a:p>
             <a:fld id="{4509A250-FF31-4206-8172-F9D3106AACB1}" type="datetimeFigureOut">
               <a:rPr lang="en-US" dirty="0"/>
-              <a:t>2/26/18</a:t>
+              <a:t>2/27/18</a:t>
             </a:fld>
             <a:endParaRPr lang="en-US" dirty="0"/>
           </a:p>
@@ -5478,7 +5485,7 @@
           <a:p>
             <a:fld id="{4AAD347D-5ACD-4C99-B74B-A9C85AD731AF}" type="datetimeFigureOut">
               <a:rPr lang="en-US" dirty="0"/>
-              <a:t>2/26/18</a:t>
+              <a:t>2/27/18</a:t>
             </a:fld>
             <a:endParaRPr lang="en-US" dirty="0"/>
           </a:p>
@@ -6138,7 +6145,6 @@
               <a:rPr lang="en-US" dirty="0"/>
               <a:t>inevitability and contingency</a:t>
             </a:r>
-            <a:endParaRPr lang="en-US" dirty="0"/>
           </a:p>
         </p:txBody>
       </p:sp>
@@ -6711,6 +6717,697 @@
           <a:p>
             <a:r>
               <a:rPr lang="en-US" dirty="0" smtClean="0"/>
+              <a:t>Data structure</a:t>
+            </a:r>
+            <a:endParaRPr lang="en-US" dirty="0"/>
+          </a:p>
+        </p:txBody>
+      </p:sp>
+      <p:graphicFrame>
+        <p:nvGraphicFramePr>
+          <p:cNvPr id="4" name="Content Placeholder 3"/>
+          <p:cNvGraphicFramePr>
+            <a:graphicFrameLocks noGrp="1"/>
+          </p:cNvGraphicFramePr>
+          <p:nvPr>
+            <p:ph idx="1"/>
+            <p:extLst>
+              <p:ext uri="{D42A27DB-BD31-4B8C-83A1-F6EECF244321}">
+                <p14:modId xmlns:p14="http://schemas.microsoft.com/office/powerpoint/2010/main" val="410436303"/>
+              </p:ext>
+            </p:extLst>
+          </p:nvPr>
+        </p:nvGraphicFramePr>
+        <p:xfrm>
+          <a:off x="874897" y="1296988"/>
+          <a:ext cx="8947149" cy="800753"/>
+        </p:xfrm>
+        <a:graphic>
+          <a:graphicData uri="http://schemas.openxmlformats.org/drawingml/2006/table">
+            <a:tbl>
+              <a:tblPr firstRow="1" bandRow="1">
+                <a:tableStyleId>{F5AB1C69-6EDB-4FF4-983F-18BD219EF322}</a:tableStyleId>
+              </a:tblPr>
+              <a:tblGrid>
+                <a:gridCol w="4643034"/>
+                <a:gridCol w="4304115"/>
+              </a:tblGrid>
+              <a:tr h="370840">
+                <a:tc gridSpan="2">
+                  <a:txBody>
+                    <a:bodyPr/>
+                    <a:lstStyle/>
+                    <a:p>
+                      <a:r>
+                        <a:rPr lang="en-US" dirty="0" smtClean="0"/>
+                        <a:t>Fast</a:t>
+                      </a:r>
+                      <a:r>
+                        <a:rPr lang="en-US" baseline="0" dirty="0" smtClean="0"/>
+                        <a:t> data</a:t>
+                      </a:r>
+                      <a:endParaRPr lang="en-US" dirty="0"/>
+                    </a:p>
+                  </a:txBody>
+                  <a:tcPr/>
+                </a:tc>
+                <a:tc hMerge="1">
+                  <a:txBody>
+                    <a:bodyPr/>
+                    <a:lstStyle/>
+                    <a:p>
+                      <a:endParaRPr lang="en-US" dirty="0"/>
+                    </a:p>
+                  </a:txBody>
+                  <a:tcPr/>
+                </a:tc>
+              </a:tr>
+              <a:tr h="429913">
+                <a:tc>
+                  <a:txBody>
+                    <a:bodyPr/>
+                    <a:lstStyle/>
+                    <a:p>
+                      <a:r>
+                        <a:rPr lang="en-US" dirty="0" smtClean="0"/>
+                        <a:t>Stock marketing in US</a:t>
+                      </a:r>
+                      <a:endParaRPr lang="en-US" dirty="0"/>
+                    </a:p>
+                  </a:txBody>
+                  <a:tcPr/>
+                </a:tc>
+                <a:tc>
+                  <a:txBody>
+                    <a:bodyPr/>
+                    <a:lstStyle/>
+                    <a:p>
+                      <a:r>
+                        <a:rPr lang="en-US" dirty="0" smtClean="0"/>
+                        <a:t>Conflict</a:t>
+                      </a:r>
+                      <a:r>
+                        <a:rPr lang="en-US" baseline="0" dirty="0" smtClean="0"/>
+                        <a:t> day and area</a:t>
+                      </a:r>
+                      <a:endParaRPr lang="en-US" dirty="0"/>
+                    </a:p>
+                  </a:txBody>
+                  <a:tcPr/>
+                </a:tc>
+              </a:tr>
+            </a:tbl>
+          </a:graphicData>
+        </a:graphic>
+      </p:graphicFrame>
+      <p:graphicFrame>
+        <p:nvGraphicFramePr>
+          <p:cNvPr id="7" name="Table 6"/>
+          <p:cNvGraphicFramePr>
+            <a:graphicFrameLocks noGrp="1"/>
+          </p:cNvGraphicFramePr>
+          <p:nvPr>
+            <p:extLst>
+              <p:ext uri="{D42A27DB-BD31-4B8C-83A1-F6EECF244321}">
+                <p14:modId xmlns:p14="http://schemas.microsoft.com/office/powerpoint/2010/main" val="688620296"/>
+              </p:ext>
+            </p:extLst>
+          </p:nvPr>
+        </p:nvGraphicFramePr>
+        <p:xfrm>
+          <a:off x="357350" y="2547563"/>
+          <a:ext cx="10972800" cy="4194524"/>
+        </p:xfrm>
+        <a:graphic>
+          <a:graphicData uri="http://schemas.openxmlformats.org/drawingml/2006/table">
+            <a:tbl>
+              <a:tblPr firstRow="1" bandRow="1">
+                <a:effectLst/>
+                <a:tableStyleId>{1FECB4D8-DB02-4DC6-A0A2-4F2EBAE1DC90}</a:tableStyleId>
+              </a:tblPr>
+              <a:tblGrid>
+                <a:gridCol w="2194560"/>
+                <a:gridCol w="2194560"/>
+                <a:gridCol w="2194560"/>
+                <a:gridCol w="2194560"/>
+                <a:gridCol w="2194560"/>
+              </a:tblGrid>
+              <a:tr h="445484">
+                <a:tc gridSpan="5">
+                  <a:txBody>
+                    <a:bodyPr/>
+                    <a:lstStyle/>
+                    <a:p>
+                      <a:r>
+                        <a:rPr lang="en-US" dirty="0" smtClean="0"/>
+                        <a:t>Slow data</a:t>
+                      </a:r>
+                      <a:endParaRPr lang="en-US" dirty="0"/>
+                    </a:p>
+                  </a:txBody>
+                  <a:tcPr>
+                    <a:lnB w="12700" cap="flat" cmpd="sng" algn="ctr">
+                      <a:solidFill>
+                        <a:schemeClr val="tx1"/>
+                      </a:solidFill>
+                      <a:prstDash val="solid"/>
+                      <a:round/>
+                      <a:headEnd type="none" w="med" len="med"/>
+                      <a:tailEnd type="none" w="med" len="med"/>
+                    </a:lnB>
+                  </a:tcPr>
+                </a:tc>
+                <a:tc hMerge="1">
+                  <a:txBody>
+                    <a:bodyPr/>
+                    <a:lstStyle/>
+                    <a:p>
+                      <a:endParaRPr lang="en-US" dirty="0"/>
+                    </a:p>
+                  </a:txBody>
+                  <a:tcPr/>
+                </a:tc>
+                <a:tc hMerge="1">
+                  <a:txBody>
+                    <a:bodyPr/>
+                    <a:lstStyle/>
+                    <a:p>
+                      <a:endParaRPr lang="en-US" dirty="0"/>
+                    </a:p>
+                  </a:txBody>
+                  <a:tcPr/>
+                </a:tc>
+                <a:tc hMerge="1">
+                  <a:txBody>
+                    <a:bodyPr/>
+                    <a:lstStyle/>
+                    <a:p>
+                      <a:endParaRPr lang="en-US" dirty="0"/>
+                    </a:p>
+                  </a:txBody>
+                  <a:tcPr/>
+                </a:tc>
+                <a:tc hMerge="1">
+                  <a:txBody>
+                    <a:bodyPr/>
+                    <a:lstStyle/>
+                    <a:p>
+                      <a:endParaRPr lang="en-US" dirty="0"/>
+                    </a:p>
+                  </a:txBody>
+                  <a:tcPr/>
+                </a:tc>
+              </a:tr>
+              <a:tr h="438272">
+                <a:tc>
+                  <a:txBody>
+                    <a:bodyPr/>
+                    <a:lstStyle/>
+                    <a:p>
+                      <a:r>
+                        <a:rPr lang="en-US" dirty="0" smtClean="0"/>
+                        <a:t>Internet</a:t>
+                      </a:r>
+                      <a:r>
+                        <a:rPr lang="en-US" baseline="0" dirty="0" smtClean="0"/>
+                        <a:t> usage</a:t>
+                      </a:r>
+                      <a:endParaRPr lang="en-US" dirty="0"/>
+                    </a:p>
+                  </a:txBody>
+                  <a:tcPr>
+                    <a:lnL w="12700" cap="flat" cmpd="sng" algn="ctr">
+                      <a:solidFill>
+                        <a:schemeClr val="tx1"/>
+                      </a:solidFill>
+                      <a:prstDash val="solid"/>
+                      <a:round/>
+                      <a:headEnd type="none" w="med" len="med"/>
+                      <a:tailEnd type="none" w="med" len="med"/>
+                    </a:lnL>
+                    <a:lnR w="12700" cap="flat" cmpd="sng" algn="ctr">
+                      <a:solidFill>
+                        <a:schemeClr val="tx1"/>
+                      </a:solidFill>
+                      <a:prstDash val="solid"/>
+                      <a:round/>
+                      <a:headEnd type="none" w="med" len="med"/>
+                      <a:tailEnd type="none" w="med" len="med"/>
+                    </a:lnR>
+                    <a:lnT w="12700" cap="flat" cmpd="sng" algn="ctr">
+                      <a:solidFill>
+                        <a:schemeClr val="tx1"/>
+                      </a:solidFill>
+                      <a:prstDash val="solid"/>
+                      <a:round/>
+                      <a:headEnd type="none" w="med" len="med"/>
+                      <a:tailEnd type="none" w="med" len="med"/>
+                    </a:lnT>
+                    <a:lnB w="12700" cap="flat" cmpd="sng" algn="ctr">
+                      <a:solidFill>
+                        <a:schemeClr val="tx1"/>
+                      </a:solidFill>
+                      <a:prstDash val="solid"/>
+                      <a:round/>
+                      <a:headEnd type="none" w="med" len="med"/>
+                      <a:tailEnd type="none" w="med" len="med"/>
+                    </a:lnB>
+                  </a:tcPr>
+                </a:tc>
+                <a:tc>
+                  <a:txBody>
+                    <a:bodyPr/>
+                    <a:lstStyle/>
+                    <a:p>
+                      <a:r>
+                        <a:rPr lang="en-US" dirty="0" smtClean="0"/>
+                        <a:t>GDP in</a:t>
+                      </a:r>
+                      <a:r>
+                        <a:rPr lang="en-US" baseline="0" dirty="0" smtClean="0"/>
+                        <a:t> US</a:t>
+                      </a:r>
+                      <a:endParaRPr lang="en-US" dirty="0"/>
+                    </a:p>
+                  </a:txBody>
+                  <a:tcPr>
+                    <a:lnL w="12700" cap="flat" cmpd="sng" algn="ctr">
+                      <a:solidFill>
+                        <a:schemeClr val="tx1"/>
+                      </a:solidFill>
+                      <a:prstDash val="solid"/>
+                      <a:round/>
+                      <a:headEnd type="none" w="med" len="med"/>
+                      <a:tailEnd type="none" w="med" len="med"/>
+                    </a:lnL>
+                  </a:tcPr>
+                </a:tc>
+                <a:tc>
+                  <a:txBody>
+                    <a:bodyPr/>
+                    <a:lstStyle/>
+                    <a:p>
+                      <a:r>
+                        <a:rPr lang="en-US" sz="1800" kern="1200" dirty="0" smtClean="0">
+                          <a:solidFill>
+                            <a:schemeClr val="dk1"/>
+                          </a:solidFill>
+                          <a:latin typeface="+mn-lt"/>
+                          <a:ea typeface="+mn-ea"/>
+                          <a:cs typeface="+mn-cs"/>
+                        </a:rPr>
+                        <a:t>Adolescent fertility rate</a:t>
+                      </a:r>
+                      <a:endParaRPr lang="en-US" sz="1800" kern="1200" dirty="0">
+                        <a:solidFill>
+                          <a:schemeClr val="dk1"/>
+                        </a:solidFill>
+                        <a:latin typeface="+mn-lt"/>
+                        <a:ea typeface="+mn-ea"/>
+                        <a:cs typeface="+mn-cs"/>
+                      </a:endParaRPr>
+                    </a:p>
+                  </a:txBody>
+                  <a:tcPr/>
+                </a:tc>
+                <a:tc>
+                  <a:txBody>
+                    <a:bodyPr/>
+                    <a:lstStyle/>
+                    <a:p>
+                      <a:r>
+                        <a:rPr lang="en-US" dirty="0" smtClean="0"/>
+                        <a:t>School enrollment</a:t>
+                      </a:r>
+                      <a:endParaRPr lang="en-US" dirty="0"/>
+                    </a:p>
+                  </a:txBody>
+                  <a:tcPr/>
+                </a:tc>
+                <a:tc>
+                  <a:txBody>
+                    <a:bodyPr/>
+                    <a:lstStyle/>
+                    <a:p>
+                      <a:r>
+                        <a:rPr lang="en-US" dirty="0" smtClean="0"/>
+                        <a:t>Energy use </a:t>
+                      </a:r>
+                      <a:endParaRPr lang="en-US" dirty="0"/>
+                    </a:p>
+                  </a:txBody>
+                  <a:tcPr/>
+                </a:tc>
+              </a:tr>
+              <a:tr h="445484">
+                <a:tc>
+                  <a:txBody>
+                    <a:bodyPr/>
+                    <a:lstStyle/>
+                    <a:p>
+                      <a:r>
+                        <a:rPr lang="en-US" dirty="0" smtClean="0"/>
+                        <a:t>Exports of goods and services </a:t>
+                      </a:r>
+                      <a:endParaRPr lang="en-US" dirty="0"/>
+                    </a:p>
+                  </a:txBody>
+                  <a:tcPr>
+                    <a:lnT w="12700" cap="flat" cmpd="sng" algn="ctr">
+                      <a:solidFill>
+                        <a:schemeClr val="tx1"/>
+                      </a:solidFill>
+                      <a:prstDash val="solid"/>
+                      <a:round/>
+                      <a:headEnd type="none" w="med" len="med"/>
+                      <a:tailEnd type="none" w="med" len="med"/>
+                    </a:lnT>
+                  </a:tcPr>
+                </a:tc>
+                <a:tc>
+                  <a:txBody>
+                    <a:bodyPr/>
+                    <a:lstStyle/>
+                    <a:p>
+                      <a:r>
+                        <a:rPr lang="en-US" dirty="0" smtClean="0"/>
+                        <a:t>Market capitalization of listed domestic companies</a:t>
+                      </a:r>
+                      <a:endParaRPr lang="en-US" dirty="0"/>
+                    </a:p>
+                  </a:txBody>
+                  <a:tcPr/>
+                </a:tc>
+                <a:tc>
+                  <a:txBody>
+                    <a:bodyPr/>
+                    <a:lstStyle/>
+                    <a:p>
+                      <a:r>
+                        <a:rPr lang="en-US" dirty="0" smtClean="0"/>
+                        <a:t>Merchandise trade</a:t>
+                      </a:r>
+                      <a:endParaRPr lang="en-US" dirty="0"/>
+                    </a:p>
+                  </a:txBody>
+                  <a:tcPr/>
+                </a:tc>
+                <a:tc>
+                  <a:txBody>
+                    <a:bodyPr/>
+                    <a:lstStyle/>
+                    <a:p>
+                      <a:r>
+                        <a:rPr lang="en-US" dirty="0" smtClean="0"/>
+                        <a:t>Inflation consumer prices</a:t>
+                      </a:r>
+                      <a:endParaRPr lang="en-US" dirty="0"/>
+                    </a:p>
+                  </a:txBody>
+                  <a:tcPr/>
+                </a:tc>
+                <a:tc>
+                  <a:txBody>
+                    <a:bodyPr/>
+                    <a:lstStyle/>
+                    <a:p>
+                      <a:r>
+                        <a:rPr lang="en-US" dirty="0" smtClean="0"/>
+                        <a:t>Imports of goods and services</a:t>
+                      </a:r>
+                      <a:endParaRPr lang="en-US" dirty="0"/>
+                    </a:p>
+                  </a:txBody>
+                  <a:tcPr/>
+                </a:tc>
+              </a:tr>
+              <a:tr h="445484">
+                <a:tc>
+                  <a:txBody>
+                    <a:bodyPr/>
+                    <a:lstStyle/>
+                    <a:p>
+                      <a:r>
+                        <a:rPr lang="en-US" dirty="0" smtClean="0"/>
+                        <a:t>Military expenditure</a:t>
+                      </a:r>
+                      <a:endParaRPr lang="en-US" dirty="0"/>
+                    </a:p>
+                  </a:txBody>
+                  <a:tcPr/>
+                </a:tc>
+                <a:tc>
+                  <a:txBody>
+                    <a:bodyPr/>
+                    <a:lstStyle/>
+                    <a:p>
+                      <a:r>
+                        <a:rPr lang="en-US" dirty="0" smtClean="0"/>
+                        <a:t>CO2 emissions</a:t>
+                      </a:r>
+                      <a:endParaRPr lang="en-US" dirty="0"/>
+                    </a:p>
+                  </a:txBody>
+                  <a:tcPr/>
+                </a:tc>
+                <a:tc>
+                  <a:txBody>
+                    <a:bodyPr/>
+                    <a:lstStyle/>
+                    <a:p>
+                      <a:r>
+                        <a:rPr lang="en-US" dirty="0" smtClean="0"/>
+                        <a:t>Improved water source</a:t>
+                      </a:r>
+                      <a:endParaRPr lang="en-US" dirty="0"/>
+                    </a:p>
+                  </a:txBody>
+                  <a:tcPr/>
+                </a:tc>
+                <a:tc>
+                  <a:txBody>
+                    <a:bodyPr/>
+                    <a:lstStyle/>
+                    <a:p>
+                      <a:r>
+                        <a:rPr lang="en-US" dirty="0" smtClean="0"/>
+                        <a:t>Water productivity</a:t>
+                      </a:r>
+                      <a:endParaRPr lang="en-US" dirty="0"/>
+                    </a:p>
+                  </a:txBody>
+                  <a:tcPr/>
+                </a:tc>
+                <a:tc>
+                  <a:txBody>
+                    <a:bodyPr/>
+                    <a:lstStyle/>
+                    <a:p>
+                      <a:r>
+                        <a:rPr lang="en-US" dirty="0" smtClean="0"/>
+                        <a:t>Forest area</a:t>
+                      </a:r>
+                      <a:endParaRPr lang="en-US" dirty="0"/>
+                    </a:p>
+                  </a:txBody>
+                  <a:tcPr/>
+                </a:tc>
+              </a:tr>
+              <a:tr h="445484">
+                <a:tc>
+                  <a:txBody>
+                    <a:bodyPr/>
+                    <a:lstStyle/>
+                    <a:p>
+                      <a:r>
+                        <a:rPr lang="en-US" dirty="0" smtClean="0"/>
+                        <a:t>Births attended</a:t>
+                      </a:r>
+                      <a:endParaRPr lang="en-US" dirty="0"/>
+                    </a:p>
+                  </a:txBody>
+                  <a:tcPr/>
+                </a:tc>
+                <a:tc>
+                  <a:txBody>
+                    <a:bodyPr/>
+                    <a:lstStyle/>
+                    <a:p>
+                      <a:r>
+                        <a:rPr lang="en-US" dirty="0" smtClean="0"/>
+                        <a:t>Life expectancy </a:t>
+                      </a:r>
+                      <a:endParaRPr lang="en-US" dirty="0"/>
+                    </a:p>
+                  </a:txBody>
+                  <a:tcPr/>
+                </a:tc>
+                <a:tc>
+                  <a:txBody>
+                    <a:bodyPr/>
+                    <a:lstStyle/>
+                    <a:p>
+                      <a:r>
+                        <a:rPr lang="en-US" dirty="0" smtClean="0"/>
+                        <a:t>Contraceptive prevalence</a:t>
+                      </a:r>
+                      <a:endParaRPr lang="en-US" dirty="0"/>
+                    </a:p>
+                  </a:txBody>
+                  <a:tcPr/>
+                </a:tc>
+                <a:tc>
+                  <a:txBody>
+                    <a:bodyPr/>
+                    <a:lstStyle/>
+                    <a:p>
+                      <a:r>
+                        <a:rPr lang="en-US" dirty="0" smtClean="0"/>
+                        <a:t>GNI </a:t>
+                      </a:r>
+                      <a:endParaRPr lang="en-US" dirty="0"/>
+                    </a:p>
+                  </a:txBody>
+                  <a:tcPr/>
+                </a:tc>
+                <a:tc>
+                  <a:txBody>
+                    <a:bodyPr/>
+                    <a:lstStyle/>
+                    <a:p>
+                      <a:r>
+                        <a:rPr lang="en-US" dirty="0" smtClean="0"/>
+                        <a:t>Surface area</a:t>
+                      </a:r>
+                      <a:endParaRPr lang="en-US" dirty="0"/>
+                    </a:p>
+                  </a:txBody>
+                  <a:tcPr/>
+                </a:tc>
+              </a:tr>
+              <a:tr h="445484">
+                <a:tc>
+                  <a:txBody>
+                    <a:bodyPr/>
+                    <a:lstStyle/>
+                    <a:p>
+                      <a:r>
+                        <a:rPr lang="en-US" dirty="0" smtClean="0"/>
+                        <a:t>Happiness survey</a:t>
+                      </a:r>
+                      <a:endParaRPr lang="en-US" dirty="0"/>
+                    </a:p>
+                  </a:txBody>
+                  <a:tcPr/>
+                </a:tc>
+                <a:tc>
+                  <a:txBody>
+                    <a:bodyPr/>
+                    <a:lstStyle/>
+                    <a:p>
+                      <a:r>
+                        <a:rPr lang="en-US" dirty="0" smtClean="0"/>
+                        <a:t>Death rate</a:t>
+                      </a:r>
+                      <a:endParaRPr lang="en-US" dirty="0"/>
+                    </a:p>
+                  </a:txBody>
+                  <a:tcPr/>
+                </a:tc>
+                <a:tc>
+                  <a:txBody>
+                    <a:bodyPr/>
+                    <a:lstStyle/>
+                    <a:p>
+                      <a:r>
+                        <a:rPr lang="en-US" dirty="0" smtClean="0"/>
+                        <a:t>Income below poverty</a:t>
+                      </a:r>
+                      <a:endParaRPr lang="en-US" dirty="0"/>
+                    </a:p>
+                  </a:txBody>
+                  <a:tcPr/>
+                </a:tc>
+                <a:tc>
+                  <a:txBody>
+                    <a:bodyPr/>
+                    <a:lstStyle/>
+                    <a:p>
+                      <a:r>
+                        <a:rPr lang="en-US" dirty="0" smtClean="0"/>
+                        <a:t>Education by race</a:t>
+                      </a:r>
+                      <a:endParaRPr lang="en-US" dirty="0"/>
+                    </a:p>
+                  </a:txBody>
+                  <a:tcPr/>
+                </a:tc>
+                <a:tc>
+                  <a:txBody>
+                    <a:bodyPr/>
+                    <a:lstStyle/>
+                    <a:p>
+                      <a:r>
+                        <a:rPr lang="en-US" dirty="0" smtClean="0"/>
+                        <a:t>Immunization of measles</a:t>
+                      </a:r>
+                      <a:endParaRPr lang="en-US" dirty="0"/>
+                    </a:p>
+                  </a:txBody>
+                  <a:tcPr/>
+                </a:tc>
+              </a:tr>
+            </a:tbl>
+          </a:graphicData>
+        </a:graphic>
+      </p:graphicFrame>
+    </p:spTree>
+    <p:extLst>
+      <p:ext uri="{BB962C8B-B14F-4D97-AF65-F5344CB8AC3E}">
+        <p14:creationId xmlns:p14="http://schemas.microsoft.com/office/powerpoint/2010/main" val="639851405"/>
+      </p:ext>
+    </p:extLst>
+  </p:cSld>
+  <p:clrMapOvr>
+    <a:masterClrMapping/>
+  </p:clrMapOvr>
+</p:sld>
+</file>
+
+<file path=ppt/slides/slide6.xml><?xml version="1.0" encoding="utf-8"?>
+<p:sld xmlns:a="http://schemas.openxmlformats.org/drawingml/2006/main" xmlns:r="http://schemas.openxmlformats.org/officeDocument/2006/relationships" xmlns:p="http://schemas.openxmlformats.org/presentationml/2006/main">
+  <p:cSld>
+    <p:spTree>
+      <p:nvGrpSpPr>
+        <p:cNvPr id="1" name=""/>
+        <p:cNvGrpSpPr/>
+        <p:nvPr/>
+      </p:nvGrpSpPr>
+      <p:grpSpPr>
+        <a:xfrm>
+          <a:off x="0" y="0"/>
+          <a:ext cx="0" cy="0"/>
+          <a:chOff x="0" y="0"/>
+          <a:chExt cx="0" cy="0"/>
+        </a:xfrm>
+      </p:grpSpPr>
+      <p:sp>
+        <p:nvSpPr>
+          <p:cNvPr id="2" name="Title 1"/>
+          <p:cNvSpPr>
+            <a:spLocks noGrp="1"/>
+          </p:cNvSpPr>
+          <p:nvPr>
+            <p:ph type="title"/>
+          </p:nvPr>
+        </p:nvSpPr>
+        <p:spPr/>
+        <p:txBody>
+          <a:bodyPr/>
+          <a:lstStyle/>
+          <a:p>
+            <a:r>
+              <a:rPr lang="en-US" dirty="0" smtClean="0"/>
               <a:t>What we did this week?</a:t>
             </a:r>
             <a:endParaRPr lang="en-US" dirty="0"/>
@@ -6772,7 +7469,79 @@
 </p:sld>
 </file>
 
-<file path=ppt/slides/slide6.xml><?xml version="1.0" encoding="utf-8"?>
+<file path=ppt/slides/slide7.xml><?xml version="1.0" encoding="utf-8"?>
+<p:sld xmlns:a="http://schemas.openxmlformats.org/drawingml/2006/main" xmlns:r="http://schemas.openxmlformats.org/officeDocument/2006/relationships" xmlns:p="http://schemas.openxmlformats.org/presentationml/2006/main">
+  <p:cSld>
+    <p:spTree>
+      <p:nvGrpSpPr>
+        <p:cNvPr id="1" name=""/>
+        <p:cNvGrpSpPr/>
+        <p:nvPr/>
+      </p:nvGrpSpPr>
+      <p:grpSpPr>
+        <a:xfrm>
+          <a:off x="0" y="0"/>
+          <a:ext cx="0" cy="0"/>
+          <a:chOff x="0" y="0"/>
+          <a:chExt cx="0" cy="0"/>
+        </a:xfrm>
+      </p:grpSpPr>
+      <p:sp>
+        <p:nvSpPr>
+          <p:cNvPr id="2" name="Title 1"/>
+          <p:cNvSpPr>
+            <a:spLocks noGrp="1"/>
+          </p:cNvSpPr>
+          <p:nvPr>
+            <p:ph type="title"/>
+          </p:nvPr>
+        </p:nvSpPr>
+        <p:spPr/>
+        <p:txBody>
+          <a:bodyPr/>
+          <a:lstStyle/>
+          <a:p>
+            <a:r>
+              <a:rPr lang="en-US" dirty="0" err="1" smtClean="0"/>
+              <a:t>Visulization</a:t>
+            </a:r>
+            <a:endParaRPr lang="en-US" dirty="0"/>
+          </a:p>
+        </p:txBody>
+      </p:sp>
+      <p:sp>
+        <p:nvSpPr>
+          <p:cNvPr id="3" name="Content Placeholder 2"/>
+          <p:cNvSpPr>
+            <a:spLocks noGrp="1"/>
+          </p:cNvSpPr>
+          <p:nvPr>
+            <p:ph idx="1"/>
+          </p:nvPr>
+        </p:nvSpPr>
+        <p:spPr/>
+        <p:txBody>
+          <a:bodyPr/>
+          <a:lstStyle/>
+          <a:p>
+            <a:endParaRPr lang="en-US" dirty="0"/>
+          </a:p>
+        </p:txBody>
+      </p:sp>
+    </p:spTree>
+    <p:extLst>
+      <p:ext uri="{BB962C8B-B14F-4D97-AF65-F5344CB8AC3E}">
+        <p14:creationId xmlns:p14="http://schemas.microsoft.com/office/powerpoint/2010/main" val="851941189"/>
+      </p:ext>
+    </p:extLst>
+  </p:cSld>
+  <p:clrMapOvr>
+    <a:masterClrMapping/>
+  </p:clrMapOvr>
+</p:sld>
+</file>
+
+<file path=ppt/slides/slide8.xml><?xml version="1.0" encoding="utf-8"?>
 <p:sld xmlns:a="http://schemas.openxmlformats.org/drawingml/2006/main" xmlns:r="http://schemas.openxmlformats.org/officeDocument/2006/relationships" xmlns:p="http://schemas.openxmlformats.org/presentationml/2006/main">
   <p:cSld>
     <p:spTree>

--- a/Social Weather Presentation.pptx
+++ b/Social Weather Presentation.pptx
@@ -10,9 +10,12 @@
     <p:sldId id="257" r:id="rId4"/>
     <p:sldId id="259" r:id="rId5"/>
     <p:sldId id="262" r:id="rId6"/>
-    <p:sldId id="260" r:id="rId7"/>
-    <p:sldId id="263" r:id="rId8"/>
-    <p:sldId id="261" r:id="rId9"/>
+    <p:sldId id="266" r:id="rId7"/>
+    <p:sldId id="260" r:id="rId8"/>
+    <p:sldId id="263" r:id="rId9"/>
+    <p:sldId id="261" r:id="rId10"/>
+    <p:sldId id="265" r:id="rId11"/>
+    <p:sldId id="264" r:id="rId12"/>
   </p:sldIdLst>
   <p:sldSz cx="12192000" cy="6858000"/>
   <p:notesSz cx="6858000" cy="9144000"/>
@@ -117,6 +120,4069 @@
     </p:ext>
   </p:extLst>
 </p:presentation>
+</file>
+
+<file path=ppt/diagrams/colors1.xml><?xml version="1.0" encoding="utf-8"?>
+<dgm:colorsDef xmlns:dgm="http://schemas.openxmlformats.org/drawingml/2006/diagram" xmlns:a="http://schemas.openxmlformats.org/drawingml/2006/main" uniqueId="urn:microsoft.com/office/officeart/2005/8/colors/colorful3">
+  <dgm:title val=""/>
+  <dgm:desc val=""/>
+  <dgm:catLst>
+    <dgm:cat type="colorful" pri="10300"/>
+  </dgm:catLst>
+  <dgm:styleLbl name="node0">
+    <dgm:fillClrLst meth="repeat">
+      <a:schemeClr val="accent2"/>
+    </dgm:fillClrLst>
+    <dgm:linClrLst meth="repeat">
+      <a:schemeClr val="lt1"/>
+    </dgm:linClrLst>
+    <dgm:effectClrLst/>
+    <dgm:txLinClrLst/>
+    <dgm:txFillClrLst/>
+    <dgm:txEffectClrLst/>
+  </dgm:styleLbl>
+  <dgm:styleLbl name="node1">
+    <dgm:fillClrLst>
+      <a:schemeClr val="accent3"/>
+      <a:schemeClr val="accent4"/>
+    </dgm:fillClrLst>
+    <dgm:linClrLst meth="repeat">
+      <a:schemeClr val="lt1"/>
+    </dgm:linClrLst>
+    <dgm:effectClrLst/>
+    <dgm:txLinClrLst/>
+    <dgm:txFillClrLst/>
+    <dgm:txEffectClrLst/>
+  </dgm:styleLbl>
+  <dgm:styleLbl name="alignNode1">
+    <dgm:fillClrLst>
+      <a:schemeClr val="accent3"/>
+      <a:schemeClr val="accent4"/>
+    </dgm:fillClrLst>
+    <dgm:linClrLst>
+      <a:schemeClr val="accent3"/>
+      <a:schemeClr val="accent4"/>
+    </dgm:linClrLst>
+    <dgm:effectClrLst/>
+    <dgm:txLinClrLst/>
+    <dgm:txFillClrLst/>
+    <dgm:txEffectClrLst/>
+  </dgm:styleLbl>
+  <dgm:styleLbl name="lnNode1">
+    <dgm:fillClrLst>
+      <a:schemeClr val="accent3"/>
+      <a:schemeClr val="accent4"/>
+    </dgm:fillClrLst>
+    <dgm:linClrLst meth="repeat">
+      <a:schemeClr val="lt1"/>
+    </dgm:linClrLst>
+    <dgm:effectClrLst/>
+    <dgm:txLinClrLst/>
+    <dgm:txFillClrLst/>
+    <dgm:txEffectClrLst/>
+  </dgm:styleLbl>
+  <dgm:styleLbl name="vennNode1">
+    <dgm:fillClrLst>
+      <a:schemeClr val="accent3">
+        <a:alpha val="50000"/>
+      </a:schemeClr>
+      <a:schemeClr val="accent4">
+        <a:alpha val="50000"/>
+      </a:schemeClr>
+    </dgm:fillClrLst>
+    <dgm:linClrLst meth="repeat">
+      <a:schemeClr val="lt1"/>
+    </dgm:linClrLst>
+    <dgm:effectClrLst/>
+    <dgm:txLinClrLst/>
+    <dgm:txFillClrLst/>
+    <dgm:txEffectClrLst/>
+  </dgm:styleLbl>
+  <dgm:styleLbl name="node2">
+    <dgm:fillClrLst>
+      <a:schemeClr val="accent4"/>
+    </dgm:fillClrLst>
+    <dgm:linClrLst meth="repeat">
+      <a:schemeClr val="lt1"/>
+    </dgm:linClrLst>
+    <dgm:effectClrLst/>
+    <dgm:txLinClrLst/>
+    <dgm:txFillClrLst/>
+    <dgm:txEffectClrLst/>
+  </dgm:styleLbl>
+  <dgm:styleLbl name="node3">
+    <dgm:fillClrLst>
+      <a:schemeClr val="accent5"/>
+    </dgm:fillClrLst>
+    <dgm:linClrLst meth="repeat">
+      <a:schemeClr val="lt1"/>
+    </dgm:linClrLst>
+    <dgm:effectClrLst/>
+    <dgm:txLinClrLst/>
+    <dgm:txFillClrLst/>
+    <dgm:txEffectClrLst/>
+  </dgm:styleLbl>
+  <dgm:styleLbl name="node4">
+    <dgm:fillClrLst>
+      <a:schemeClr val="accent6"/>
+    </dgm:fillClrLst>
+    <dgm:linClrLst meth="repeat">
+      <a:schemeClr val="lt1"/>
+    </dgm:linClrLst>
+    <dgm:effectClrLst/>
+    <dgm:txLinClrLst/>
+    <dgm:txFillClrLst/>
+    <dgm:txEffectClrLst/>
+  </dgm:styleLbl>
+  <dgm:styleLbl name="fgImgPlace1">
+    <dgm:fillClrLst>
+      <a:schemeClr val="accent3">
+        <a:tint val="50000"/>
+      </a:schemeClr>
+      <a:schemeClr val="accent4">
+        <a:tint val="50000"/>
+      </a:schemeClr>
+    </dgm:fillClrLst>
+    <dgm:linClrLst meth="repeat">
+      <a:schemeClr val="lt1"/>
+    </dgm:linClrLst>
+    <dgm:effectClrLst/>
+    <dgm:txLinClrLst/>
+    <dgm:txFillClrLst meth="repeat">
+      <a:schemeClr val="lt1"/>
+    </dgm:txFillClrLst>
+    <dgm:txEffectClrLst/>
+  </dgm:styleLbl>
+  <dgm:styleLbl name="alignImgPlace1">
+    <dgm:fillClrLst>
+      <a:schemeClr val="accent3">
+        <a:tint val="50000"/>
+      </a:schemeClr>
+      <a:schemeClr val="accent4">
+        <a:tint val="20000"/>
+      </a:schemeClr>
+    </dgm:fillClrLst>
+    <dgm:linClrLst meth="repeat">
+      <a:schemeClr val="lt1"/>
+    </dgm:linClrLst>
+    <dgm:effectClrLst/>
+    <dgm:txLinClrLst/>
+    <dgm:txFillClrLst meth="repeat">
+      <a:schemeClr val="lt1"/>
+    </dgm:txFillClrLst>
+    <dgm:txEffectClrLst/>
+  </dgm:styleLbl>
+  <dgm:styleLbl name="bgImgPlace1">
+    <dgm:fillClrLst>
+      <a:schemeClr val="accent3">
+        <a:tint val="50000"/>
+      </a:schemeClr>
+      <a:schemeClr val="accent4">
+        <a:tint val="20000"/>
+      </a:schemeClr>
+    </dgm:fillClrLst>
+    <dgm:linClrLst meth="repeat">
+      <a:schemeClr val="lt1"/>
+    </dgm:linClrLst>
+    <dgm:effectClrLst/>
+    <dgm:txLinClrLst/>
+    <dgm:txFillClrLst meth="repeat">
+      <a:schemeClr val="lt1"/>
+    </dgm:txFillClrLst>
+    <dgm:txEffectClrLst/>
+  </dgm:styleLbl>
+  <dgm:styleLbl name="sibTrans2D1">
+    <dgm:fillClrLst>
+      <a:schemeClr val="accent3"/>
+      <a:schemeClr val="accent4"/>
+    </dgm:fillClrLst>
+    <dgm:linClrLst meth="repeat">
+      <a:schemeClr val="lt1"/>
+    </dgm:linClrLst>
+    <dgm:effectClrLst/>
+    <dgm:txLinClrLst/>
+    <dgm:txFillClrLst/>
+    <dgm:txEffectClrLst/>
+  </dgm:styleLbl>
+  <dgm:styleLbl name="fgSibTrans2D1">
+    <dgm:fillClrLst>
+      <a:schemeClr val="accent3"/>
+      <a:schemeClr val="accent4"/>
+    </dgm:fillClrLst>
+    <dgm:linClrLst meth="repeat">
+      <a:schemeClr val="lt1"/>
+    </dgm:linClrLst>
+    <dgm:effectClrLst/>
+    <dgm:txLinClrLst/>
+    <dgm:txFillClrLst meth="repeat">
+      <a:schemeClr val="lt1"/>
+    </dgm:txFillClrLst>
+    <dgm:txEffectClrLst/>
+  </dgm:styleLbl>
+  <dgm:styleLbl name="bgSibTrans2D1">
+    <dgm:fillClrLst>
+      <a:schemeClr val="accent3"/>
+      <a:schemeClr val="accent4"/>
+    </dgm:fillClrLst>
+    <dgm:linClrLst meth="repeat">
+      <a:schemeClr val="lt1"/>
+    </dgm:linClrLst>
+    <dgm:effectClrLst/>
+    <dgm:txLinClrLst/>
+    <dgm:txFillClrLst meth="repeat">
+      <a:schemeClr val="lt1"/>
+    </dgm:txFillClrLst>
+    <dgm:txEffectClrLst/>
+  </dgm:styleLbl>
+  <dgm:styleLbl name="sibTrans1D1">
+    <dgm:fillClrLst/>
+    <dgm:linClrLst>
+      <a:schemeClr val="accent3"/>
+      <a:schemeClr val="accent4"/>
+    </dgm:linClrLst>
+    <dgm:effectClrLst/>
+    <dgm:txLinClrLst/>
+    <dgm:txFillClrLst meth="repeat">
+      <a:schemeClr val="tx1"/>
+    </dgm:txFillClrLst>
+    <dgm:txEffectClrLst/>
+  </dgm:styleLbl>
+  <dgm:styleLbl name="callout">
+    <dgm:fillClrLst meth="repeat">
+      <a:schemeClr val="accent3"/>
+    </dgm:fillClrLst>
+    <dgm:linClrLst meth="repeat">
+      <a:schemeClr val="accent3">
+        <a:tint val="50000"/>
+      </a:schemeClr>
+    </dgm:linClrLst>
+    <dgm:effectClrLst/>
+    <dgm:txLinClrLst/>
+    <dgm:txFillClrLst meth="repeat">
+      <a:schemeClr val="tx1"/>
+    </dgm:txFillClrLst>
+    <dgm:txEffectClrLst/>
+  </dgm:styleLbl>
+  <dgm:styleLbl name="asst0">
+    <dgm:fillClrLst meth="repeat">
+      <a:schemeClr val="accent3"/>
+    </dgm:fillClrLst>
+    <dgm:linClrLst meth="repeat">
+      <a:schemeClr val="lt1">
+        <a:shade val="80000"/>
+      </a:schemeClr>
+    </dgm:linClrLst>
+    <dgm:effectClrLst/>
+    <dgm:txLinClrLst/>
+    <dgm:txFillClrLst/>
+    <dgm:txEffectClrLst/>
+  </dgm:styleLbl>
+  <dgm:styleLbl name="asst1">
+    <dgm:fillClrLst meth="repeat">
+      <a:schemeClr val="accent4"/>
+    </dgm:fillClrLst>
+    <dgm:linClrLst meth="repeat">
+      <a:schemeClr val="lt1">
+        <a:shade val="80000"/>
+      </a:schemeClr>
+    </dgm:linClrLst>
+    <dgm:effectClrLst/>
+    <dgm:txLinClrLst/>
+    <dgm:txFillClrLst/>
+    <dgm:txEffectClrLst/>
+  </dgm:styleLbl>
+  <dgm:styleLbl name="asst2">
+    <dgm:fillClrLst>
+      <a:schemeClr val="accent5"/>
+    </dgm:fillClrLst>
+    <dgm:linClrLst meth="repeat">
+      <a:schemeClr val="lt1"/>
+    </dgm:linClrLst>
+    <dgm:effectClrLst/>
+    <dgm:txLinClrLst/>
+    <dgm:txFillClrLst/>
+    <dgm:txEffectClrLst/>
+  </dgm:styleLbl>
+  <dgm:styleLbl name="asst3">
+    <dgm:fillClrLst>
+      <a:schemeClr val="accent6"/>
+    </dgm:fillClrLst>
+    <dgm:linClrLst meth="repeat">
+      <a:schemeClr val="lt1"/>
+    </dgm:linClrLst>
+    <dgm:effectClrLst/>
+    <dgm:txLinClrLst/>
+    <dgm:txFillClrLst/>
+    <dgm:txEffectClrLst/>
+  </dgm:styleLbl>
+  <dgm:styleLbl name="asst4">
+    <dgm:fillClrLst>
+      <a:schemeClr val="accent1"/>
+    </dgm:fillClrLst>
+    <dgm:linClrLst meth="repeat">
+      <a:schemeClr val="lt1"/>
+    </dgm:linClrLst>
+    <dgm:effectClrLst/>
+    <dgm:txLinClrLst/>
+    <dgm:txFillClrLst/>
+    <dgm:txEffectClrLst/>
+  </dgm:styleLbl>
+  <dgm:styleLbl name="parChTrans2D1">
+    <dgm:fillClrLst meth="repeat">
+      <a:schemeClr val="accent2"/>
+    </dgm:fillClrLst>
+    <dgm:linClrLst meth="repeat">
+      <a:schemeClr val="lt1"/>
+    </dgm:linClrLst>
+    <dgm:effectClrLst/>
+    <dgm:txLinClrLst/>
+    <dgm:txFillClrLst meth="repeat">
+      <a:schemeClr val="lt1"/>
+    </dgm:txFillClrLst>
+    <dgm:txEffectClrLst/>
+  </dgm:styleLbl>
+  <dgm:styleLbl name="parChTrans2D2">
+    <dgm:fillClrLst meth="repeat">
+      <a:schemeClr val="accent3"/>
+    </dgm:fillClrLst>
+    <dgm:linClrLst meth="repeat">
+      <a:schemeClr val="lt1"/>
+    </dgm:linClrLst>
+    <dgm:effectClrLst/>
+    <dgm:txLinClrLst/>
+    <dgm:txFillClrLst/>
+    <dgm:txEffectClrLst/>
+  </dgm:styleLbl>
+  <dgm:styleLbl name="parChTrans2D3">
+    <dgm:fillClrLst meth="repeat">
+      <a:schemeClr val="accent4"/>
+    </dgm:fillClrLst>
+    <dgm:linClrLst meth="repeat">
+      <a:schemeClr val="lt1"/>
+    </dgm:linClrLst>
+    <dgm:effectClrLst/>
+    <dgm:txLinClrLst/>
+    <dgm:txFillClrLst/>
+    <dgm:txEffectClrLst/>
+  </dgm:styleLbl>
+  <dgm:styleLbl name="parChTrans2D4">
+    <dgm:fillClrLst meth="repeat">
+      <a:schemeClr val="accent5"/>
+    </dgm:fillClrLst>
+    <dgm:linClrLst meth="repeat">
+      <a:schemeClr val="lt1"/>
+    </dgm:linClrLst>
+    <dgm:effectClrLst/>
+    <dgm:txLinClrLst/>
+    <dgm:txFillClrLst meth="repeat">
+      <a:schemeClr val="lt1"/>
+    </dgm:txFillClrLst>
+    <dgm:txEffectClrLst/>
+  </dgm:styleLbl>
+  <dgm:styleLbl name="parChTrans1D1">
+    <dgm:fillClrLst meth="repeat">
+      <a:schemeClr val="accent3"/>
+    </dgm:fillClrLst>
+    <dgm:linClrLst meth="repeat">
+      <a:schemeClr val="accent3"/>
+    </dgm:linClrLst>
+    <dgm:effectClrLst/>
+    <dgm:txLinClrLst/>
+    <dgm:txFillClrLst meth="repeat">
+      <a:schemeClr val="tx1"/>
+    </dgm:txFillClrLst>
+    <dgm:txEffectClrLst/>
+  </dgm:styleLbl>
+  <dgm:styleLbl name="parChTrans1D2">
+    <dgm:fillClrLst meth="repeat">
+      <a:schemeClr val="accent2">
+        <a:tint val="90000"/>
+      </a:schemeClr>
+    </dgm:fillClrLst>
+    <dgm:linClrLst meth="repeat">
+      <a:schemeClr val="accent4"/>
+    </dgm:linClrLst>
+    <dgm:effectClrLst/>
+    <dgm:txLinClrLst/>
+    <dgm:txFillClrLst meth="repeat">
+      <a:schemeClr val="tx1"/>
+    </dgm:txFillClrLst>
+    <dgm:txEffectClrLst/>
+  </dgm:styleLbl>
+  <dgm:styleLbl name="parChTrans1D3">
+    <dgm:fillClrLst meth="repeat">
+      <a:schemeClr val="accent2">
+        <a:tint val="70000"/>
+      </a:schemeClr>
+    </dgm:fillClrLst>
+    <dgm:linClrLst meth="repeat">
+      <a:schemeClr val="accent5"/>
+    </dgm:linClrLst>
+    <dgm:effectClrLst/>
+    <dgm:txLinClrLst/>
+    <dgm:txFillClrLst meth="repeat">
+      <a:schemeClr val="tx1"/>
+    </dgm:txFillClrLst>
+    <dgm:txEffectClrLst/>
+  </dgm:styleLbl>
+  <dgm:styleLbl name="parChTrans1D4">
+    <dgm:fillClrLst meth="repeat">
+      <a:schemeClr val="accent6">
+        <a:tint val="50000"/>
+      </a:schemeClr>
+    </dgm:fillClrLst>
+    <dgm:linClrLst meth="repeat">
+      <a:schemeClr val="accent6"/>
+    </dgm:linClrLst>
+    <dgm:effectClrLst/>
+    <dgm:txLinClrLst/>
+    <dgm:txFillClrLst meth="repeat">
+      <a:schemeClr val="tx1"/>
+    </dgm:txFillClrLst>
+    <dgm:txEffectClrLst/>
+  </dgm:styleLbl>
+  <dgm:styleLbl name="fgAcc1">
+    <dgm:fillClrLst meth="repeat">
+      <a:schemeClr val="lt1">
+        <a:alpha val="90000"/>
+      </a:schemeClr>
+    </dgm:fillClrLst>
+    <dgm:linClrLst>
+      <a:schemeClr val="accent3"/>
+      <a:schemeClr val="accent4"/>
+    </dgm:linClrLst>
+    <dgm:effectClrLst/>
+    <dgm:txLinClrLst/>
+    <dgm:txFillClrLst meth="repeat">
+      <a:schemeClr val="dk1"/>
+    </dgm:txFillClrLst>
+    <dgm:txEffectClrLst/>
+  </dgm:styleLbl>
+  <dgm:styleLbl name="conFgAcc1">
+    <dgm:fillClrLst meth="repeat">
+      <a:schemeClr val="lt1">
+        <a:alpha val="90000"/>
+      </a:schemeClr>
+    </dgm:fillClrLst>
+    <dgm:linClrLst>
+      <a:schemeClr val="accent3"/>
+      <a:schemeClr val="accent4"/>
+    </dgm:linClrLst>
+    <dgm:effectClrLst/>
+    <dgm:txLinClrLst/>
+    <dgm:txFillClrLst meth="repeat">
+      <a:schemeClr val="dk1"/>
+    </dgm:txFillClrLst>
+    <dgm:txEffectClrLst/>
+  </dgm:styleLbl>
+  <dgm:styleLbl name="alignAcc1">
+    <dgm:fillClrLst meth="repeat">
+      <a:schemeClr val="lt1">
+        <a:alpha val="90000"/>
+      </a:schemeClr>
+    </dgm:fillClrLst>
+    <dgm:linClrLst>
+      <a:schemeClr val="accent3"/>
+      <a:schemeClr val="accent4"/>
+    </dgm:linClrLst>
+    <dgm:effectClrLst/>
+    <dgm:txLinClrLst/>
+    <dgm:txFillClrLst meth="repeat">
+      <a:schemeClr val="dk1"/>
+    </dgm:txFillClrLst>
+    <dgm:txEffectClrLst/>
+  </dgm:styleLbl>
+  <dgm:styleLbl name="trAlignAcc1">
+    <dgm:fillClrLst meth="repeat">
+      <a:schemeClr val="lt1">
+        <a:alpha val="40000"/>
+      </a:schemeClr>
+    </dgm:fillClrLst>
+    <dgm:linClrLst meth="repeat">
+      <a:schemeClr val="accent2"/>
+    </dgm:linClrLst>
+    <dgm:effectClrLst/>
+    <dgm:txLinClrLst/>
+    <dgm:txFillClrLst meth="repeat">
+      <a:schemeClr val="dk1"/>
+    </dgm:txFillClrLst>
+    <dgm:txEffectClrLst/>
+  </dgm:styleLbl>
+  <dgm:styleLbl name="bgAcc1">
+    <dgm:fillClrLst meth="repeat">
+      <a:schemeClr val="lt1">
+        <a:alpha val="90000"/>
+      </a:schemeClr>
+    </dgm:fillClrLst>
+    <dgm:linClrLst>
+      <a:schemeClr val="accent3"/>
+      <a:schemeClr val="accent4"/>
+    </dgm:linClrLst>
+    <dgm:effectClrLst/>
+    <dgm:txLinClrLst/>
+    <dgm:txFillClrLst meth="repeat">
+      <a:schemeClr val="dk1"/>
+    </dgm:txFillClrLst>
+    <dgm:txEffectClrLst/>
+  </dgm:styleLbl>
+  <dgm:styleLbl name="solidFgAcc1">
+    <dgm:fillClrLst meth="repeat">
+      <a:schemeClr val="lt1"/>
+    </dgm:fillClrLst>
+    <dgm:linClrLst>
+      <a:schemeClr val="accent3"/>
+      <a:schemeClr val="accent4"/>
+    </dgm:linClrLst>
+    <dgm:effectClrLst/>
+    <dgm:txLinClrLst/>
+    <dgm:txFillClrLst meth="repeat">
+      <a:schemeClr val="dk1"/>
+    </dgm:txFillClrLst>
+    <dgm:txEffectClrLst/>
+  </dgm:styleLbl>
+  <dgm:styleLbl name="solidAlignAcc1">
+    <dgm:fillClrLst meth="repeat">
+      <a:schemeClr val="lt1"/>
+    </dgm:fillClrLst>
+    <dgm:linClrLst>
+      <a:schemeClr val="accent3"/>
+      <a:schemeClr val="accent4"/>
+    </dgm:linClrLst>
+    <dgm:effectClrLst/>
+    <dgm:txLinClrLst/>
+    <dgm:txFillClrLst meth="repeat">
+      <a:schemeClr val="dk1"/>
+    </dgm:txFillClrLst>
+    <dgm:txEffectClrLst/>
+  </dgm:styleLbl>
+  <dgm:styleLbl name="solidBgAcc1">
+    <dgm:fillClrLst meth="repeat">
+      <a:schemeClr val="lt1"/>
+    </dgm:fillClrLst>
+    <dgm:linClrLst>
+      <a:schemeClr val="accent3"/>
+      <a:schemeClr val="accent4"/>
+    </dgm:linClrLst>
+    <dgm:effectClrLst/>
+    <dgm:txLinClrLst/>
+    <dgm:txFillClrLst meth="repeat">
+      <a:schemeClr val="dk1"/>
+    </dgm:txFillClrLst>
+    <dgm:txEffectClrLst/>
+  </dgm:styleLbl>
+  <dgm:styleLbl name="fgAccFollowNode1">
+    <dgm:fillClrLst>
+      <a:schemeClr val="accent3">
+        <a:tint val="40000"/>
+        <a:alpha val="90000"/>
+      </a:schemeClr>
+      <a:schemeClr val="accent4">
+        <a:tint val="40000"/>
+        <a:alpha val="90000"/>
+      </a:schemeClr>
+    </dgm:fillClrLst>
+    <dgm:linClrLst>
+      <a:schemeClr val="accent3">
+        <a:tint val="40000"/>
+        <a:alpha val="90000"/>
+      </a:schemeClr>
+      <a:schemeClr val="accent4">
+        <a:tint val="40000"/>
+        <a:alpha val="90000"/>
+      </a:schemeClr>
+    </dgm:linClrLst>
+    <dgm:effectClrLst/>
+    <dgm:txLinClrLst/>
+    <dgm:txFillClrLst meth="repeat">
+      <a:schemeClr val="dk1"/>
+    </dgm:txFillClrLst>
+    <dgm:txEffectClrLst/>
+  </dgm:styleLbl>
+  <dgm:styleLbl name="alignAccFollowNode1">
+    <dgm:fillClrLst>
+      <a:schemeClr val="accent3">
+        <a:tint val="40000"/>
+        <a:alpha val="90000"/>
+      </a:schemeClr>
+      <a:schemeClr val="accent4">
+        <a:tint val="40000"/>
+        <a:alpha val="90000"/>
+      </a:schemeClr>
+    </dgm:fillClrLst>
+    <dgm:linClrLst>
+      <a:schemeClr val="accent3">
+        <a:tint val="40000"/>
+        <a:alpha val="90000"/>
+      </a:schemeClr>
+      <a:schemeClr val="accent4">
+        <a:tint val="40000"/>
+        <a:alpha val="90000"/>
+      </a:schemeClr>
+    </dgm:linClrLst>
+    <dgm:effectClrLst/>
+    <dgm:txLinClrLst/>
+    <dgm:txFillClrLst meth="repeat">
+      <a:schemeClr val="dk1"/>
+    </dgm:txFillClrLst>
+    <dgm:txEffectClrLst/>
+  </dgm:styleLbl>
+  <dgm:styleLbl name="bgAccFollowNode1">
+    <dgm:fillClrLst>
+      <a:schemeClr val="accent3">
+        <a:tint val="40000"/>
+        <a:alpha val="90000"/>
+      </a:schemeClr>
+      <a:schemeClr val="accent4">
+        <a:tint val="40000"/>
+        <a:alpha val="90000"/>
+      </a:schemeClr>
+    </dgm:fillClrLst>
+    <dgm:linClrLst>
+      <a:schemeClr val="accent3">
+        <a:tint val="40000"/>
+        <a:alpha val="90000"/>
+      </a:schemeClr>
+      <a:schemeClr val="accent4">
+        <a:tint val="40000"/>
+        <a:alpha val="90000"/>
+      </a:schemeClr>
+    </dgm:linClrLst>
+    <dgm:effectClrLst/>
+    <dgm:txLinClrLst/>
+    <dgm:txFillClrLst meth="repeat">
+      <a:schemeClr val="dk1"/>
+    </dgm:txFillClrLst>
+    <dgm:txEffectClrLst/>
+  </dgm:styleLbl>
+  <dgm:styleLbl name="fgAcc0">
+    <dgm:fillClrLst meth="repeat">
+      <a:schemeClr val="lt1">
+        <a:alpha val="90000"/>
+      </a:schemeClr>
+    </dgm:fillClrLst>
+    <dgm:linClrLst>
+      <a:schemeClr val="accent2"/>
+    </dgm:linClrLst>
+    <dgm:effectClrLst/>
+    <dgm:txLinClrLst/>
+    <dgm:txFillClrLst meth="repeat">
+      <a:schemeClr val="dk1"/>
+    </dgm:txFillClrLst>
+    <dgm:txEffectClrLst/>
+  </dgm:styleLbl>
+  <dgm:styleLbl name="fgAcc2">
+    <dgm:fillClrLst meth="repeat">
+      <a:schemeClr val="lt1">
+        <a:alpha val="90000"/>
+      </a:schemeClr>
+    </dgm:fillClrLst>
+    <dgm:linClrLst>
+      <a:schemeClr val="accent4"/>
+    </dgm:linClrLst>
+    <dgm:effectClrLst/>
+    <dgm:txLinClrLst/>
+    <dgm:txFillClrLst meth="repeat">
+      <a:schemeClr val="dk1"/>
+    </dgm:txFillClrLst>
+    <dgm:txEffectClrLst/>
+  </dgm:styleLbl>
+  <dgm:styleLbl name="fgAcc3">
+    <dgm:fillClrLst meth="repeat">
+      <a:schemeClr val="lt1">
+        <a:alpha val="90000"/>
+      </a:schemeClr>
+    </dgm:fillClrLst>
+    <dgm:linClrLst>
+      <a:schemeClr val="accent5"/>
+    </dgm:linClrLst>
+    <dgm:effectClrLst/>
+    <dgm:txLinClrLst/>
+    <dgm:txFillClrLst meth="repeat">
+      <a:schemeClr val="dk1"/>
+    </dgm:txFillClrLst>
+    <dgm:txEffectClrLst/>
+  </dgm:styleLbl>
+  <dgm:styleLbl name="fgAcc4">
+    <dgm:fillClrLst meth="repeat">
+      <a:schemeClr val="lt1">
+        <a:alpha val="90000"/>
+      </a:schemeClr>
+    </dgm:fillClrLst>
+    <dgm:linClrLst>
+      <a:schemeClr val="accent6"/>
+    </dgm:linClrLst>
+    <dgm:effectClrLst/>
+    <dgm:txLinClrLst/>
+    <dgm:txFillClrLst meth="repeat">
+      <a:schemeClr val="dk1"/>
+    </dgm:txFillClrLst>
+    <dgm:txEffectClrLst/>
+  </dgm:styleLbl>
+  <dgm:styleLbl name="bgShp">
+    <dgm:fillClrLst meth="repeat">
+      <a:schemeClr val="accent3">
+        <a:tint val="40000"/>
+      </a:schemeClr>
+    </dgm:fillClrLst>
+    <dgm:linClrLst meth="repeat">
+      <a:schemeClr val="dk1"/>
+    </dgm:linClrLst>
+    <dgm:effectClrLst/>
+    <dgm:txLinClrLst/>
+    <dgm:txFillClrLst meth="repeat">
+      <a:schemeClr val="dk1"/>
+    </dgm:txFillClrLst>
+    <dgm:txEffectClrLst/>
+  </dgm:styleLbl>
+  <dgm:styleLbl name="dkBgShp">
+    <dgm:fillClrLst meth="repeat">
+      <a:schemeClr val="accent3">
+        <a:shade val="90000"/>
+      </a:schemeClr>
+    </dgm:fillClrLst>
+    <dgm:linClrLst meth="repeat">
+      <a:schemeClr val="dk1"/>
+    </dgm:linClrLst>
+    <dgm:effectClrLst/>
+    <dgm:txLinClrLst/>
+    <dgm:txFillClrLst meth="repeat">
+      <a:schemeClr val="lt1"/>
+    </dgm:txFillClrLst>
+    <dgm:txEffectClrLst/>
+  </dgm:styleLbl>
+  <dgm:styleLbl name="trBgShp">
+    <dgm:fillClrLst meth="repeat">
+      <a:schemeClr val="accent2">
+        <a:tint val="50000"/>
+        <a:alpha val="40000"/>
+      </a:schemeClr>
+    </dgm:fillClrLst>
+    <dgm:linClrLst meth="repeat">
+      <a:schemeClr val="accent3"/>
+    </dgm:linClrLst>
+    <dgm:effectClrLst/>
+    <dgm:txLinClrLst/>
+    <dgm:txFillClrLst meth="repeat">
+      <a:schemeClr val="lt1"/>
+    </dgm:txFillClrLst>
+    <dgm:txEffectClrLst/>
+  </dgm:styleLbl>
+  <dgm:styleLbl name="fgShp">
+    <dgm:fillClrLst meth="repeat">
+      <a:schemeClr val="accent3">
+        <a:tint val="40000"/>
+      </a:schemeClr>
+    </dgm:fillClrLst>
+    <dgm:linClrLst meth="repeat">
+      <a:schemeClr val="lt1"/>
+    </dgm:linClrLst>
+    <dgm:effectClrLst/>
+    <dgm:txLinClrLst/>
+    <dgm:txFillClrLst meth="repeat">
+      <a:schemeClr val="dk1"/>
+    </dgm:txFillClrLst>
+    <dgm:txEffectClrLst/>
+  </dgm:styleLbl>
+  <dgm:styleLbl name="revTx">
+    <dgm:fillClrLst meth="repeat">
+      <a:schemeClr val="lt1">
+        <a:alpha val="0"/>
+      </a:schemeClr>
+    </dgm:fillClrLst>
+    <dgm:linClrLst meth="repeat">
+      <a:schemeClr val="dk1">
+        <a:alpha val="0"/>
+      </a:schemeClr>
+    </dgm:linClrLst>
+    <dgm:effectClrLst/>
+    <dgm:txLinClrLst/>
+    <dgm:txFillClrLst meth="repeat">
+      <a:schemeClr val="tx1"/>
+    </dgm:txFillClrLst>
+    <dgm:txEffectClrLst/>
+  </dgm:styleLbl>
+</dgm:colorsDef>
+</file>
+
+<file path=ppt/diagrams/data1.xml><?xml version="1.0" encoding="utf-8"?>
+<dgm:dataModel xmlns:dgm="http://schemas.openxmlformats.org/drawingml/2006/diagram" xmlns:a="http://schemas.openxmlformats.org/drawingml/2006/main">
+  <dgm:ptLst>
+    <dgm:pt modelId="{221AB1D0-927B-CD41-B0B0-FA587FEF8FC9}" type="doc">
+      <dgm:prSet loTypeId="urn:microsoft.com/office/officeart/2005/8/layout/hierarchy1" loCatId="" qsTypeId="urn:microsoft.com/office/officeart/2005/8/quickstyle/simple4" qsCatId="simple" csTypeId="urn:microsoft.com/office/officeart/2005/8/colors/colorful3" csCatId="colorful" phldr="1"/>
+      <dgm:spPr/>
+      <dgm:t>
+        <a:bodyPr/>
+        <a:lstStyle/>
+        <a:p>
+          <a:endParaRPr lang="en-US"/>
+        </a:p>
+      </dgm:t>
+    </dgm:pt>
+    <dgm:pt modelId="{A475D1E2-11ED-384F-80DD-2C7A69455F75}">
+      <dgm:prSet phldrT="[Text]"/>
+      <dgm:spPr/>
+      <dgm:t>
+        <a:bodyPr/>
+        <a:lstStyle/>
+        <a:p>
+          <a:r>
+            <a:rPr lang="en-US" dirty="0" smtClean="0"/>
+            <a:t>Prediction accuracy</a:t>
+          </a:r>
+          <a:endParaRPr lang="en-US" dirty="0"/>
+        </a:p>
+      </dgm:t>
+    </dgm:pt>
+    <dgm:pt modelId="{C0759B09-2136-1542-B42D-405AA714E12E}" type="parTrans" cxnId="{E2CFB92C-32CB-AC48-A7E0-4124B18FE5EE}">
+      <dgm:prSet/>
+      <dgm:spPr/>
+      <dgm:t>
+        <a:bodyPr/>
+        <a:lstStyle/>
+        <a:p>
+          <a:endParaRPr lang="en-US"/>
+        </a:p>
+      </dgm:t>
+    </dgm:pt>
+    <dgm:pt modelId="{41C81605-3B77-F640-89A5-609FB8DC9A98}" type="sibTrans" cxnId="{E2CFB92C-32CB-AC48-A7E0-4124B18FE5EE}">
+      <dgm:prSet/>
+      <dgm:spPr/>
+      <dgm:t>
+        <a:bodyPr/>
+        <a:lstStyle/>
+        <a:p>
+          <a:endParaRPr lang="en-US"/>
+        </a:p>
+      </dgm:t>
+    </dgm:pt>
+    <dgm:pt modelId="{5889D157-B6A2-1046-82DC-00C7224481AD}">
+      <dgm:prSet phldrT="[Text]"/>
+      <dgm:spPr/>
+      <dgm:t>
+        <a:bodyPr/>
+        <a:lstStyle/>
+        <a:p>
+          <a:r>
+            <a:rPr lang="en-US" dirty="0" smtClean="0"/>
+            <a:t>day</a:t>
+          </a:r>
+          <a:endParaRPr lang="en-US" dirty="0"/>
+        </a:p>
+      </dgm:t>
+    </dgm:pt>
+    <dgm:pt modelId="{672167A6-1F35-4B4A-8D89-3094242D313B}" type="parTrans" cxnId="{954AE7FF-8C0C-7E4B-9BCE-F4519D5ACC3D}">
+      <dgm:prSet/>
+      <dgm:spPr/>
+      <dgm:t>
+        <a:bodyPr/>
+        <a:lstStyle/>
+        <a:p>
+          <a:endParaRPr lang="en-US"/>
+        </a:p>
+      </dgm:t>
+    </dgm:pt>
+    <dgm:pt modelId="{6AF4E6C8-A8FA-7042-ABF5-ACD7B10D4202}" type="sibTrans" cxnId="{954AE7FF-8C0C-7E4B-9BCE-F4519D5ACC3D}">
+      <dgm:prSet/>
+      <dgm:spPr/>
+      <dgm:t>
+        <a:bodyPr/>
+        <a:lstStyle/>
+        <a:p>
+          <a:endParaRPr lang="en-US"/>
+        </a:p>
+      </dgm:t>
+    </dgm:pt>
+    <dgm:pt modelId="{1EE71E2F-F1CC-DA4C-89B9-07A8F752F992}">
+      <dgm:prSet phldrT="[Text]"/>
+      <dgm:spPr/>
+      <dgm:t>
+        <a:bodyPr/>
+        <a:lstStyle/>
+        <a:p>
+          <a:r>
+            <a:rPr lang="en-US" dirty="0" smtClean="0"/>
+            <a:t>Stock marketing</a:t>
+          </a:r>
+          <a:endParaRPr lang="en-US" dirty="0"/>
+        </a:p>
+      </dgm:t>
+    </dgm:pt>
+    <dgm:pt modelId="{88F7232C-9ED4-9746-A95F-FCCC2711041A}" type="parTrans" cxnId="{7ACF72E2-1384-3D4B-B05B-3689012AB59D}">
+      <dgm:prSet/>
+      <dgm:spPr/>
+      <dgm:t>
+        <a:bodyPr/>
+        <a:lstStyle/>
+        <a:p>
+          <a:endParaRPr lang="en-US"/>
+        </a:p>
+      </dgm:t>
+    </dgm:pt>
+    <dgm:pt modelId="{C476D1FF-A6E9-E740-BF79-9AC63B89908E}" type="sibTrans" cxnId="{7ACF72E2-1384-3D4B-B05B-3689012AB59D}">
+      <dgm:prSet/>
+      <dgm:spPr/>
+      <dgm:t>
+        <a:bodyPr/>
+        <a:lstStyle/>
+        <a:p>
+          <a:endParaRPr lang="en-US"/>
+        </a:p>
+      </dgm:t>
+    </dgm:pt>
+    <dgm:pt modelId="{31E81932-0D6B-CF49-BD1C-4DCC0DCDD291}">
+      <dgm:prSet phldrT="[Text]"/>
+      <dgm:spPr/>
+      <dgm:t>
+        <a:bodyPr/>
+        <a:lstStyle/>
+        <a:p>
+          <a:r>
+            <a:rPr lang="en-US" dirty="0" smtClean="0"/>
+            <a:t>Conflict data</a:t>
+          </a:r>
+          <a:endParaRPr lang="en-US" dirty="0"/>
+        </a:p>
+      </dgm:t>
+    </dgm:pt>
+    <dgm:pt modelId="{FF5549BC-D74D-034F-A996-6C9D81E4DED1}" type="parTrans" cxnId="{BABA32E5-A16B-E745-8CFF-5EA5AAD1E3A1}">
+      <dgm:prSet/>
+      <dgm:spPr/>
+      <dgm:t>
+        <a:bodyPr/>
+        <a:lstStyle/>
+        <a:p>
+          <a:endParaRPr lang="en-US"/>
+        </a:p>
+      </dgm:t>
+    </dgm:pt>
+    <dgm:pt modelId="{344E75E7-5AF3-A547-A7D6-072342C041B5}" type="sibTrans" cxnId="{BABA32E5-A16B-E745-8CFF-5EA5AAD1E3A1}">
+      <dgm:prSet/>
+      <dgm:spPr/>
+      <dgm:t>
+        <a:bodyPr/>
+        <a:lstStyle/>
+        <a:p>
+          <a:endParaRPr lang="en-US"/>
+        </a:p>
+      </dgm:t>
+    </dgm:pt>
+    <dgm:pt modelId="{4866C472-C7F9-7D47-B032-6D972F6B5CBA}">
+      <dgm:prSet phldrT="[Text]"/>
+      <dgm:spPr/>
+      <dgm:t>
+        <a:bodyPr/>
+        <a:lstStyle/>
+        <a:p>
+          <a:r>
+            <a:rPr lang="en-US" dirty="0" smtClean="0"/>
+            <a:t>year</a:t>
+          </a:r>
+          <a:endParaRPr lang="en-US" dirty="0"/>
+        </a:p>
+      </dgm:t>
+    </dgm:pt>
+    <dgm:pt modelId="{4AA9F3CC-B091-8C4B-86DF-22BE79C817FD}" type="parTrans" cxnId="{1C19BEE2-82E3-AD48-BE63-406510D22476}">
+      <dgm:prSet/>
+      <dgm:spPr/>
+      <dgm:t>
+        <a:bodyPr/>
+        <a:lstStyle/>
+        <a:p>
+          <a:endParaRPr lang="en-US"/>
+        </a:p>
+      </dgm:t>
+    </dgm:pt>
+    <dgm:pt modelId="{660A67D1-D486-184B-9020-30C17EFD7A7D}" type="sibTrans" cxnId="{1C19BEE2-82E3-AD48-BE63-406510D22476}">
+      <dgm:prSet/>
+      <dgm:spPr/>
+      <dgm:t>
+        <a:bodyPr/>
+        <a:lstStyle/>
+        <a:p>
+          <a:endParaRPr lang="en-US"/>
+        </a:p>
+      </dgm:t>
+    </dgm:pt>
+    <dgm:pt modelId="{BD74A94B-3487-064D-B5E7-E808554F3937}">
+      <dgm:prSet phldrT="[Text]"/>
+      <dgm:spPr/>
+      <dgm:t>
+        <a:bodyPr/>
+        <a:lstStyle/>
+        <a:p>
+          <a:r>
+            <a:rPr lang="en-US" dirty="0" smtClean="0"/>
+            <a:t>GDP,GNI, </a:t>
+          </a:r>
+          <a:r>
+            <a:rPr lang="en-US" dirty="0" err="1" smtClean="0"/>
+            <a:t>etc</a:t>
+          </a:r>
+          <a:endParaRPr lang="en-US" dirty="0"/>
+        </a:p>
+      </dgm:t>
+    </dgm:pt>
+    <dgm:pt modelId="{FEEE7BB5-5B8D-E04C-A8CF-D8F89D643BC3}" type="parTrans" cxnId="{C0CBDEAD-7B74-3F49-A464-A0622CD0AD7F}">
+      <dgm:prSet/>
+      <dgm:spPr/>
+      <dgm:t>
+        <a:bodyPr/>
+        <a:lstStyle/>
+        <a:p>
+          <a:endParaRPr lang="en-US"/>
+        </a:p>
+      </dgm:t>
+    </dgm:pt>
+    <dgm:pt modelId="{47651558-B658-054E-8340-A64176723A7F}" type="sibTrans" cxnId="{C0CBDEAD-7B74-3F49-A464-A0622CD0AD7F}">
+      <dgm:prSet/>
+      <dgm:spPr/>
+      <dgm:t>
+        <a:bodyPr/>
+        <a:lstStyle/>
+        <a:p>
+          <a:endParaRPr lang="en-US"/>
+        </a:p>
+      </dgm:t>
+    </dgm:pt>
+    <dgm:pt modelId="{DB36A2FC-FB23-B142-8997-B33579DCC506}" type="pres">
+      <dgm:prSet presAssocID="{221AB1D0-927B-CD41-B0B0-FA587FEF8FC9}" presName="hierChild1" presStyleCnt="0">
+        <dgm:presLayoutVars>
+          <dgm:chPref val="1"/>
+          <dgm:dir/>
+          <dgm:animOne val="branch"/>
+          <dgm:animLvl val="lvl"/>
+          <dgm:resizeHandles/>
+        </dgm:presLayoutVars>
+      </dgm:prSet>
+      <dgm:spPr/>
+    </dgm:pt>
+    <dgm:pt modelId="{D411DBCA-764B-A641-AE49-241AE9A9007C}" type="pres">
+      <dgm:prSet presAssocID="{A475D1E2-11ED-384F-80DD-2C7A69455F75}" presName="hierRoot1" presStyleCnt="0"/>
+      <dgm:spPr/>
+    </dgm:pt>
+    <dgm:pt modelId="{A2CCCC1A-645D-9147-8187-E315C9C47155}" type="pres">
+      <dgm:prSet presAssocID="{A475D1E2-11ED-384F-80DD-2C7A69455F75}" presName="composite" presStyleCnt="0"/>
+      <dgm:spPr/>
+    </dgm:pt>
+    <dgm:pt modelId="{D2AB577B-52DE-B543-961F-9EF4AF548262}" type="pres">
+      <dgm:prSet presAssocID="{A475D1E2-11ED-384F-80DD-2C7A69455F75}" presName="background" presStyleLbl="node0" presStyleIdx="0" presStyleCnt="1"/>
+      <dgm:spPr/>
+    </dgm:pt>
+    <dgm:pt modelId="{60D07B3B-4634-3C4C-8544-B41F60A8963E}" type="pres">
+      <dgm:prSet presAssocID="{A475D1E2-11ED-384F-80DD-2C7A69455F75}" presName="text" presStyleLbl="fgAcc0" presStyleIdx="0" presStyleCnt="1">
+        <dgm:presLayoutVars>
+          <dgm:chPref val="3"/>
+        </dgm:presLayoutVars>
+      </dgm:prSet>
+      <dgm:spPr/>
+      <dgm:t>
+        <a:bodyPr/>
+        <a:lstStyle/>
+        <a:p>
+          <a:endParaRPr lang="en-US"/>
+        </a:p>
+      </dgm:t>
+    </dgm:pt>
+    <dgm:pt modelId="{D44C0345-9204-A445-B80D-7AFC4E79A5DC}" type="pres">
+      <dgm:prSet presAssocID="{A475D1E2-11ED-384F-80DD-2C7A69455F75}" presName="hierChild2" presStyleCnt="0"/>
+      <dgm:spPr/>
+    </dgm:pt>
+    <dgm:pt modelId="{EE0EE165-34C7-F64A-8F6F-010E70AFF8F4}" type="pres">
+      <dgm:prSet presAssocID="{672167A6-1F35-4B4A-8D89-3094242D313B}" presName="Name10" presStyleLbl="parChTrans1D2" presStyleIdx="0" presStyleCnt="2"/>
+      <dgm:spPr/>
+    </dgm:pt>
+    <dgm:pt modelId="{CF4BEFE3-98B1-D841-983A-D21F81E5F809}" type="pres">
+      <dgm:prSet presAssocID="{5889D157-B6A2-1046-82DC-00C7224481AD}" presName="hierRoot2" presStyleCnt="0"/>
+      <dgm:spPr/>
+    </dgm:pt>
+    <dgm:pt modelId="{BBC038AE-FF0D-D345-A767-FF69D4DD103F}" type="pres">
+      <dgm:prSet presAssocID="{5889D157-B6A2-1046-82DC-00C7224481AD}" presName="composite2" presStyleCnt="0"/>
+      <dgm:spPr/>
+    </dgm:pt>
+    <dgm:pt modelId="{8DED4DC0-67CA-CF40-A781-C5C8D5FBBC06}" type="pres">
+      <dgm:prSet presAssocID="{5889D157-B6A2-1046-82DC-00C7224481AD}" presName="background2" presStyleLbl="node2" presStyleIdx="0" presStyleCnt="2"/>
+      <dgm:spPr/>
+    </dgm:pt>
+    <dgm:pt modelId="{7E3097B4-40F4-ED48-9BBC-71ADC9E153AC}" type="pres">
+      <dgm:prSet presAssocID="{5889D157-B6A2-1046-82DC-00C7224481AD}" presName="text2" presStyleLbl="fgAcc2" presStyleIdx="0" presStyleCnt="2">
+        <dgm:presLayoutVars>
+          <dgm:chPref val="3"/>
+        </dgm:presLayoutVars>
+      </dgm:prSet>
+      <dgm:spPr/>
+    </dgm:pt>
+    <dgm:pt modelId="{010D338E-6BFD-1C4B-9046-78B7228A4B25}" type="pres">
+      <dgm:prSet presAssocID="{5889D157-B6A2-1046-82DC-00C7224481AD}" presName="hierChild3" presStyleCnt="0"/>
+      <dgm:spPr/>
+    </dgm:pt>
+    <dgm:pt modelId="{FB1E6A63-D38A-B24E-A6CE-74708CCF8612}" type="pres">
+      <dgm:prSet presAssocID="{88F7232C-9ED4-9746-A95F-FCCC2711041A}" presName="Name17" presStyleLbl="parChTrans1D3" presStyleIdx="0" presStyleCnt="3"/>
+      <dgm:spPr/>
+    </dgm:pt>
+    <dgm:pt modelId="{25C2AAA2-D6D4-B04D-81B0-D05B7C92E704}" type="pres">
+      <dgm:prSet presAssocID="{1EE71E2F-F1CC-DA4C-89B9-07A8F752F992}" presName="hierRoot3" presStyleCnt="0"/>
+      <dgm:spPr/>
+    </dgm:pt>
+    <dgm:pt modelId="{D34532FE-DC38-6C43-9665-1E1FFA9BEFB5}" type="pres">
+      <dgm:prSet presAssocID="{1EE71E2F-F1CC-DA4C-89B9-07A8F752F992}" presName="composite3" presStyleCnt="0"/>
+      <dgm:spPr/>
+    </dgm:pt>
+    <dgm:pt modelId="{ED3E58AE-D77B-8842-B0D7-504E72652A14}" type="pres">
+      <dgm:prSet presAssocID="{1EE71E2F-F1CC-DA4C-89B9-07A8F752F992}" presName="background3" presStyleLbl="node3" presStyleIdx="0" presStyleCnt="3"/>
+      <dgm:spPr/>
+    </dgm:pt>
+    <dgm:pt modelId="{BB105989-689D-1042-9218-A45B068C42CD}" type="pres">
+      <dgm:prSet presAssocID="{1EE71E2F-F1CC-DA4C-89B9-07A8F752F992}" presName="text3" presStyleLbl="fgAcc3" presStyleIdx="0" presStyleCnt="3">
+        <dgm:presLayoutVars>
+          <dgm:chPref val="3"/>
+        </dgm:presLayoutVars>
+      </dgm:prSet>
+      <dgm:spPr/>
+      <dgm:t>
+        <a:bodyPr/>
+        <a:lstStyle/>
+        <a:p>
+          <a:endParaRPr lang="en-US"/>
+        </a:p>
+      </dgm:t>
+    </dgm:pt>
+    <dgm:pt modelId="{4C6C5835-4EDD-7647-90B2-7121DDFCADDC}" type="pres">
+      <dgm:prSet presAssocID="{1EE71E2F-F1CC-DA4C-89B9-07A8F752F992}" presName="hierChild4" presStyleCnt="0"/>
+      <dgm:spPr/>
+    </dgm:pt>
+    <dgm:pt modelId="{F7DE4D14-A8D6-784C-ABD3-2F22254C0F7A}" type="pres">
+      <dgm:prSet presAssocID="{FF5549BC-D74D-034F-A996-6C9D81E4DED1}" presName="Name17" presStyleLbl="parChTrans1D3" presStyleIdx="1" presStyleCnt="3"/>
+      <dgm:spPr/>
+    </dgm:pt>
+    <dgm:pt modelId="{E8DE6CBB-F17F-7547-8782-656482095592}" type="pres">
+      <dgm:prSet presAssocID="{31E81932-0D6B-CF49-BD1C-4DCC0DCDD291}" presName="hierRoot3" presStyleCnt="0"/>
+      <dgm:spPr/>
+    </dgm:pt>
+    <dgm:pt modelId="{B03DFC83-5AF3-704A-8FC0-E3400FB31039}" type="pres">
+      <dgm:prSet presAssocID="{31E81932-0D6B-CF49-BD1C-4DCC0DCDD291}" presName="composite3" presStyleCnt="0"/>
+      <dgm:spPr/>
+    </dgm:pt>
+    <dgm:pt modelId="{8ABE391B-1146-FC40-AECC-D69E1A4429DE}" type="pres">
+      <dgm:prSet presAssocID="{31E81932-0D6B-CF49-BD1C-4DCC0DCDD291}" presName="background3" presStyleLbl="node3" presStyleIdx="1" presStyleCnt="3"/>
+      <dgm:spPr/>
+    </dgm:pt>
+    <dgm:pt modelId="{A110FA02-3641-BD4C-9558-EDBDF7E58EB5}" type="pres">
+      <dgm:prSet presAssocID="{31E81932-0D6B-CF49-BD1C-4DCC0DCDD291}" presName="text3" presStyleLbl="fgAcc3" presStyleIdx="1" presStyleCnt="3">
+        <dgm:presLayoutVars>
+          <dgm:chPref val="3"/>
+        </dgm:presLayoutVars>
+      </dgm:prSet>
+      <dgm:spPr/>
+      <dgm:t>
+        <a:bodyPr/>
+        <a:lstStyle/>
+        <a:p>
+          <a:endParaRPr lang="en-US"/>
+        </a:p>
+      </dgm:t>
+    </dgm:pt>
+    <dgm:pt modelId="{CE1C9215-6477-4B47-9724-2994E3AB286E}" type="pres">
+      <dgm:prSet presAssocID="{31E81932-0D6B-CF49-BD1C-4DCC0DCDD291}" presName="hierChild4" presStyleCnt="0"/>
+      <dgm:spPr/>
+    </dgm:pt>
+    <dgm:pt modelId="{49E8F3AB-2946-DE49-A683-2DB1473B429A}" type="pres">
+      <dgm:prSet presAssocID="{4AA9F3CC-B091-8C4B-86DF-22BE79C817FD}" presName="Name10" presStyleLbl="parChTrans1D2" presStyleIdx="1" presStyleCnt="2"/>
+      <dgm:spPr/>
+    </dgm:pt>
+    <dgm:pt modelId="{5F0241C8-9FDC-E84A-AF59-8AFFADF126E6}" type="pres">
+      <dgm:prSet presAssocID="{4866C472-C7F9-7D47-B032-6D972F6B5CBA}" presName="hierRoot2" presStyleCnt="0"/>
+      <dgm:spPr/>
+    </dgm:pt>
+    <dgm:pt modelId="{A944A9C8-B389-EF4A-AAD4-4A0090F2EA46}" type="pres">
+      <dgm:prSet presAssocID="{4866C472-C7F9-7D47-B032-6D972F6B5CBA}" presName="composite2" presStyleCnt="0"/>
+      <dgm:spPr/>
+    </dgm:pt>
+    <dgm:pt modelId="{5ED9B070-5753-7F4F-830A-EA4EB3FA40B4}" type="pres">
+      <dgm:prSet presAssocID="{4866C472-C7F9-7D47-B032-6D972F6B5CBA}" presName="background2" presStyleLbl="node2" presStyleIdx="1" presStyleCnt="2"/>
+      <dgm:spPr/>
+    </dgm:pt>
+    <dgm:pt modelId="{4DA4BACB-11B2-9841-9A95-85FB9C84FDAE}" type="pres">
+      <dgm:prSet presAssocID="{4866C472-C7F9-7D47-B032-6D972F6B5CBA}" presName="text2" presStyleLbl="fgAcc2" presStyleIdx="1" presStyleCnt="2">
+        <dgm:presLayoutVars>
+          <dgm:chPref val="3"/>
+        </dgm:presLayoutVars>
+      </dgm:prSet>
+      <dgm:spPr/>
+    </dgm:pt>
+    <dgm:pt modelId="{59BE561C-3676-6349-8BC4-7FB0FBBBD6A5}" type="pres">
+      <dgm:prSet presAssocID="{4866C472-C7F9-7D47-B032-6D972F6B5CBA}" presName="hierChild3" presStyleCnt="0"/>
+      <dgm:spPr/>
+    </dgm:pt>
+    <dgm:pt modelId="{6E5DEC2F-4E8A-FC41-9757-B57FB1BAD572}" type="pres">
+      <dgm:prSet presAssocID="{FEEE7BB5-5B8D-E04C-A8CF-D8F89D643BC3}" presName="Name17" presStyleLbl="parChTrans1D3" presStyleIdx="2" presStyleCnt="3"/>
+      <dgm:spPr/>
+    </dgm:pt>
+    <dgm:pt modelId="{AFC01C23-DA89-804C-9E05-CFC264256F0C}" type="pres">
+      <dgm:prSet presAssocID="{BD74A94B-3487-064D-B5E7-E808554F3937}" presName="hierRoot3" presStyleCnt="0"/>
+      <dgm:spPr/>
+    </dgm:pt>
+    <dgm:pt modelId="{2EB4EF57-439A-A84F-BB38-21D7AE1FAB79}" type="pres">
+      <dgm:prSet presAssocID="{BD74A94B-3487-064D-B5E7-E808554F3937}" presName="composite3" presStyleCnt="0"/>
+      <dgm:spPr/>
+    </dgm:pt>
+    <dgm:pt modelId="{2F899D4E-5ED8-A74A-B718-F024D3F8E971}" type="pres">
+      <dgm:prSet presAssocID="{BD74A94B-3487-064D-B5E7-E808554F3937}" presName="background3" presStyleLbl="node3" presStyleIdx="2" presStyleCnt="3"/>
+      <dgm:spPr/>
+    </dgm:pt>
+    <dgm:pt modelId="{2CA55107-718C-7940-AC13-C1554F14C150}" type="pres">
+      <dgm:prSet presAssocID="{BD74A94B-3487-064D-B5E7-E808554F3937}" presName="text3" presStyleLbl="fgAcc3" presStyleIdx="2" presStyleCnt="3">
+        <dgm:presLayoutVars>
+          <dgm:chPref val="3"/>
+        </dgm:presLayoutVars>
+      </dgm:prSet>
+      <dgm:spPr/>
+      <dgm:t>
+        <a:bodyPr/>
+        <a:lstStyle/>
+        <a:p>
+          <a:endParaRPr lang="en-US"/>
+        </a:p>
+      </dgm:t>
+    </dgm:pt>
+    <dgm:pt modelId="{821AAC55-305B-034B-9DA7-F217E807C865}" type="pres">
+      <dgm:prSet presAssocID="{BD74A94B-3487-064D-B5E7-E808554F3937}" presName="hierChild4" presStyleCnt="0"/>
+      <dgm:spPr/>
+    </dgm:pt>
+  </dgm:ptLst>
+  <dgm:cxnLst>
+    <dgm:cxn modelId="{E2CFB92C-32CB-AC48-A7E0-4124B18FE5EE}" srcId="{221AB1D0-927B-CD41-B0B0-FA587FEF8FC9}" destId="{A475D1E2-11ED-384F-80DD-2C7A69455F75}" srcOrd="0" destOrd="0" parTransId="{C0759B09-2136-1542-B42D-405AA714E12E}" sibTransId="{41C81605-3B77-F640-89A5-609FB8DC9A98}"/>
+    <dgm:cxn modelId="{DBFD8664-FB3E-4242-B555-4D60DBEE2392}" type="presOf" srcId="{BD74A94B-3487-064D-B5E7-E808554F3937}" destId="{2CA55107-718C-7940-AC13-C1554F14C150}" srcOrd="0" destOrd="0" presId="urn:microsoft.com/office/officeart/2005/8/layout/hierarchy1"/>
+    <dgm:cxn modelId="{1C19BEE2-82E3-AD48-BE63-406510D22476}" srcId="{A475D1E2-11ED-384F-80DD-2C7A69455F75}" destId="{4866C472-C7F9-7D47-B032-6D972F6B5CBA}" srcOrd="1" destOrd="0" parTransId="{4AA9F3CC-B091-8C4B-86DF-22BE79C817FD}" sibTransId="{660A67D1-D486-184B-9020-30C17EFD7A7D}"/>
+    <dgm:cxn modelId="{2A059907-C7AC-2A49-B166-6B0709CF6554}" type="presOf" srcId="{31E81932-0D6B-CF49-BD1C-4DCC0DCDD291}" destId="{A110FA02-3641-BD4C-9558-EDBDF7E58EB5}" srcOrd="0" destOrd="0" presId="urn:microsoft.com/office/officeart/2005/8/layout/hierarchy1"/>
+    <dgm:cxn modelId="{FDD668FF-E37A-AC41-AFAB-F508AAC4A6E5}" type="presOf" srcId="{221AB1D0-927B-CD41-B0B0-FA587FEF8FC9}" destId="{DB36A2FC-FB23-B142-8997-B33579DCC506}" srcOrd="0" destOrd="0" presId="urn:microsoft.com/office/officeart/2005/8/layout/hierarchy1"/>
+    <dgm:cxn modelId="{BABA32E5-A16B-E745-8CFF-5EA5AAD1E3A1}" srcId="{5889D157-B6A2-1046-82DC-00C7224481AD}" destId="{31E81932-0D6B-CF49-BD1C-4DCC0DCDD291}" srcOrd="1" destOrd="0" parTransId="{FF5549BC-D74D-034F-A996-6C9D81E4DED1}" sibTransId="{344E75E7-5AF3-A547-A7D6-072342C041B5}"/>
+    <dgm:cxn modelId="{C0CBDEAD-7B74-3F49-A464-A0622CD0AD7F}" srcId="{4866C472-C7F9-7D47-B032-6D972F6B5CBA}" destId="{BD74A94B-3487-064D-B5E7-E808554F3937}" srcOrd="0" destOrd="0" parTransId="{FEEE7BB5-5B8D-E04C-A8CF-D8F89D643BC3}" sibTransId="{47651558-B658-054E-8340-A64176723A7F}"/>
+    <dgm:cxn modelId="{954AE7FF-8C0C-7E4B-9BCE-F4519D5ACC3D}" srcId="{A475D1E2-11ED-384F-80DD-2C7A69455F75}" destId="{5889D157-B6A2-1046-82DC-00C7224481AD}" srcOrd="0" destOrd="0" parTransId="{672167A6-1F35-4B4A-8D89-3094242D313B}" sibTransId="{6AF4E6C8-A8FA-7042-ABF5-ACD7B10D4202}"/>
+    <dgm:cxn modelId="{20DEEE77-AB2D-3944-A8EA-F46C6BA12017}" type="presOf" srcId="{A475D1E2-11ED-384F-80DD-2C7A69455F75}" destId="{60D07B3B-4634-3C4C-8544-B41F60A8963E}" srcOrd="0" destOrd="0" presId="urn:microsoft.com/office/officeart/2005/8/layout/hierarchy1"/>
+    <dgm:cxn modelId="{4E7D4760-0F2C-9344-AA9D-C6C7FDF47D96}" type="presOf" srcId="{672167A6-1F35-4B4A-8D89-3094242D313B}" destId="{EE0EE165-34C7-F64A-8F6F-010E70AFF8F4}" srcOrd="0" destOrd="0" presId="urn:microsoft.com/office/officeart/2005/8/layout/hierarchy1"/>
+    <dgm:cxn modelId="{D43C7921-FE1A-D64D-A905-D83C468E2C5F}" type="presOf" srcId="{88F7232C-9ED4-9746-A95F-FCCC2711041A}" destId="{FB1E6A63-D38A-B24E-A6CE-74708CCF8612}" srcOrd="0" destOrd="0" presId="urn:microsoft.com/office/officeart/2005/8/layout/hierarchy1"/>
+    <dgm:cxn modelId="{7ACF72E2-1384-3D4B-B05B-3689012AB59D}" srcId="{5889D157-B6A2-1046-82DC-00C7224481AD}" destId="{1EE71E2F-F1CC-DA4C-89B9-07A8F752F992}" srcOrd="0" destOrd="0" parTransId="{88F7232C-9ED4-9746-A95F-FCCC2711041A}" sibTransId="{C476D1FF-A6E9-E740-BF79-9AC63B89908E}"/>
+    <dgm:cxn modelId="{D2BD868D-A085-8544-97D8-4E833EE42595}" type="presOf" srcId="{4AA9F3CC-B091-8C4B-86DF-22BE79C817FD}" destId="{49E8F3AB-2946-DE49-A683-2DB1473B429A}" srcOrd="0" destOrd="0" presId="urn:microsoft.com/office/officeart/2005/8/layout/hierarchy1"/>
+    <dgm:cxn modelId="{3B71AB0E-9390-4F44-9CAF-865511330364}" type="presOf" srcId="{5889D157-B6A2-1046-82DC-00C7224481AD}" destId="{7E3097B4-40F4-ED48-9BBC-71ADC9E153AC}" srcOrd="0" destOrd="0" presId="urn:microsoft.com/office/officeart/2005/8/layout/hierarchy1"/>
+    <dgm:cxn modelId="{BDE3708E-DA85-434A-B80F-6B7DE276898E}" type="presOf" srcId="{FF5549BC-D74D-034F-A996-6C9D81E4DED1}" destId="{F7DE4D14-A8D6-784C-ABD3-2F22254C0F7A}" srcOrd="0" destOrd="0" presId="urn:microsoft.com/office/officeart/2005/8/layout/hierarchy1"/>
+    <dgm:cxn modelId="{A49A5779-B0F6-DB44-B81A-9FF84774700A}" type="presOf" srcId="{1EE71E2F-F1CC-DA4C-89B9-07A8F752F992}" destId="{BB105989-689D-1042-9218-A45B068C42CD}" srcOrd="0" destOrd="0" presId="urn:microsoft.com/office/officeart/2005/8/layout/hierarchy1"/>
+    <dgm:cxn modelId="{77D5F1C1-31EF-074F-ACD3-515860C2D852}" type="presOf" srcId="{4866C472-C7F9-7D47-B032-6D972F6B5CBA}" destId="{4DA4BACB-11B2-9841-9A95-85FB9C84FDAE}" srcOrd="0" destOrd="0" presId="urn:microsoft.com/office/officeart/2005/8/layout/hierarchy1"/>
+    <dgm:cxn modelId="{1E0973F1-0316-F544-A61F-B1A783779EAB}" type="presOf" srcId="{FEEE7BB5-5B8D-E04C-A8CF-D8F89D643BC3}" destId="{6E5DEC2F-4E8A-FC41-9757-B57FB1BAD572}" srcOrd="0" destOrd="0" presId="urn:microsoft.com/office/officeart/2005/8/layout/hierarchy1"/>
+    <dgm:cxn modelId="{4B541127-FD79-2143-9664-70CB914CFFB2}" type="presParOf" srcId="{DB36A2FC-FB23-B142-8997-B33579DCC506}" destId="{D411DBCA-764B-A641-AE49-241AE9A9007C}" srcOrd="0" destOrd="0" presId="urn:microsoft.com/office/officeart/2005/8/layout/hierarchy1"/>
+    <dgm:cxn modelId="{188277ED-28A1-C14C-8EA4-92F7F55CE9F7}" type="presParOf" srcId="{D411DBCA-764B-A641-AE49-241AE9A9007C}" destId="{A2CCCC1A-645D-9147-8187-E315C9C47155}" srcOrd="0" destOrd="0" presId="urn:microsoft.com/office/officeart/2005/8/layout/hierarchy1"/>
+    <dgm:cxn modelId="{F5C4ABC1-752F-A844-AABB-E4E4301B060B}" type="presParOf" srcId="{A2CCCC1A-645D-9147-8187-E315C9C47155}" destId="{D2AB577B-52DE-B543-961F-9EF4AF548262}" srcOrd="0" destOrd="0" presId="urn:microsoft.com/office/officeart/2005/8/layout/hierarchy1"/>
+    <dgm:cxn modelId="{B53B1B00-311E-0542-9304-1517B6BDE802}" type="presParOf" srcId="{A2CCCC1A-645D-9147-8187-E315C9C47155}" destId="{60D07B3B-4634-3C4C-8544-B41F60A8963E}" srcOrd="1" destOrd="0" presId="urn:microsoft.com/office/officeart/2005/8/layout/hierarchy1"/>
+    <dgm:cxn modelId="{18F74C0C-E10B-C248-B493-50563B8F7F73}" type="presParOf" srcId="{D411DBCA-764B-A641-AE49-241AE9A9007C}" destId="{D44C0345-9204-A445-B80D-7AFC4E79A5DC}" srcOrd="1" destOrd="0" presId="urn:microsoft.com/office/officeart/2005/8/layout/hierarchy1"/>
+    <dgm:cxn modelId="{BE0B8E5A-6527-F94F-815D-86AF16806E22}" type="presParOf" srcId="{D44C0345-9204-A445-B80D-7AFC4E79A5DC}" destId="{EE0EE165-34C7-F64A-8F6F-010E70AFF8F4}" srcOrd="0" destOrd="0" presId="urn:microsoft.com/office/officeart/2005/8/layout/hierarchy1"/>
+    <dgm:cxn modelId="{A9CD300A-927F-E842-9D83-CEBD3F968E50}" type="presParOf" srcId="{D44C0345-9204-A445-B80D-7AFC4E79A5DC}" destId="{CF4BEFE3-98B1-D841-983A-D21F81E5F809}" srcOrd="1" destOrd="0" presId="urn:microsoft.com/office/officeart/2005/8/layout/hierarchy1"/>
+    <dgm:cxn modelId="{7AA52143-2358-7746-99CD-B43BEF0D396A}" type="presParOf" srcId="{CF4BEFE3-98B1-D841-983A-D21F81E5F809}" destId="{BBC038AE-FF0D-D345-A767-FF69D4DD103F}" srcOrd="0" destOrd="0" presId="urn:microsoft.com/office/officeart/2005/8/layout/hierarchy1"/>
+    <dgm:cxn modelId="{D276A70F-CCFB-784D-B659-550A2CA4EA5D}" type="presParOf" srcId="{BBC038AE-FF0D-D345-A767-FF69D4DD103F}" destId="{8DED4DC0-67CA-CF40-A781-C5C8D5FBBC06}" srcOrd="0" destOrd="0" presId="urn:microsoft.com/office/officeart/2005/8/layout/hierarchy1"/>
+    <dgm:cxn modelId="{46035F1B-740F-4547-B833-77BB0BD59FB3}" type="presParOf" srcId="{BBC038AE-FF0D-D345-A767-FF69D4DD103F}" destId="{7E3097B4-40F4-ED48-9BBC-71ADC9E153AC}" srcOrd="1" destOrd="0" presId="urn:microsoft.com/office/officeart/2005/8/layout/hierarchy1"/>
+    <dgm:cxn modelId="{8C5F96AC-E492-504F-854A-524B88A6A1C8}" type="presParOf" srcId="{CF4BEFE3-98B1-D841-983A-D21F81E5F809}" destId="{010D338E-6BFD-1C4B-9046-78B7228A4B25}" srcOrd="1" destOrd="0" presId="urn:microsoft.com/office/officeart/2005/8/layout/hierarchy1"/>
+    <dgm:cxn modelId="{E7DE61EE-FDC4-BD49-9A09-8F7A0B2B9410}" type="presParOf" srcId="{010D338E-6BFD-1C4B-9046-78B7228A4B25}" destId="{FB1E6A63-D38A-B24E-A6CE-74708CCF8612}" srcOrd="0" destOrd="0" presId="urn:microsoft.com/office/officeart/2005/8/layout/hierarchy1"/>
+    <dgm:cxn modelId="{2F1D5946-0EA8-CA4E-9764-2C708BE57737}" type="presParOf" srcId="{010D338E-6BFD-1C4B-9046-78B7228A4B25}" destId="{25C2AAA2-D6D4-B04D-81B0-D05B7C92E704}" srcOrd="1" destOrd="0" presId="urn:microsoft.com/office/officeart/2005/8/layout/hierarchy1"/>
+    <dgm:cxn modelId="{A7EA5A17-B68F-AC46-BB09-428F59DB5ED5}" type="presParOf" srcId="{25C2AAA2-D6D4-B04D-81B0-D05B7C92E704}" destId="{D34532FE-DC38-6C43-9665-1E1FFA9BEFB5}" srcOrd="0" destOrd="0" presId="urn:microsoft.com/office/officeart/2005/8/layout/hierarchy1"/>
+    <dgm:cxn modelId="{8076DE77-0C77-0F42-85C7-9EBFD93BD8E4}" type="presParOf" srcId="{D34532FE-DC38-6C43-9665-1E1FFA9BEFB5}" destId="{ED3E58AE-D77B-8842-B0D7-504E72652A14}" srcOrd="0" destOrd="0" presId="urn:microsoft.com/office/officeart/2005/8/layout/hierarchy1"/>
+    <dgm:cxn modelId="{D936434C-CC14-924B-B63E-FEEF64622984}" type="presParOf" srcId="{D34532FE-DC38-6C43-9665-1E1FFA9BEFB5}" destId="{BB105989-689D-1042-9218-A45B068C42CD}" srcOrd="1" destOrd="0" presId="urn:microsoft.com/office/officeart/2005/8/layout/hierarchy1"/>
+    <dgm:cxn modelId="{8C153FC4-53E8-384D-848D-63F14DC04D9B}" type="presParOf" srcId="{25C2AAA2-D6D4-B04D-81B0-D05B7C92E704}" destId="{4C6C5835-4EDD-7647-90B2-7121DDFCADDC}" srcOrd="1" destOrd="0" presId="urn:microsoft.com/office/officeart/2005/8/layout/hierarchy1"/>
+    <dgm:cxn modelId="{85FD922E-6820-8A4F-B7EC-91BE41578FE6}" type="presParOf" srcId="{010D338E-6BFD-1C4B-9046-78B7228A4B25}" destId="{F7DE4D14-A8D6-784C-ABD3-2F22254C0F7A}" srcOrd="2" destOrd="0" presId="urn:microsoft.com/office/officeart/2005/8/layout/hierarchy1"/>
+    <dgm:cxn modelId="{2B5C0FB4-9FD4-0F46-8261-57A952158CAE}" type="presParOf" srcId="{010D338E-6BFD-1C4B-9046-78B7228A4B25}" destId="{E8DE6CBB-F17F-7547-8782-656482095592}" srcOrd="3" destOrd="0" presId="urn:microsoft.com/office/officeart/2005/8/layout/hierarchy1"/>
+    <dgm:cxn modelId="{24A02A84-F933-6646-859D-F2236A2C4176}" type="presParOf" srcId="{E8DE6CBB-F17F-7547-8782-656482095592}" destId="{B03DFC83-5AF3-704A-8FC0-E3400FB31039}" srcOrd="0" destOrd="0" presId="urn:microsoft.com/office/officeart/2005/8/layout/hierarchy1"/>
+    <dgm:cxn modelId="{18DF4352-C58E-9640-B22D-15655C6217FB}" type="presParOf" srcId="{B03DFC83-5AF3-704A-8FC0-E3400FB31039}" destId="{8ABE391B-1146-FC40-AECC-D69E1A4429DE}" srcOrd="0" destOrd="0" presId="urn:microsoft.com/office/officeart/2005/8/layout/hierarchy1"/>
+    <dgm:cxn modelId="{F173B284-1A65-EF4E-BF29-2F0DF3CD1634}" type="presParOf" srcId="{B03DFC83-5AF3-704A-8FC0-E3400FB31039}" destId="{A110FA02-3641-BD4C-9558-EDBDF7E58EB5}" srcOrd="1" destOrd="0" presId="urn:microsoft.com/office/officeart/2005/8/layout/hierarchy1"/>
+    <dgm:cxn modelId="{7FEFA2F7-817B-624C-85CA-36E5CC83333E}" type="presParOf" srcId="{E8DE6CBB-F17F-7547-8782-656482095592}" destId="{CE1C9215-6477-4B47-9724-2994E3AB286E}" srcOrd="1" destOrd="0" presId="urn:microsoft.com/office/officeart/2005/8/layout/hierarchy1"/>
+    <dgm:cxn modelId="{CE160F7E-B4BE-D84A-AF1E-FE0561B1711A}" type="presParOf" srcId="{D44C0345-9204-A445-B80D-7AFC4E79A5DC}" destId="{49E8F3AB-2946-DE49-A683-2DB1473B429A}" srcOrd="2" destOrd="0" presId="urn:microsoft.com/office/officeart/2005/8/layout/hierarchy1"/>
+    <dgm:cxn modelId="{4918D1A7-D599-504F-B2ED-B656664381CE}" type="presParOf" srcId="{D44C0345-9204-A445-B80D-7AFC4E79A5DC}" destId="{5F0241C8-9FDC-E84A-AF59-8AFFADF126E6}" srcOrd="3" destOrd="0" presId="urn:microsoft.com/office/officeart/2005/8/layout/hierarchy1"/>
+    <dgm:cxn modelId="{F7FA6825-6916-EC48-81CA-81B16A231384}" type="presParOf" srcId="{5F0241C8-9FDC-E84A-AF59-8AFFADF126E6}" destId="{A944A9C8-B389-EF4A-AAD4-4A0090F2EA46}" srcOrd="0" destOrd="0" presId="urn:microsoft.com/office/officeart/2005/8/layout/hierarchy1"/>
+    <dgm:cxn modelId="{239FAF8C-BF17-024C-A487-7C128111A438}" type="presParOf" srcId="{A944A9C8-B389-EF4A-AAD4-4A0090F2EA46}" destId="{5ED9B070-5753-7F4F-830A-EA4EB3FA40B4}" srcOrd="0" destOrd="0" presId="urn:microsoft.com/office/officeart/2005/8/layout/hierarchy1"/>
+    <dgm:cxn modelId="{DED9B005-B7BF-B948-8C66-A4E871443208}" type="presParOf" srcId="{A944A9C8-B389-EF4A-AAD4-4A0090F2EA46}" destId="{4DA4BACB-11B2-9841-9A95-85FB9C84FDAE}" srcOrd="1" destOrd="0" presId="urn:microsoft.com/office/officeart/2005/8/layout/hierarchy1"/>
+    <dgm:cxn modelId="{A408AFD7-F516-2843-A7C4-33816D374E49}" type="presParOf" srcId="{5F0241C8-9FDC-E84A-AF59-8AFFADF126E6}" destId="{59BE561C-3676-6349-8BC4-7FB0FBBBD6A5}" srcOrd="1" destOrd="0" presId="urn:microsoft.com/office/officeart/2005/8/layout/hierarchy1"/>
+    <dgm:cxn modelId="{A17DFF04-C3C2-D14F-825A-69B9E9A940F0}" type="presParOf" srcId="{59BE561C-3676-6349-8BC4-7FB0FBBBD6A5}" destId="{6E5DEC2F-4E8A-FC41-9757-B57FB1BAD572}" srcOrd="0" destOrd="0" presId="urn:microsoft.com/office/officeart/2005/8/layout/hierarchy1"/>
+    <dgm:cxn modelId="{443737ED-77CB-3E47-A586-011030519644}" type="presParOf" srcId="{59BE561C-3676-6349-8BC4-7FB0FBBBD6A5}" destId="{AFC01C23-DA89-804C-9E05-CFC264256F0C}" srcOrd="1" destOrd="0" presId="urn:microsoft.com/office/officeart/2005/8/layout/hierarchy1"/>
+    <dgm:cxn modelId="{A902F3E1-0C07-0E49-846D-7C9D72C6224F}" type="presParOf" srcId="{AFC01C23-DA89-804C-9E05-CFC264256F0C}" destId="{2EB4EF57-439A-A84F-BB38-21D7AE1FAB79}" srcOrd="0" destOrd="0" presId="urn:microsoft.com/office/officeart/2005/8/layout/hierarchy1"/>
+    <dgm:cxn modelId="{EDAE1EFF-0531-1D42-B7B4-1BEAFD1EE348}" type="presParOf" srcId="{2EB4EF57-439A-A84F-BB38-21D7AE1FAB79}" destId="{2F899D4E-5ED8-A74A-B718-F024D3F8E971}" srcOrd="0" destOrd="0" presId="urn:microsoft.com/office/officeart/2005/8/layout/hierarchy1"/>
+    <dgm:cxn modelId="{75606CEE-A438-0F40-A2EB-5D2E3A862B55}" type="presParOf" srcId="{2EB4EF57-439A-A84F-BB38-21D7AE1FAB79}" destId="{2CA55107-718C-7940-AC13-C1554F14C150}" srcOrd="1" destOrd="0" presId="urn:microsoft.com/office/officeart/2005/8/layout/hierarchy1"/>
+    <dgm:cxn modelId="{93A61297-5554-A94C-AF3C-0F2B23318F2D}" type="presParOf" srcId="{AFC01C23-DA89-804C-9E05-CFC264256F0C}" destId="{821AAC55-305B-034B-9DA7-F217E807C865}" srcOrd="1" destOrd="0" presId="urn:microsoft.com/office/officeart/2005/8/layout/hierarchy1"/>
+  </dgm:cxnLst>
+  <dgm:bg/>
+  <dgm:whole/>
+  <dgm:extLst>
+    <a:ext uri="http://schemas.microsoft.com/office/drawing/2008/diagram">
+      <dsp:dataModelExt xmlns:dsp="http://schemas.microsoft.com/office/drawing/2008/diagram" relId="rId6" minVer="http://schemas.openxmlformats.org/drawingml/2006/diagram"/>
+    </a:ext>
+  </dgm:extLst>
+</dgm:dataModel>
+</file>
+
+<file path=ppt/diagrams/drawing1.xml><?xml version="1.0" encoding="utf-8"?>
+<dsp:drawing xmlns:dgm="http://schemas.openxmlformats.org/drawingml/2006/diagram" xmlns:dsp="http://schemas.microsoft.com/office/drawing/2008/diagram" xmlns:a="http://schemas.openxmlformats.org/drawingml/2006/main">
+  <dsp:spTree>
+    <dsp:nvGrpSpPr>
+      <dsp:cNvPr id="0" name=""/>
+      <dsp:cNvGrpSpPr/>
+    </dsp:nvGrpSpPr>
+    <dsp:grpSpPr/>
+    <dsp:sp modelId="{6E5DEC2F-4E8A-FC41-9757-B57FB1BAD572}">
+      <dsp:nvSpPr>
+        <dsp:cNvPr id="0" name=""/>
+        <dsp:cNvSpPr/>
+      </dsp:nvSpPr>
+      <dsp:spPr>
+        <a:xfrm>
+          <a:off x="6558377" y="2364344"/>
+          <a:ext cx="91440" cy="440255"/>
+        </a:xfrm>
+        <a:custGeom>
+          <a:avLst/>
+          <a:gdLst/>
+          <a:ahLst/>
+          <a:cxnLst/>
+          <a:rect l="0" t="0" r="0" b="0"/>
+          <a:pathLst>
+            <a:path>
+              <a:moveTo>
+                <a:pt x="45720" y="0"/>
+              </a:moveTo>
+              <a:lnTo>
+                <a:pt x="45720" y="440255"/>
+              </a:lnTo>
+            </a:path>
+          </a:pathLst>
+        </a:custGeom>
+        <a:noFill/>
+        <a:ln w="9525" cap="rnd" cmpd="sng" algn="ctr">
+          <a:solidFill>
+            <a:schemeClr val="accent5">
+              <a:hueOff val="0"/>
+              <a:satOff val="0"/>
+              <a:lumOff val="0"/>
+              <a:alphaOff val="0"/>
+            </a:schemeClr>
+          </a:solidFill>
+          <a:prstDash val="solid"/>
+        </a:ln>
+        <a:effectLst/>
+      </dsp:spPr>
+      <dsp:style>
+        <a:lnRef idx="1">
+          <a:scrgbClr r="0" g="0" b="0"/>
+        </a:lnRef>
+        <a:fillRef idx="0">
+          <a:scrgbClr r="0" g="0" b="0"/>
+        </a:fillRef>
+        <a:effectRef idx="0">
+          <a:scrgbClr r="0" g="0" b="0"/>
+        </a:effectRef>
+        <a:fontRef idx="minor"/>
+      </dsp:style>
+    </dsp:sp>
+    <dsp:sp modelId="{49E8F3AB-2946-DE49-A683-2DB1473B429A}">
+      <dsp:nvSpPr>
+        <dsp:cNvPr id="0" name=""/>
+        <dsp:cNvSpPr/>
+      </dsp:nvSpPr>
+      <dsp:spPr>
+        <a:xfrm>
+          <a:off x="5216471" y="962842"/>
+          <a:ext cx="1387625" cy="440255"/>
+        </a:xfrm>
+        <a:custGeom>
+          <a:avLst/>
+          <a:gdLst/>
+          <a:ahLst/>
+          <a:cxnLst/>
+          <a:rect l="0" t="0" r="0" b="0"/>
+          <a:pathLst>
+            <a:path>
+              <a:moveTo>
+                <a:pt x="0" y="0"/>
+              </a:moveTo>
+              <a:lnTo>
+                <a:pt x="0" y="300021"/>
+              </a:lnTo>
+              <a:lnTo>
+                <a:pt x="1387625" y="300021"/>
+              </a:lnTo>
+              <a:lnTo>
+                <a:pt x="1387625" y="440255"/>
+              </a:lnTo>
+            </a:path>
+          </a:pathLst>
+        </a:custGeom>
+        <a:noFill/>
+        <a:ln w="9525" cap="rnd" cmpd="sng" algn="ctr">
+          <a:solidFill>
+            <a:schemeClr val="accent4">
+              <a:hueOff val="0"/>
+              <a:satOff val="0"/>
+              <a:lumOff val="0"/>
+              <a:alphaOff val="0"/>
+            </a:schemeClr>
+          </a:solidFill>
+          <a:prstDash val="solid"/>
+        </a:ln>
+        <a:effectLst/>
+      </dsp:spPr>
+      <dsp:style>
+        <a:lnRef idx="1">
+          <a:scrgbClr r="0" g="0" b="0"/>
+        </a:lnRef>
+        <a:fillRef idx="0">
+          <a:scrgbClr r="0" g="0" b="0"/>
+        </a:fillRef>
+        <a:effectRef idx="0">
+          <a:scrgbClr r="0" g="0" b="0"/>
+        </a:effectRef>
+        <a:fontRef idx="minor"/>
+      </dsp:style>
+    </dsp:sp>
+    <dsp:sp modelId="{F7DE4D14-A8D6-784C-ABD3-2F22254C0F7A}">
+      <dsp:nvSpPr>
+        <dsp:cNvPr id="0" name=""/>
+        <dsp:cNvSpPr/>
+      </dsp:nvSpPr>
+      <dsp:spPr>
+        <a:xfrm>
+          <a:off x="3828845" y="2364344"/>
+          <a:ext cx="925083" cy="440255"/>
+        </a:xfrm>
+        <a:custGeom>
+          <a:avLst/>
+          <a:gdLst/>
+          <a:ahLst/>
+          <a:cxnLst/>
+          <a:rect l="0" t="0" r="0" b="0"/>
+          <a:pathLst>
+            <a:path>
+              <a:moveTo>
+                <a:pt x="0" y="0"/>
+              </a:moveTo>
+              <a:lnTo>
+                <a:pt x="0" y="300021"/>
+              </a:lnTo>
+              <a:lnTo>
+                <a:pt x="925083" y="300021"/>
+              </a:lnTo>
+              <a:lnTo>
+                <a:pt x="925083" y="440255"/>
+              </a:lnTo>
+            </a:path>
+          </a:pathLst>
+        </a:custGeom>
+        <a:noFill/>
+        <a:ln w="9525" cap="rnd" cmpd="sng" algn="ctr">
+          <a:solidFill>
+            <a:schemeClr val="accent5">
+              <a:hueOff val="0"/>
+              <a:satOff val="0"/>
+              <a:lumOff val="0"/>
+              <a:alphaOff val="0"/>
+            </a:schemeClr>
+          </a:solidFill>
+          <a:prstDash val="solid"/>
+        </a:ln>
+        <a:effectLst/>
+      </dsp:spPr>
+      <dsp:style>
+        <a:lnRef idx="1">
+          <a:scrgbClr r="0" g="0" b="0"/>
+        </a:lnRef>
+        <a:fillRef idx="0">
+          <a:scrgbClr r="0" g="0" b="0"/>
+        </a:fillRef>
+        <a:effectRef idx="0">
+          <a:scrgbClr r="0" g="0" b="0"/>
+        </a:effectRef>
+        <a:fontRef idx="minor"/>
+      </dsp:style>
+    </dsp:sp>
+    <dsp:sp modelId="{FB1E6A63-D38A-B24E-A6CE-74708CCF8612}">
+      <dsp:nvSpPr>
+        <dsp:cNvPr id="0" name=""/>
+        <dsp:cNvSpPr/>
+      </dsp:nvSpPr>
+      <dsp:spPr>
+        <a:xfrm>
+          <a:off x="2903761" y="2364344"/>
+          <a:ext cx="925083" cy="440255"/>
+        </a:xfrm>
+        <a:custGeom>
+          <a:avLst/>
+          <a:gdLst/>
+          <a:ahLst/>
+          <a:cxnLst/>
+          <a:rect l="0" t="0" r="0" b="0"/>
+          <a:pathLst>
+            <a:path>
+              <a:moveTo>
+                <a:pt x="925083" y="0"/>
+              </a:moveTo>
+              <a:lnTo>
+                <a:pt x="925083" y="300021"/>
+              </a:lnTo>
+              <a:lnTo>
+                <a:pt x="0" y="300021"/>
+              </a:lnTo>
+              <a:lnTo>
+                <a:pt x="0" y="440255"/>
+              </a:lnTo>
+            </a:path>
+          </a:pathLst>
+        </a:custGeom>
+        <a:noFill/>
+        <a:ln w="9525" cap="rnd" cmpd="sng" algn="ctr">
+          <a:solidFill>
+            <a:schemeClr val="accent5">
+              <a:hueOff val="0"/>
+              <a:satOff val="0"/>
+              <a:lumOff val="0"/>
+              <a:alphaOff val="0"/>
+            </a:schemeClr>
+          </a:solidFill>
+          <a:prstDash val="solid"/>
+        </a:ln>
+        <a:effectLst/>
+      </dsp:spPr>
+      <dsp:style>
+        <a:lnRef idx="1">
+          <a:scrgbClr r="0" g="0" b="0"/>
+        </a:lnRef>
+        <a:fillRef idx="0">
+          <a:scrgbClr r="0" g="0" b="0"/>
+        </a:fillRef>
+        <a:effectRef idx="0">
+          <a:scrgbClr r="0" g="0" b="0"/>
+        </a:effectRef>
+        <a:fontRef idx="minor"/>
+      </dsp:style>
+    </dsp:sp>
+    <dsp:sp modelId="{EE0EE165-34C7-F64A-8F6F-010E70AFF8F4}">
+      <dsp:nvSpPr>
+        <dsp:cNvPr id="0" name=""/>
+        <dsp:cNvSpPr/>
+      </dsp:nvSpPr>
+      <dsp:spPr>
+        <a:xfrm>
+          <a:off x="3828845" y="962842"/>
+          <a:ext cx="1387625" cy="440255"/>
+        </a:xfrm>
+        <a:custGeom>
+          <a:avLst/>
+          <a:gdLst/>
+          <a:ahLst/>
+          <a:cxnLst/>
+          <a:rect l="0" t="0" r="0" b="0"/>
+          <a:pathLst>
+            <a:path>
+              <a:moveTo>
+                <a:pt x="1387625" y="0"/>
+              </a:moveTo>
+              <a:lnTo>
+                <a:pt x="1387625" y="300021"/>
+              </a:lnTo>
+              <a:lnTo>
+                <a:pt x="0" y="300021"/>
+              </a:lnTo>
+              <a:lnTo>
+                <a:pt x="0" y="440255"/>
+              </a:lnTo>
+            </a:path>
+          </a:pathLst>
+        </a:custGeom>
+        <a:noFill/>
+        <a:ln w="9525" cap="rnd" cmpd="sng" algn="ctr">
+          <a:solidFill>
+            <a:schemeClr val="accent4">
+              <a:hueOff val="0"/>
+              <a:satOff val="0"/>
+              <a:lumOff val="0"/>
+              <a:alphaOff val="0"/>
+            </a:schemeClr>
+          </a:solidFill>
+          <a:prstDash val="solid"/>
+        </a:ln>
+        <a:effectLst/>
+      </dsp:spPr>
+      <dsp:style>
+        <a:lnRef idx="1">
+          <a:scrgbClr r="0" g="0" b="0"/>
+        </a:lnRef>
+        <a:fillRef idx="0">
+          <a:scrgbClr r="0" g="0" b="0"/>
+        </a:fillRef>
+        <a:effectRef idx="0">
+          <a:scrgbClr r="0" g="0" b="0"/>
+        </a:effectRef>
+        <a:fontRef idx="minor"/>
+      </dsp:style>
+    </dsp:sp>
+    <dsp:sp modelId="{D2AB577B-52DE-B543-961F-9EF4AF548262}">
+      <dsp:nvSpPr>
+        <dsp:cNvPr id="0" name=""/>
+        <dsp:cNvSpPr/>
+      </dsp:nvSpPr>
+      <dsp:spPr>
+        <a:xfrm>
+          <a:off x="4459584" y="1596"/>
+          <a:ext cx="1513773" cy="961246"/>
+        </a:xfrm>
+        <a:prstGeom prst="roundRect">
+          <a:avLst>
+            <a:gd name="adj" fmla="val 10000"/>
+          </a:avLst>
+        </a:prstGeom>
+        <a:gradFill rotWithShape="0">
+          <a:gsLst>
+            <a:gs pos="0">
+              <a:schemeClr val="accent2">
+                <a:hueOff val="0"/>
+                <a:satOff val="0"/>
+                <a:lumOff val="0"/>
+                <a:alphaOff val="0"/>
+                <a:tint val="98000"/>
+                <a:lumMod val="114000"/>
+              </a:schemeClr>
+            </a:gs>
+            <a:gs pos="100000">
+              <a:schemeClr val="accent2">
+                <a:hueOff val="0"/>
+                <a:satOff val="0"/>
+                <a:lumOff val="0"/>
+                <a:alphaOff val="0"/>
+                <a:shade val="90000"/>
+                <a:lumMod val="84000"/>
+              </a:schemeClr>
+            </a:gs>
+          </a:gsLst>
+          <a:lin ang="5400000" scaled="0"/>
+        </a:gradFill>
+        <a:ln>
+          <a:noFill/>
+        </a:ln>
+        <a:effectLst>
+          <a:outerShdw blurRad="38100" dist="25400" dir="5400000" rotWithShape="0">
+            <a:srgbClr val="000000">
+              <a:alpha val="45000"/>
+            </a:srgbClr>
+          </a:outerShdw>
+        </a:effectLst>
+      </dsp:spPr>
+      <dsp:style>
+        <a:lnRef idx="0">
+          <a:scrgbClr r="0" g="0" b="0"/>
+        </a:lnRef>
+        <a:fillRef idx="3">
+          <a:scrgbClr r="0" g="0" b="0"/>
+        </a:fillRef>
+        <a:effectRef idx="2">
+          <a:scrgbClr r="0" g="0" b="0"/>
+        </a:effectRef>
+        <a:fontRef idx="minor">
+          <a:schemeClr val="lt1"/>
+        </a:fontRef>
+      </dsp:style>
+    </dsp:sp>
+    <dsp:sp modelId="{60D07B3B-4634-3C4C-8544-B41F60A8963E}">
+      <dsp:nvSpPr>
+        <dsp:cNvPr id="0" name=""/>
+        <dsp:cNvSpPr/>
+      </dsp:nvSpPr>
+      <dsp:spPr>
+        <a:xfrm>
+          <a:off x="4627781" y="161383"/>
+          <a:ext cx="1513773" cy="961246"/>
+        </a:xfrm>
+        <a:prstGeom prst="roundRect">
+          <a:avLst>
+            <a:gd name="adj" fmla="val 10000"/>
+          </a:avLst>
+        </a:prstGeom>
+        <a:solidFill>
+          <a:schemeClr val="lt1">
+            <a:alpha val="90000"/>
+            <a:hueOff val="0"/>
+            <a:satOff val="0"/>
+            <a:lumOff val="0"/>
+            <a:alphaOff val="0"/>
+          </a:schemeClr>
+        </a:solidFill>
+        <a:ln w="9525" cap="rnd" cmpd="sng" algn="ctr">
+          <a:solidFill>
+            <a:schemeClr val="accent2">
+              <a:hueOff val="0"/>
+              <a:satOff val="0"/>
+              <a:lumOff val="0"/>
+              <a:alphaOff val="0"/>
+            </a:schemeClr>
+          </a:solidFill>
+          <a:prstDash val="solid"/>
+        </a:ln>
+        <a:effectLst/>
+      </dsp:spPr>
+      <dsp:style>
+        <a:lnRef idx="1">
+          <a:scrgbClr r="0" g="0" b="0"/>
+        </a:lnRef>
+        <a:fillRef idx="1">
+          <a:scrgbClr r="0" g="0" b="0"/>
+        </a:fillRef>
+        <a:effectRef idx="0">
+          <a:scrgbClr r="0" g="0" b="0"/>
+        </a:effectRef>
+        <a:fontRef idx="minor"/>
+      </dsp:style>
+      <dsp:txBody>
+        <a:bodyPr spcFirstLastPara="0" vert="horz" wrap="square" lIns="76200" tIns="76200" rIns="76200" bIns="76200" numCol="1" spcCol="1270" anchor="ctr" anchorCtr="0">
+          <a:noAutofit/>
+        </a:bodyPr>
+        <a:lstStyle/>
+        <a:p>
+          <a:pPr lvl="0" algn="ctr" defTabSz="889000">
+            <a:lnSpc>
+              <a:spcPct val="90000"/>
+            </a:lnSpc>
+            <a:spcBef>
+              <a:spcPct val="0"/>
+            </a:spcBef>
+            <a:spcAft>
+              <a:spcPct val="35000"/>
+            </a:spcAft>
+          </a:pPr>
+          <a:r>
+            <a:rPr lang="en-US" sz="2000" kern="1200" dirty="0" smtClean="0"/>
+            <a:t>Prediction accuracy</a:t>
+          </a:r>
+          <a:endParaRPr lang="en-US" sz="2000" kern="1200" dirty="0"/>
+        </a:p>
+      </dsp:txBody>
+      <dsp:txXfrm>
+        <a:off x="4655935" y="189537"/>
+        <a:ext cx="1457465" cy="904938"/>
+      </dsp:txXfrm>
+    </dsp:sp>
+    <dsp:sp modelId="{8DED4DC0-67CA-CF40-A781-C5C8D5FBBC06}">
+      <dsp:nvSpPr>
+        <dsp:cNvPr id="0" name=""/>
+        <dsp:cNvSpPr/>
+      </dsp:nvSpPr>
+      <dsp:spPr>
+        <a:xfrm>
+          <a:off x="3071958" y="1403098"/>
+          <a:ext cx="1513773" cy="961246"/>
+        </a:xfrm>
+        <a:prstGeom prst="roundRect">
+          <a:avLst>
+            <a:gd name="adj" fmla="val 10000"/>
+          </a:avLst>
+        </a:prstGeom>
+        <a:gradFill rotWithShape="0">
+          <a:gsLst>
+            <a:gs pos="0">
+              <a:schemeClr val="accent4">
+                <a:hueOff val="0"/>
+                <a:satOff val="0"/>
+                <a:lumOff val="0"/>
+                <a:alphaOff val="0"/>
+                <a:tint val="98000"/>
+                <a:lumMod val="114000"/>
+              </a:schemeClr>
+            </a:gs>
+            <a:gs pos="100000">
+              <a:schemeClr val="accent4">
+                <a:hueOff val="0"/>
+                <a:satOff val="0"/>
+                <a:lumOff val="0"/>
+                <a:alphaOff val="0"/>
+                <a:shade val="90000"/>
+                <a:lumMod val="84000"/>
+              </a:schemeClr>
+            </a:gs>
+          </a:gsLst>
+          <a:lin ang="5400000" scaled="0"/>
+        </a:gradFill>
+        <a:ln>
+          <a:noFill/>
+        </a:ln>
+        <a:effectLst>
+          <a:outerShdw blurRad="38100" dist="25400" dir="5400000" rotWithShape="0">
+            <a:srgbClr val="000000">
+              <a:alpha val="45000"/>
+            </a:srgbClr>
+          </a:outerShdw>
+        </a:effectLst>
+      </dsp:spPr>
+      <dsp:style>
+        <a:lnRef idx="0">
+          <a:scrgbClr r="0" g="0" b="0"/>
+        </a:lnRef>
+        <a:fillRef idx="3">
+          <a:scrgbClr r="0" g="0" b="0"/>
+        </a:fillRef>
+        <a:effectRef idx="2">
+          <a:scrgbClr r="0" g="0" b="0"/>
+        </a:effectRef>
+        <a:fontRef idx="minor">
+          <a:schemeClr val="lt1"/>
+        </a:fontRef>
+      </dsp:style>
+    </dsp:sp>
+    <dsp:sp modelId="{7E3097B4-40F4-ED48-9BBC-71ADC9E153AC}">
+      <dsp:nvSpPr>
+        <dsp:cNvPr id="0" name=""/>
+        <dsp:cNvSpPr/>
+      </dsp:nvSpPr>
+      <dsp:spPr>
+        <a:xfrm>
+          <a:off x="3240155" y="1562885"/>
+          <a:ext cx="1513773" cy="961246"/>
+        </a:xfrm>
+        <a:prstGeom prst="roundRect">
+          <a:avLst>
+            <a:gd name="adj" fmla="val 10000"/>
+          </a:avLst>
+        </a:prstGeom>
+        <a:solidFill>
+          <a:schemeClr val="lt1">
+            <a:alpha val="90000"/>
+            <a:hueOff val="0"/>
+            <a:satOff val="0"/>
+            <a:lumOff val="0"/>
+            <a:alphaOff val="0"/>
+          </a:schemeClr>
+        </a:solidFill>
+        <a:ln w="9525" cap="rnd" cmpd="sng" algn="ctr">
+          <a:solidFill>
+            <a:schemeClr val="accent4">
+              <a:hueOff val="0"/>
+              <a:satOff val="0"/>
+              <a:lumOff val="0"/>
+              <a:alphaOff val="0"/>
+            </a:schemeClr>
+          </a:solidFill>
+          <a:prstDash val="solid"/>
+        </a:ln>
+        <a:effectLst/>
+      </dsp:spPr>
+      <dsp:style>
+        <a:lnRef idx="1">
+          <a:scrgbClr r="0" g="0" b="0"/>
+        </a:lnRef>
+        <a:fillRef idx="1">
+          <a:scrgbClr r="0" g="0" b="0"/>
+        </a:fillRef>
+        <a:effectRef idx="0">
+          <a:scrgbClr r="0" g="0" b="0"/>
+        </a:effectRef>
+        <a:fontRef idx="minor"/>
+      </dsp:style>
+      <dsp:txBody>
+        <a:bodyPr spcFirstLastPara="0" vert="horz" wrap="square" lIns="76200" tIns="76200" rIns="76200" bIns="76200" numCol="1" spcCol="1270" anchor="ctr" anchorCtr="0">
+          <a:noAutofit/>
+        </a:bodyPr>
+        <a:lstStyle/>
+        <a:p>
+          <a:pPr lvl="0" algn="ctr" defTabSz="889000">
+            <a:lnSpc>
+              <a:spcPct val="90000"/>
+            </a:lnSpc>
+            <a:spcBef>
+              <a:spcPct val="0"/>
+            </a:spcBef>
+            <a:spcAft>
+              <a:spcPct val="35000"/>
+            </a:spcAft>
+          </a:pPr>
+          <a:r>
+            <a:rPr lang="en-US" sz="2000" kern="1200" dirty="0" smtClean="0"/>
+            <a:t>day</a:t>
+          </a:r>
+          <a:endParaRPr lang="en-US" sz="2000" kern="1200" dirty="0"/>
+        </a:p>
+      </dsp:txBody>
+      <dsp:txXfrm>
+        <a:off x="3268309" y="1591039"/>
+        <a:ext cx="1457465" cy="904938"/>
+      </dsp:txXfrm>
+    </dsp:sp>
+    <dsp:sp modelId="{ED3E58AE-D77B-8842-B0D7-504E72652A14}">
+      <dsp:nvSpPr>
+        <dsp:cNvPr id="0" name=""/>
+        <dsp:cNvSpPr/>
+      </dsp:nvSpPr>
+      <dsp:spPr>
+        <a:xfrm>
+          <a:off x="2146874" y="2804600"/>
+          <a:ext cx="1513773" cy="961246"/>
+        </a:xfrm>
+        <a:prstGeom prst="roundRect">
+          <a:avLst>
+            <a:gd name="adj" fmla="val 10000"/>
+          </a:avLst>
+        </a:prstGeom>
+        <a:gradFill rotWithShape="0">
+          <a:gsLst>
+            <a:gs pos="0">
+              <a:schemeClr val="accent5">
+                <a:hueOff val="0"/>
+                <a:satOff val="0"/>
+                <a:lumOff val="0"/>
+                <a:alphaOff val="0"/>
+                <a:tint val="98000"/>
+                <a:lumMod val="114000"/>
+              </a:schemeClr>
+            </a:gs>
+            <a:gs pos="100000">
+              <a:schemeClr val="accent5">
+                <a:hueOff val="0"/>
+                <a:satOff val="0"/>
+                <a:lumOff val="0"/>
+                <a:alphaOff val="0"/>
+                <a:shade val="90000"/>
+                <a:lumMod val="84000"/>
+              </a:schemeClr>
+            </a:gs>
+          </a:gsLst>
+          <a:lin ang="5400000" scaled="0"/>
+        </a:gradFill>
+        <a:ln>
+          <a:noFill/>
+        </a:ln>
+        <a:effectLst>
+          <a:outerShdw blurRad="38100" dist="25400" dir="5400000" rotWithShape="0">
+            <a:srgbClr val="000000">
+              <a:alpha val="45000"/>
+            </a:srgbClr>
+          </a:outerShdw>
+        </a:effectLst>
+      </dsp:spPr>
+      <dsp:style>
+        <a:lnRef idx="0">
+          <a:scrgbClr r="0" g="0" b="0"/>
+        </a:lnRef>
+        <a:fillRef idx="3">
+          <a:scrgbClr r="0" g="0" b="0"/>
+        </a:fillRef>
+        <a:effectRef idx="2">
+          <a:scrgbClr r="0" g="0" b="0"/>
+        </a:effectRef>
+        <a:fontRef idx="minor">
+          <a:schemeClr val="lt1"/>
+        </a:fontRef>
+      </dsp:style>
+    </dsp:sp>
+    <dsp:sp modelId="{BB105989-689D-1042-9218-A45B068C42CD}">
+      <dsp:nvSpPr>
+        <dsp:cNvPr id="0" name=""/>
+        <dsp:cNvSpPr/>
+      </dsp:nvSpPr>
+      <dsp:spPr>
+        <a:xfrm>
+          <a:off x="2315071" y="2964387"/>
+          <a:ext cx="1513773" cy="961246"/>
+        </a:xfrm>
+        <a:prstGeom prst="roundRect">
+          <a:avLst>
+            <a:gd name="adj" fmla="val 10000"/>
+          </a:avLst>
+        </a:prstGeom>
+        <a:solidFill>
+          <a:schemeClr val="lt1">
+            <a:alpha val="90000"/>
+            <a:hueOff val="0"/>
+            <a:satOff val="0"/>
+            <a:lumOff val="0"/>
+            <a:alphaOff val="0"/>
+          </a:schemeClr>
+        </a:solidFill>
+        <a:ln w="9525" cap="rnd" cmpd="sng" algn="ctr">
+          <a:solidFill>
+            <a:schemeClr val="accent5">
+              <a:hueOff val="0"/>
+              <a:satOff val="0"/>
+              <a:lumOff val="0"/>
+              <a:alphaOff val="0"/>
+            </a:schemeClr>
+          </a:solidFill>
+          <a:prstDash val="solid"/>
+        </a:ln>
+        <a:effectLst/>
+      </dsp:spPr>
+      <dsp:style>
+        <a:lnRef idx="1">
+          <a:scrgbClr r="0" g="0" b="0"/>
+        </a:lnRef>
+        <a:fillRef idx="1">
+          <a:scrgbClr r="0" g="0" b="0"/>
+        </a:fillRef>
+        <a:effectRef idx="0">
+          <a:scrgbClr r="0" g="0" b="0"/>
+        </a:effectRef>
+        <a:fontRef idx="minor"/>
+      </dsp:style>
+      <dsp:txBody>
+        <a:bodyPr spcFirstLastPara="0" vert="horz" wrap="square" lIns="76200" tIns="76200" rIns="76200" bIns="76200" numCol="1" spcCol="1270" anchor="ctr" anchorCtr="0">
+          <a:noAutofit/>
+        </a:bodyPr>
+        <a:lstStyle/>
+        <a:p>
+          <a:pPr lvl="0" algn="ctr" defTabSz="889000">
+            <a:lnSpc>
+              <a:spcPct val="90000"/>
+            </a:lnSpc>
+            <a:spcBef>
+              <a:spcPct val="0"/>
+            </a:spcBef>
+            <a:spcAft>
+              <a:spcPct val="35000"/>
+            </a:spcAft>
+          </a:pPr>
+          <a:r>
+            <a:rPr lang="en-US" sz="2000" kern="1200" dirty="0" smtClean="0"/>
+            <a:t>Stock marketing</a:t>
+          </a:r>
+          <a:endParaRPr lang="en-US" sz="2000" kern="1200" dirty="0"/>
+        </a:p>
+      </dsp:txBody>
+      <dsp:txXfrm>
+        <a:off x="2343225" y="2992541"/>
+        <a:ext cx="1457465" cy="904938"/>
+      </dsp:txXfrm>
+    </dsp:sp>
+    <dsp:sp modelId="{8ABE391B-1146-FC40-AECC-D69E1A4429DE}">
+      <dsp:nvSpPr>
+        <dsp:cNvPr id="0" name=""/>
+        <dsp:cNvSpPr/>
+      </dsp:nvSpPr>
+      <dsp:spPr>
+        <a:xfrm>
+          <a:off x="3997042" y="2804600"/>
+          <a:ext cx="1513773" cy="961246"/>
+        </a:xfrm>
+        <a:prstGeom prst="roundRect">
+          <a:avLst>
+            <a:gd name="adj" fmla="val 10000"/>
+          </a:avLst>
+        </a:prstGeom>
+        <a:gradFill rotWithShape="0">
+          <a:gsLst>
+            <a:gs pos="0">
+              <a:schemeClr val="accent5">
+                <a:hueOff val="0"/>
+                <a:satOff val="0"/>
+                <a:lumOff val="0"/>
+                <a:alphaOff val="0"/>
+                <a:tint val="98000"/>
+                <a:lumMod val="114000"/>
+              </a:schemeClr>
+            </a:gs>
+            <a:gs pos="100000">
+              <a:schemeClr val="accent5">
+                <a:hueOff val="0"/>
+                <a:satOff val="0"/>
+                <a:lumOff val="0"/>
+                <a:alphaOff val="0"/>
+                <a:shade val="90000"/>
+                <a:lumMod val="84000"/>
+              </a:schemeClr>
+            </a:gs>
+          </a:gsLst>
+          <a:lin ang="5400000" scaled="0"/>
+        </a:gradFill>
+        <a:ln>
+          <a:noFill/>
+        </a:ln>
+        <a:effectLst>
+          <a:outerShdw blurRad="38100" dist="25400" dir="5400000" rotWithShape="0">
+            <a:srgbClr val="000000">
+              <a:alpha val="45000"/>
+            </a:srgbClr>
+          </a:outerShdw>
+        </a:effectLst>
+      </dsp:spPr>
+      <dsp:style>
+        <a:lnRef idx="0">
+          <a:scrgbClr r="0" g="0" b="0"/>
+        </a:lnRef>
+        <a:fillRef idx="3">
+          <a:scrgbClr r="0" g="0" b="0"/>
+        </a:fillRef>
+        <a:effectRef idx="2">
+          <a:scrgbClr r="0" g="0" b="0"/>
+        </a:effectRef>
+        <a:fontRef idx="minor">
+          <a:schemeClr val="lt1"/>
+        </a:fontRef>
+      </dsp:style>
+    </dsp:sp>
+    <dsp:sp modelId="{A110FA02-3641-BD4C-9558-EDBDF7E58EB5}">
+      <dsp:nvSpPr>
+        <dsp:cNvPr id="0" name=""/>
+        <dsp:cNvSpPr/>
+      </dsp:nvSpPr>
+      <dsp:spPr>
+        <a:xfrm>
+          <a:off x="4165239" y="2964387"/>
+          <a:ext cx="1513773" cy="961246"/>
+        </a:xfrm>
+        <a:prstGeom prst="roundRect">
+          <a:avLst>
+            <a:gd name="adj" fmla="val 10000"/>
+          </a:avLst>
+        </a:prstGeom>
+        <a:solidFill>
+          <a:schemeClr val="lt1">
+            <a:alpha val="90000"/>
+            <a:hueOff val="0"/>
+            <a:satOff val="0"/>
+            <a:lumOff val="0"/>
+            <a:alphaOff val="0"/>
+          </a:schemeClr>
+        </a:solidFill>
+        <a:ln w="9525" cap="rnd" cmpd="sng" algn="ctr">
+          <a:solidFill>
+            <a:schemeClr val="accent5">
+              <a:hueOff val="0"/>
+              <a:satOff val="0"/>
+              <a:lumOff val="0"/>
+              <a:alphaOff val="0"/>
+            </a:schemeClr>
+          </a:solidFill>
+          <a:prstDash val="solid"/>
+        </a:ln>
+        <a:effectLst/>
+      </dsp:spPr>
+      <dsp:style>
+        <a:lnRef idx="1">
+          <a:scrgbClr r="0" g="0" b="0"/>
+        </a:lnRef>
+        <a:fillRef idx="1">
+          <a:scrgbClr r="0" g="0" b="0"/>
+        </a:fillRef>
+        <a:effectRef idx="0">
+          <a:scrgbClr r="0" g="0" b="0"/>
+        </a:effectRef>
+        <a:fontRef idx="minor"/>
+      </dsp:style>
+      <dsp:txBody>
+        <a:bodyPr spcFirstLastPara="0" vert="horz" wrap="square" lIns="76200" tIns="76200" rIns="76200" bIns="76200" numCol="1" spcCol="1270" anchor="ctr" anchorCtr="0">
+          <a:noAutofit/>
+        </a:bodyPr>
+        <a:lstStyle/>
+        <a:p>
+          <a:pPr lvl="0" algn="ctr" defTabSz="889000">
+            <a:lnSpc>
+              <a:spcPct val="90000"/>
+            </a:lnSpc>
+            <a:spcBef>
+              <a:spcPct val="0"/>
+            </a:spcBef>
+            <a:spcAft>
+              <a:spcPct val="35000"/>
+            </a:spcAft>
+          </a:pPr>
+          <a:r>
+            <a:rPr lang="en-US" sz="2000" kern="1200" dirty="0" smtClean="0"/>
+            <a:t>Conflict data</a:t>
+          </a:r>
+          <a:endParaRPr lang="en-US" sz="2000" kern="1200" dirty="0"/>
+        </a:p>
+      </dsp:txBody>
+      <dsp:txXfrm>
+        <a:off x="4193393" y="2992541"/>
+        <a:ext cx="1457465" cy="904938"/>
+      </dsp:txXfrm>
+    </dsp:sp>
+    <dsp:sp modelId="{5ED9B070-5753-7F4F-830A-EA4EB3FA40B4}">
+      <dsp:nvSpPr>
+        <dsp:cNvPr id="0" name=""/>
+        <dsp:cNvSpPr/>
+      </dsp:nvSpPr>
+      <dsp:spPr>
+        <a:xfrm>
+          <a:off x="5847210" y="1403098"/>
+          <a:ext cx="1513773" cy="961246"/>
+        </a:xfrm>
+        <a:prstGeom prst="roundRect">
+          <a:avLst>
+            <a:gd name="adj" fmla="val 10000"/>
+          </a:avLst>
+        </a:prstGeom>
+        <a:gradFill rotWithShape="0">
+          <a:gsLst>
+            <a:gs pos="0">
+              <a:schemeClr val="accent4">
+                <a:hueOff val="0"/>
+                <a:satOff val="0"/>
+                <a:lumOff val="0"/>
+                <a:alphaOff val="0"/>
+                <a:tint val="98000"/>
+                <a:lumMod val="114000"/>
+              </a:schemeClr>
+            </a:gs>
+            <a:gs pos="100000">
+              <a:schemeClr val="accent4">
+                <a:hueOff val="0"/>
+                <a:satOff val="0"/>
+                <a:lumOff val="0"/>
+                <a:alphaOff val="0"/>
+                <a:shade val="90000"/>
+                <a:lumMod val="84000"/>
+              </a:schemeClr>
+            </a:gs>
+          </a:gsLst>
+          <a:lin ang="5400000" scaled="0"/>
+        </a:gradFill>
+        <a:ln>
+          <a:noFill/>
+        </a:ln>
+        <a:effectLst>
+          <a:outerShdw blurRad="38100" dist="25400" dir="5400000" rotWithShape="0">
+            <a:srgbClr val="000000">
+              <a:alpha val="45000"/>
+            </a:srgbClr>
+          </a:outerShdw>
+        </a:effectLst>
+      </dsp:spPr>
+      <dsp:style>
+        <a:lnRef idx="0">
+          <a:scrgbClr r="0" g="0" b="0"/>
+        </a:lnRef>
+        <a:fillRef idx="3">
+          <a:scrgbClr r="0" g="0" b="0"/>
+        </a:fillRef>
+        <a:effectRef idx="2">
+          <a:scrgbClr r="0" g="0" b="0"/>
+        </a:effectRef>
+        <a:fontRef idx="minor">
+          <a:schemeClr val="lt1"/>
+        </a:fontRef>
+      </dsp:style>
+    </dsp:sp>
+    <dsp:sp modelId="{4DA4BACB-11B2-9841-9A95-85FB9C84FDAE}">
+      <dsp:nvSpPr>
+        <dsp:cNvPr id="0" name=""/>
+        <dsp:cNvSpPr/>
+      </dsp:nvSpPr>
+      <dsp:spPr>
+        <a:xfrm>
+          <a:off x="6015407" y="1562885"/>
+          <a:ext cx="1513773" cy="961246"/>
+        </a:xfrm>
+        <a:prstGeom prst="roundRect">
+          <a:avLst>
+            <a:gd name="adj" fmla="val 10000"/>
+          </a:avLst>
+        </a:prstGeom>
+        <a:solidFill>
+          <a:schemeClr val="lt1">
+            <a:alpha val="90000"/>
+            <a:hueOff val="0"/>
+            <a:satOff val="0"/>
+            <a:lumOff val="0"/>
+            <a:alphaOff val="0"/>
+          </a:schemeClr>
+        </a:solidFill>
+        <a:ln w="9525" cap="rnd" cmpd="sng" algn="ctr">
+          <a:solidFill>
+            <a:schemeClr val="accent4">
+              <a:hueOff val="0"/>
+              <a:satOff val="0"/>
+              <a:lumOff val="0"/>
+              <a:alphaOff val="0"/>
+            </a:schemeClr>
+          </a:solidFill>
+          <a:prstDash val="solid"/>
+        </a:ln>
+        <a:effectLst/>
+      </dsp:spPr>
+      <dsp:style>
+        <a:lnRef idx="1">
+          <a:scrgbClr r="0" g="0" b="0"/>
+        </a:lnRef>
+        <a:fillRef idx="1">
+          <a:scrgbClr r="0" g="0" b="0"/>
+        </a:fillRef>
+        <a:effectRef idx="0">
+          <a:scrgbClr r="0" g="0" b="0"/>
+        </a:effectRef>
+        <a:fontRef idx="minor"/>
+      </dsp:style>
+      <dsp:txBody>
+        <a:bodyPr spcFirstLastPara="0" vert="horz" wrap="square" lIns="76200" tIns="76200" rIns="76200" bIns="76200" numCol="1" spcCol="1270" anchor="ctr" anchorCtr="0">
+          <a:noAutofit/>
+        </a:bodyPr>
+        <a:lstStyle/>
+        <a:p>
+          <a:pPr lvl="0" algn="ctr" defTabSz="889000">
+            <a:lnSpc>
+              <a:spcPct val="90000"/>
+            </a:lnSpc>
+            <a:spcBef>
+              <a:spcPct val="0"/>
+            </a:spcBef>
+            <a:spcAft>
+              <a:spcPct val="35000"/>
+            </a:spcAft>
+          </a:pPr>
+          <a:r>
+            <a:rPr lang="en-US" sz="2000" kern="1200" dirty="0" smtClean="0"/>
+            <a:t>year</a:t>
+          </a:r>
+          <a:endParaRPr lang="en-US" sz="2000" kern="1200" dirty="0"/>
+        </a:p>
+      </dsp:txBody>
+      <dsp:txXfrm>
+        <a:off x="6043561" y="1591039"/>
+        <a:ext cx="1457465" cy="904938"/>
+      </dsp:txXfrm>
+    </dsp:sp>
+    <dsp:sp modelId="{2F899D4E-5ED8-A74A-B718-F024D3F8E971}">
+      <dsp:nvSpPr>
+        <dsp:cNvPr id="0" name=""/>
+        <dsp:cNvSpPr/>
+      </dsp:nvSpPr>
+      <dsp:spPr>
+        <a:xfrm>
+          <a:off x="5847210" y="2804600"/>
+          <a:ext cx="1513773" cy="961246"/>
+        </a:xfrm>
+        <a:prstGeom prst="roundRect">
+          <a:avLst>
+            <a:gd name="adj" fmla="val 10000"/>
+          </a:avLst>
+        </a:prstGeom>
+        <a:gradFill rotWithShape="0">
+          <a:gsLst>
+            <a:gs pos="0">
+              <a:schemeClr val="accent5">
+                <a:hueOff val="0"/>
+                <a:satOff val="0"/>
+                <a:lumOff val="0"/>
+                <a:alphaOff val="0"/>
+                <a:tint val="98000"/>
+                <a:lumMod val="114000"/>
+              </a:schemeClr>
+            </a:gs>
+            <a:gs pos="100000">
+              <a:schemeClr val="accent5">
+                <a:hueOff val="0"/>
+                <a:satOff val="0"/>
+                <a:lumOff val="0"/>
+                <a:alphaOff val="0"/>
+                <a:shade val="90000"/>
+                <a:lumMod val="84000"/>
+              </a:schemeClr>
+            </a:gs>
+          </a:gsLst>
+          <a:lin ang="5400000" scaled="0"/>
+        </a:gradFill>
+        <a:ln>
+          <a:noFill/>
+        </a:ln>
+        <a:effectLst>
+          <a:outerShdw blurRad="38100" dist="25400" dir="5400000" rotWithShape="0">
+            <a:srgbClr val="000000">
+              <a:alpha val="45000"/>
+            </a:srgbClr>
+          </a:outerShdw>
+        </a:effectLst>
+      </dsp:spPr>
+      <dsp:style>
+        <a:lnRef idx="0">
+          <a:scrgbClr r="0" g="0" b="0"/>
+        </a:lnRef>
+        <a:fillRef idx="3">
+          <a:scrgbClr r="0" g="0" b="0"/>
+        </a:fillRef>
+        <a:effectRef idx="2">
+          <a:scrgbClr r="0" g="0" b="0"/>
+        </a:effectRef>
+        <a:fontRef idx="minor">
+          <a:schemeClr val="lt1"/>
+        </a:fontRef>
+      </dsp:style>
+    </dsp:sp>
+    <dsp:sp modelId="{2CA55107-718C-7940-AC13-C1554F14C150}">
+      <dsp:nvSpPr>
+        <dsp:cNvPr id="0" name=""/>
+        <dsp:cNvSpPr/>
+      </dsp:nvSpPr>
+      <dsp:spPr>
+        <a:xfrm>
+          <a:off x="6015407" y="2964387"/>
+          <a:ext cx="1513773" cy="961246"/>
+        </a:xfrm>
+        <a:prstGeom prst="roundRect">
+          <a:avLst>
+            <a:gd name="adj" fmla="val 10000"/>
+          </a:avLst>
+        </a:prstGeom>
+        <a:solidFill>
+          <a:schemeClr val="lt1">
+            <a:alpha val="90000"/>
+            <a:hueOff val="0"/>
+            <a:satOff val="0"/>
+            <a:lumOff val="0"/>
+            <a:alphaOff val="0"/>
+          </a:schemeClr>
+        </a:solidFill>
+        <a:ln w="9525" cap="rnd" cmpd="sng" algn="ctr">
+          <a:solidFill>
+            <a:schemeClr val="accent5">
+              <a:hueOff val="0"/>
+              <a:satOff val="0"/>
+              <a:lumOff val="0"/>
+              <a:alphaOff val="0"/>
+            </a:schemeClr>
+          </a:solidFill>
+          <a:prstDash val="solid"/>
+        </a:ln>
+        <a:effectLst/>
+      </dsp:spPr>
+      <dsp:style>
+        <a:lnRef idx="1">
+          <a:scrgbClr r="0" g="0" b="0"/>
+        </a:lnRef>
+        <a:fillRef idx="1">
+          <a:scrgbClr r="0" g="0" b="0"/>
+        </a:fillRef>
+        <a:effectRef idx="0">
+          <a:scrgbClr r="0" g="0" b="0"/>
+        </a:effectRef>
+        <a:fontRef idx="minor"/>
+      </dsp:style>
+      <dsp:txBody>
+        <a:bodyPr spcFirstLastPara="0" vert="horz" wrap="square" lIns="76200" tIns="76200" rIns="76200" bIns="76200" numCol="1" spcCol="1270" anchor="ctr" anchorCtr="0">
+          <a:noAutofit/>
+        </a:bodyPr>
+        <a:lstStyle/>
+        <a:p>
+          <a:pPr lvl="0" algn="ctr" defTabSz="889000">
+            <a:lnSpc>
+              <a:spcPct val="90000"/>
+            </a:lnSpc>
+            <a:spcBef>
+              <a:spcPct val="0"/>
+            </a:spcBef>
+            <a:spcAft>
+              <a:spcPct val="35000"/>
+            </a:spcAft>
+          </a:pPr>
+          <a:r>
+            <a:rPr lang="en-US" sz="2000" kern="1200" dirty="0" smtClean="0"/>
+            <a:t>GDP,GNI, </a:t>
+          </a:r>
+          <a:r>
+            <a:rPr lang="en-US" sz="2000" kern="1200" dirty="0" err="1" smtClean="0"/>
+            <a:t>etc</a:t>
+          </a:r>
+          <a:endParaRPr lang="en-US" sz="2000" kern="1200" dirty="0"/>
+        </a:p>
+      </dsp:txBody>
+      <dsp:txXfrm>
+        <a:off x="6043561" y="2992541"/>
+        <a:ext cx="1457465" cy="904938"/>
+      </dsp:txXfrm>
+    </dsp:sp>
+  </dsp:spTree>
+</dsp:drawing>
+</file>
+
+<file path=ppt/diagrams/layout1.xml><?xml version="1.0" encoding="utf-8"?>
+<dgm:layoutDef xmlns:dgm="http://schemas.openxmlformats.org/drawingml/2006/diagram" xmlns:a="http://schemas.openxmlformats.org/drawingml/2006/main" uniqueId="urn:microsoft.com/office/officeart/2005/8/layout/hierarchy1">
+  <dgm:title val=""/>
+  <dgm:desc val=""/>
+  <dgm:catLst>
+    <dgm:cat type="hierarchy" pri="2000"/>
+  </dgm:catLst>
+  <dgm:sampData>
+    <dgm:dataModel>
+      <dgm:ptLst>
+        <dgm:pt modelId="0" type="doc"/>
+        <dgm:pt modelId="1">
+          <dgm:prSet phldr="1"/>
+        </dgm:pt>
+        <dgm:pt modelId="2">
+          <dgm:prSet phldr="1"/>
+        </dgm:pt>
+        <dgm:pt modelId="21">
+          <dgm:prSet phldr="1"/>
+        </dgm:pt>
+        <dgm:pt modelId="22">
+          <dgm:prSet phldr="1"/>
+        </dgm:pt>
+        <dgm:pt modelId="3">
+          <dgm:prSet phldr="1"/>
+        </dgm:pt>
+        <dgm:pt modelId="31">
+          <dgm:prSet phldr="1"/>
+        </dgm:pt>
+      </dgm:ptLst>
+      <dgm:cxnLst>
+        <dgm:cxn modelId="4" srcId="0" destId="1" srcOrd="0" destOrd="0"/>
+        <dgm:cxn modelId="5" srcId="1" destId="2" srcOrd="0" destOrd="0"/>
+        <dgm:cxn modelId="6" srcId="1" destId="3" srcOrd="1" destOrd="0"/>
+        <dgm:cxn modelId="23" srcId="2" destId="21" srcOrd="0" destOrd="0"/>
+        <dgm:cxn modelId="24" srcId="2" destId="22" srcOrd="1" destOrd="0"/>
+        <dgm:cxn modelId="33" srcId="3" destId="31" srcOrd="0" destOrd="0"/>
+      </dgm:cxnLst>
+      <dgm:bg/>
+      <dgm:whole/>
+    </dgm:dataModel>
+  </dgm:sampData>
+  <dgm:styleData>
+    <dgm:dataModel>
+      <dgm:ptLst>
+        <dgm:pt modelId="0" type="doc"/>
+        <dgm:pt modelId="1"/>
+        <dgm:pt modelId="11"/>
+        <dgm:pt modelId="12"/>
+      </dgm:ptLst>
+      <dgm:cxnLst>
+        <dgm:cxn modelId="2" srcId="0" destId="1" srcOrd="0" destOrd="0"/>
+        <dgm:cxn modelId="13" srcId="1" destId="11" srcOrd="0" destOrd="0"/>
+        <dgm:cxn modelId="14" srcId="1" destId="12" srcOrd="1" destOrd="0"/>
+      </dgm:cxnLst>
+      <dgm:bg/>
+      <dgm:whole/>
+    </dgm:dataModel>
+  </dgm:styleData>
+  <dgm:clrData>
+    <dgm:dataModel>
+      <dgm:ptLst>
+        <dgm:pt modelId="0" type="doc"/>
+        <dgm:pt modelId="1"/>
+        <dgm:pt modelId="2"/>
+        <dgm:pt modelId="21"/>
+        <dgm:pt modelId="211"/>
+        <dgm:pt modelId="3"/>
+        <dgm:pt modelId="31"/>
+        <dgm:pt modelId="311"/>
+      </dgm:ptLst>
+      <dgm:cxnLst>
+        <dgm:cxn modelId="4" srcId="0" destId="1" srcOrd="0" destOrd="0"/>
+        <dgm:cxn modelId="5" srcId="1" destId="2" srcOrd="0" destOrd="0"/>
+        <dgm:cxn modelId="6" srcId="1" destId="3" srcOrd="1" destOrd="0"/>
+        <dgm:cxn modelId="23" srcId="2" destId="21" srcOrd="0" destOrd="0"/>
+        <dgm:cxn modelId="24" srcId="21" destId="211" srcOrd="0" destOrd="0"/>
+        <dgm:cxn modelId="33" srcId="3" destId="31" srcOrd="0" destOrd="0"/>
+        <dgm:cxn modelId="34" srcId="31" destId="311" srcOrd="0" destOrd="0"/>
+      </dgm:cxnLst>
+      <dgm:bg/>
+      <dgm:whole/>
+    </dgm:dataModel>
+  </dgm:clrData>
+  <dgm:layoutNode name="hierChild1">
+    <dgm:varLst>
+      <dgm:chPref val="1"/>
+      <dgm:dir/>
+      <dgm:animOne val="branch"/>
+      <dgm:animLvl val="lvl"/>
+      <dgm:resizeHandles/>
+    </dgm:varLst>
+    <dgm:choose name="Name0">
+      <dgm:if name="Name1" func="var" arg="dir" op="equ" val="norm">
+        <dgm:alg type="hierChild">
+          <dgm:param type="linDir" val="fromL"/>
+        </dgm:alg>
+      </dgm:if>
+      <dgm:else name="Name2">
+        <dgm:alg type="hierChild">
+          <dgm:param type="linDir" val="fromR"/>
+        </dgm:alg>
+      </dgm:else>
+    </dgm:choose>
+    <dgm:shape xmlns:r="http://schemas.openxmlformats.org/officeDocument/2006/relationships" r:blip="">
+      <dgm:adjLst/>
+    </dgm:shape>
+    <dgm:presOf/>
+    <dgm:constrLst>
+      <dgm:constr type="primFontSz" for="des" ptType="node" op="equ" val="65"/>
+      <dgm:constr type="w" for="des" forName="composite" refType="w"/>
+      <dgm:constr type="h" for="des" forName="composite" refType="w" refFor="des" refForName="composite" fact="0.667"/>
+      <dgm:constr type="w" for="des" forName="composite2" refType="w" refFor="des" refForName="composite"/>
+      <dgm:constr type="h" for="des" forName="composite2" refType="h" refFor="des" refForName="composite"/>
+      <dgm:constr type="w" for="des" forName="composite3" refType="w" refFor="des" refForName="composite"/>
+      <dgm:constr type="h" for="des" forName="composite3" refType="h" refFor="des" refForName="composite"/>
+      <dgm:constr type="w" for="des" forName="composite4" refType="w" refFor="des" refForName="composite"/>
+      <dgm:constr type="h" for="des" forName="composite4" refType="h" refFor="des" refForName="composite"/>
+      <dgm:constr type="w" for="des" forName="composite5" refType="w" refFor="des" refForName="composite"/>
+      <dgm:constr type="h" for="des" forName="composite5" refType="h" refFor="des" refForName="composite"/>
+      <dgm:constr type="sibSp" refType="w" refFor="des" refForName="composite" fact="0.1"/>
+      <dgm:constr type="sibSp" for="des" forName="hierChild2" refType="sibSp"/>
+      <dgm:constr type="sibSp" for="des" forName="hierChild3" refType="sibSp"/>
+      <dgm:constr type="sibSp" for="des" forName="hierChild4" refType="sibSp"/>
+      <dgm:constr type="sibSp" for="des" forName="hierChild5" refType="sibSp"/>
+      <dgm:constr type="sibSp" for="des" forName="hierChild6" refType="sibSp"/>
+      <dgm:constr type="sp" for="des" forName="hierRoot1" refType="h" refFor="des" refForName="composite" fact="0.25"/>
+      <dgm:constr type="sp" for="des" forName="hierRoot2" refType="sp" refFor="des" refForName="hierRoot1"/>
+      <dgm:constr type="sp" for="des" forName="hierRoot3" refType="sp" refFor="des" refForName="hierRoot1"/>
+      <dgm:constr type="sp" for="des" forName="hierRoot4" refType="sp" refFor="des" refForName="hierRoot1"/>
+      <dgm:constr type="sp" for="des" forName="hierRoot5" refType="sp" refFor="des" refForName="hierRoot1"/>
+    </dgm:constrLst>
+    <dgm:ruleLst/>
+    <dgm:forEach name="Name3" axis="ch">
+      <dgm:forEach name="Name4" axis="self" ptType="node">
+        <dgm:layoutNode name="hierRoot1">
+          <dgm:alg type="hierRoot"/>
+          <dgm:shape xmlns:r="http://schemas.openxmlformats.org/officeDocument/2006/relationships" r:blip="">
+            <dgm:adjLst/>
+          </dgm:shape>
+          <dgm:presOf/>
+          <dgm:constrLst>
+            <dgm:constr type="bendDist" for="des" ptType="parTrans" refType="sp" fact="0.5"/>
+          </dgm:constrLst>
+          <dgm:ruleLst/>
+          <dgm:layoutNode name="composite">
+            <dgm:alg type="composite"/>
+            <dgm:shape xmlns:r="http://schemas.openxmlformats.org/officeDocument/2006/relationships" r:blip="">
+              <dgm:adjLst/>
+            </dgm:shape>
+            <dgm:presOf/>
+            <dgm:constrLst>
+              <dgm:constr type="w" for="ch" forName="background" refType="w" fact="0.9"/>
+              <dgm:constr type="h" for="ch" forName="background" refType="w" refFor="ch" refForName="background" fact="0.635"/>
+              <dgm:constr type="t" for="ch" forName="background"/>
+              <dgm:constr type="l" for="ch" forName="background"/>
+              <dgm:constr type="w" for="ch" forName="text" refType="w" fact="0.9"/>
+              <dgm:constr type="h" for="ch" forName="text" refType="w" refFor="ch" refForName="text" fact="0.635"/>
+              <dgm:constr type="t" for="ch" forName="text" refType="w" fact="0.095"/>
+              <dgm:constr type="l" for="ch" forName="text" refType="w" fact="0.1"/>
+            </dgm:constrLst>
+            <dgm:ruleLst/>
+            <dgm:layoutNode name="background" styleLbl="node0" moveWith="text">
+              <dgm:alg type="sp"/>
+              <dgm:shape xmlns:r="http://schemas.openxmlformats.org/officeDocument/2006/relationships" type="roundRect" r:blip="">
+                <dgm:adjLst>
+                  <dgm:adj idx="1" val="0.1"/>
+                </dgm:adjLst>
+              </dgm:shape>
+              <dgm:presOf/>
+              <dgm:constrLst/>
+              <dgm:ruleLst/>
+            </dgm:layoutNode>
+            <dgm:layoutNode name="text" styleLbl="fgAcc0">
+              <dgm:varLst>
+                <dgm:chPref val="3"/>
+              </dgm:varLst>
+              <dgm:alg type="tx"/>
+              <dgm:shape xmlns:r="http://schemas.openxmlformats.org/officeDocument/2006/relationships" type="roundRect" r:blip="">
+                <dgm:adjLst>
+                  <dgm:adj idx="1" val="0.1"/>
+                </dgm:adjLst>
+              </dgm:shape>
+              <dgm:presOf axis="self"/>
+              <dgm:constrLst>
+                <dgm:constr type="tMarg" refType="primFontSz" fact="0.3"/>
+                <dgm:constr type="bMarg" refType="primFontSz" fact="0.3"/>
+                <dgm:constr type="lMarg" refType="primFontSz" fact="0.3"/>
+                <dgm:constr type="rMarg" refType="primFontSz" fact="0.3"/>
+              </dgm:constrLst>
+              <dgm:ruleLst>
+                <dgm:rule type="primFontSz" val="5" fact="NaN" max="NaN"/>
+              </dgm:ruleLst>
+            </dgm:layoutNode>
+          </dgm:layoutNode>
+          <dgm:layoutNode name="hierChild2">
+            <dgm:choose name="Name5">
+              <dgm:if name="Name6" func="var" arg="dir" op="equ" val="norm">
+                <dgm:alg type="hierChild">
+                  <dgm:param type="linDir" val="fromL"/>
+                </dgm:alg>
+              </dgm:if>
+              <dgm:else name="Name7">
+                <dgm:alg type="hierChild">
+                  <dgm:param type="linDir" val="fromR"/>
+                </dgm:alg>
+              </dgm:else>
+            </dgm:choose>
+            <dgm:shape xmlns:r="http://schemas.openxmlformats.org/officeDocument/2006/relationships" r:blip="">
+              <dgm:adjLst/>
+            </dgm:shape>
+            <dgm:presOf/>
+            <dgm:constrLst/>
+            <dgm:ruleLst/>
+            <dgm:forEach name="Name8" axis="ch">
+              <dgm:forEach name="Name9" axis="self" ptType="parTrans" cnt="1">
+                <dgm:layoutNode name="Name10">
+                  <dgm:alg type="conn">
+                    <dgm:param type="dim" val="1D"/>
+                    <dgm:param type="endSty" val="noArr"/>
+                    <dgm:param type="connRout" val="bend"/>
+                    <dgm:param type="bendPt" val="end"/>
+                    <dgm:param type="begPts" val="bCtr"/>
+                    <dgm:param type="endPts" val="tCtr"/>
+                    <dgm:param type="srcNode" val="background"/>
+                    <dgm:param type="dstNode" val="background2"/>
+                  </dgm:alg>
+                  <dgm:shape xmlns:r="http://schemas.openxmlformats.org/officeDocument/2006/relationships" type="conn" r:blip="" zOrderOff="-999">
+                    <dgm:adjLst/>
+                  </dgm:shape>
+                  <dgm:presOf axis="self"/>
+                  <dgm:constrLst>
+                    <dgm:constr type="begPad"/>
+                    <dgm:constr type="endPad"/>
+                  </dgm:constrLst>
+                  <dgm:ruleLst/>
+                </dgm:layoutNode>
+              </dgm:forEach>
+              <dgm:forEach name="Name11" axis="self" ptType="node">
+                <dgm:layoutNode name="hierRoot2">
+                  <dgm:alg type="hierRoot"/>
+                  <dgm:shape xmlns:r="http://schemas.openxmlformats.org/officeDocument/2006/relationships" r:blip="">
+                    <dgm:adjLst/>
+                  </dgm:shape>
+                  <dgm:presOf/>
+                  <dgm:constrLst>
+                    <dgm:constr type="bendDist" for="des" ptType="parTrans" refType="sp" fact="0.5"/>
+                  </dgm:constrLst>
+                  <dgm:ruleLst/>
+                  <dgm:layoutNode name="composite2">
+                    <dgm:alg type="composite"/>
+                    <dgm:shape xmlns:r="http://schemas.openxmlformats.org/officeDocument/2006/relationships" r:blip="">
+                      <dgm:adjLst/>
+                    </dgm:shape>
+                    <dgm:presOf/>
+                    <dgm:constrLst>
+                      <dgm:constr type="w" for="ch" forName="background2" refType="w" fact="0.9"/>
+                      <dgm:constr type="h" for="ch" forName="background2" refType="w" refFor="ch" refForName="background2" fact="0.635"/>
+                      <dgm:constr type="t" for="ch" forName="background2"/>
+                      <dgm:constr type="l" for="ch" forName="background2"/>
+                      <dgm:constr type="w" for="ch" forName="text2" refType="w" fact="0.9"/>
+                      <dgm:constr type="h" for="ch" forName="text2" refType="w" refFor="ch" refForName="text2" fact="0.635"/>
+                      <dgm:constr type="t" for="ch" forName="text2" refType="w" fact="0.095"/>
+                      <dgm:constr type="l" for="ch" forName="text2" refType="w" fact="0.1"/>
+                    </dgm:constrLst>
+                    <dgm:ruleLst/>
+                    <dgm:layoutNode name="background2" moveWith="text2">
+                      <dgm:alg type="sp"/>
+                      <dgm:shape xmlns:r="http://schemas.openxmlformats.org/officeDocument/2006/relationships" type="roundRect" r:blip="">
+                        <dgm:adjLst>
+                          <dgm:adj idx="1" val="0.1"/>
+                        </dgm:adjLst>
+                      </dgm:shape>
+                      <dgm:presOf/>
+                      <dgm:constrLst/>
+                      <dgm:ruleLst/>
+                    </dgm:layoutNode>
+                    <dgm:layoutNode name="text2" styleLbl="fgAcc2">
+                      <dgm:varLst>
+                        <dgm:chPref val="3"/>
+                      </dgm:varLst>
+                      <dgm:alg type="tx"/>
+                      <dgm:shape xmlns:r="http://schemas.openxmlformats.org/officeDocument/2006/relationships" type="roundRect" r:blip="">
+                        <dgm:adjLst>
+                          <dgm:adj idx="1" val="0.1"/>
+                        </dgm:adjLst>
+                      </dgm:shape>
+                      <dgm:presOf axis="self"/>
+                      <dgm:constrLst>
+                        <dgm:constr type="tMarg" refType="primFontSz" fact="0.3"/>
+                        <dgm:constr type="bMarg" refType="primFontSz" fact="0.3"/>
+                        <dgm:constr type="lMarg" refType="primFontSz" fact="0.3"/>
+                        <dgm:constr type="rMarg" refType="primFontSz" fact="0.3"/>
+                      </dgm:constrLst>
+                      <dgm:ruleLst>
+                        <dgm:rule type="primFontSz" val="5" fact="NaN" max="NaN"/>
+                      </dgm:ruleLst>
+                    </dgm:layoutNode>
+                  </dgm:layoutNode>
+                  <dgm:layoutNode name="hierChild3">
+                    <dgm:choose name="Name12">
+                      <dgm:if name="Name13" func="var" arg="dir" op="equ" val="norm">
+                        <dgm:alg type="hierChild">
+                          <dgm:param type="linDir" val="fromL"/>
+                        </dgm:alg>
+                      </dgm:if>
+                      <dgm:else name="Name14">
+                        <dgm:alg type="hierChild">
+                          <dgm:param type="linDir" val="fromR"/>
+                        </dgm:alg>
+                      </dgm:else>
+                    </dgm:choose>
+                    <dgm:shape xmlns:r="http://schemas.openxmlformats.org/officeDocument/2006/relationships" r:blip="">
+                      <dgm:adjLst/>
+                    </dgm:shape>
+                    <dgm:presOf/>
+                    <dgm:constrLst/>
+                    <dgm:ruleLst/>
+                    <dgm:forEach name="Name15" axis="ch">
+                      <dgm:forEach name="Name16" axis="self" ptType="parTrans" cnt="1">
+                        <dgm:layoutNode name="Name17">
+                          <dgm:alg type="conn">
+                            <dgm:param type="dim" val="1D"/>
+                            <dgm:param type="endSty" val="noArr"/>
+                            <dgm:param type="connRout" val="bend"/>
+                            <dgm:param type="bendPt" val="end"/>
+                            <dgm:param type="begPts" val="bCtr"/>
+                            <dgm:param type="endPts" val="tCtr"/>
+                            <dgm:param type="srcNode" val="background2"/>
+                            <dgm:param type="dstNode" val="background3"/>
+                          </dgm:alg>
+                          <dgm:shape xmlns:r="http://schemas.openxmlformats.org/officeDocument/2006/relationships" type="conn" r:blip="" zOrderOff="-999">
+                            <dgm:adjLst/>
+                          </dgm:shape>
+                          <dgm:presOf axis="self"/>
+                          <dgm:constrLst>
+                            <dgm:constr type="begPad"/>
+                            <dgm:constr type="endPad"/>
+                          </dgm:constrLst>
+                          <dgm:ruleLst/>
+                        </dgm:layoutNode>
+                      </dgm:forEach>
+                      <dgm:forEach name="Name18" axis="self" ptType="node">
+                        <dgm:layoutNode name="hierRoot3">
+                          <dgm:alg type="hierRoot"/>
+                          <dgm:shape xmlns:r="http://schemas.openxmlformats.org/officeDocument/2006/relationships" r:blip="">
+                            <dgm:adjLst/>
+                          </dgm:shape>
+                          <dgm:presOf/>
+                          <dgm:constrLst>
+                            <dgm:constr type="bendDist" for="des" ptType="parTrans" refType="sp" fact="0.5"/>
+                          </dgm:constrLst>
+                          <dgm:ruleLst/>
+                          <dgm:layoutNode name="composite3">
+                            <dgm:alg type="composite"/>
+                            <dgm:shape xmlns:r="http://schemas.openxmlformats.org/officeDocument/2006/relationships" r:blip="">
+                              <dgm:adjLst/>
+                            </dgm:shape>
+                            <dgm:presOf/>
+                            <dgm:constrLst>
+                              <dgm:constr type="w" for="ch" forName="background3" refType="w" fact="0.9"/>
+                              <dgm:constr type="h" for="ch" forName="background3" refType="w" refFor="ch" refForName="background3" fact="0.635"/>
+                              <dgm:constr type="t" for="ch" forName="background3"/>
+                              <dgm:constr type="l" for="ch" forName="background3"/>
+                              <dgm:constr type="w" for="ch" forName="text3" refType="w" fact="0.9"/>
+                              <dgm:constr type="h" for="ch" forName="text3" refType="w" refFor="ch" refForName="text3" fact="0.635"/>
+                              <dgm:constr type="t" for="ch" forName="text3" refType="w" fact="0.095"/>
+                              <dgm:constr type="l" for="ch" forName="text3" refType="w" fact="0.1"/>
+                            </dgm:constrLst>
+                            <dgm:ruleLst/>
+                            <dgm:layoutNode name="background3" moveWith="text3">
+                              <dgm:alg type="sp"/>
+                              <dgm:shape xmlns:r="http://schemas.openxmlformats.org/officeDocument/2006/relationships" type="roundRect" r:blip="">
+                                <dgm:adjLst>
+                                  <dgm:adj idx="1" val="0.1"/>
+                                </dgm:adjLst>
+                              </dgm:shape>
+                              <dgm:presOf/>
+                              <dgm:constrLst/>
+                              <dgm:ruleLst/>
+                            </dgm:layoutNode>
+                            <dgm:layoutNode name="text3" styleLbl="fgAcc3">
+                              <dgm:varLst>
+                                <dgm:chPref val="3"/>
+                              </dgm:varLst>
+                              <dgm:alg type="tx"/>
+                              <dgm:shape xmlns:r="http://schemas.openxmlformats.org/officeDocument/2006/relationships" type="roundRect" r:blip="">
+                                <dgm:adjLst>
+                                  <dgm:adj idx="1" val="0.1"/>
+                                </dgm:adjLst>
+                              </dgm:shape>
+                              <dgm:presOf axis="self"/>
+                              <dgm:constrLst>
+                                <dgm:constr type="tMarg" refType="primFontSz" fact="0.3"/>
+                                <dgm:constr type="bMarg" refType="primFontSz" fact="0.3"/>
+                                <dgm:constr type="lMarg" refType="primFontSz" fact="0.3"/>
+                                <dgm:constr type="rMarg" refType="primFontSz" fact="0.3"/>
+                              </dgm:constrLst>
+                              <dgm:ruleLst>
+                                <dgm:rule type="primFontSz" val="5" fact="NaN" max="NaN"/>
+                              </dgm:ruleLst>
+                            </dgm:layoutNode>
+                          </dgm:layoutNode>
+                          <dgm:layoutNode name="hierChild4">
+                            <dgm:choose name="Name19">
+                              <dgm:if name="Name20" func="var" arg="dir" op="equ" val="norm">
+                                <dgm:alg type="hierChild">
+                                  <dgm:param type="linDir" val="fromL"/>
+                                </dgm:alg>
+                              </dgm:if>
+                              <dgm:else name="Name21">
+                                <dgm:alg type="hierChild">
+                                  <dgm:param type="linDir" val="fromR"/>
+                                </dgm:alg>
+                              </dgm:else>
+                            </dgm:choose>
+                            <dgm:shape xmlns:r="http://schemas.openxmlformats.org/officeDocument/2006/relationships" r:blip="">
+                              <dgm:adjLst/>
+                            </dgm:shape>
+                            <dgm:presOf/>
+                            <dgm:constrLst/>
+                            <dgm:ruleLst/>
+                            <dgm:forEach name="repeat" axis="ch">
+                              <dgm:forEach name="Name22" axis="self" ptType="parTrans" cnt="1">
+                                <dgm:layoutNode name="Name23">
+                                  <dgm:choose name="Name24">
+                                    <dgm:if name="Name25" axis="self" func="depth" op="lte" val="4">
+                                      <dgm:alg type="conn">
+                                        <dgm:param type="dim" val="1D"/>
+                                        <dgm:param type="endSty" val="noArr"/>
+                                        <dgm:param type="connRout" val="bend"/>
+                                        <dgm:param type="bendPt" val="end"/>
+                                        <dgm:param type="begPts" val="bCtr"/>
+                                        <dgm:param type="endPts" val="tCtr"/>
+                                        <dgm:param type="srcNode" val="background3"/>
+                                        <dgm:param type="dstNode" val="background4"/>
+                                      </dgm:alg>
+                                    </dgm:if>
+                                    <dgm:else name="Name26">
+                                      <dgm:alg type="conn">
+                                        <dgm:param type="dim" val="1D"/>
+                                        <dgm:param type="endSty" val="noArr"/>
+                                        <dgm:param type="connRout" val="bend"/>
+                                        <dgm:param type="bendPt" val="end"/>
+                                        <dgm:param type="begPts" val="bCtr"/>
+                                        <dgm:param type="endPts" val="tCtr"/>
+                                        <dgm:param type="srcNode" val="background4"/>
+                                        <dgm:param type="dstNode" val="background4"/>
+                                      </dgm:alg>
+                                    </dgm:else>
+                                  </dgm:choose>
+                                  <dgm:shape xmlns:r="http://schemas.openxmlformats.org/officeDocument/2006/relationships" type="conn" r:blip="" zOrderOff="-999">
+                                    <dgm:adjLst/>
+                                  </dgm:shape>
+                                  <dgm:presOf axis="self"/>
+                                  <dgm:constrLst>
+                                    <dgm:constr type="begPad"/>
+                                    <dgm:constr type="endPad"/>
+                                  </dgm:constrLst>
+                                  <dgm:ruleLst/>
+                                </dgm:layoutNode>
+                              </dgm:forEach>
+                              <dgm:forEach name="Name27" axis="self" ptType="node">
+                                <dgm:layoutNode name="hierRoot4">
+                                  <dgm:alg type="hierRoot"/>
+                                  <dgm:shape xmlns:r="http://schemas.openxmlformats.org/officeDocument/2006/relationships" r:blip="">
+                                    <dgm:adjLst/>
+                                  </dgm:shape>
+                                  <dgm:presOf/>
+                                  <dgm:constrLst>
+                                    <dgm:constr type="bendDist" for="des" ptType="parTrans" refType="sp" fact="0.5"/>
+                                  </dgm:constrLst>
+                                  <dgm:ruleLst/>
+                                  <dgm:layoutNode name="composite4">
+                                    <dgm:alg type="composite"/>
+                                    <dgm:shape xmlns:r="http://schemas.openxmlformats.org/officeDocument/2006/relationships" r:blip="">
+                                      <dgm:adjLst/>
+                                    </dgm:shape>
+                                    <dgm:presOf/>
+                                    <dgm:constrLst>
+                                      <dgm:constr type="w" for="ch" forName="background4" refType="w" fact="0.9"/>
+                                      <dgm:constr type="h" for="ch" forName="background4" refType="w" refFor="ch" refForName="background4" fact="0.635"/>
+                                      <dgm:constr type="t" for="ch" forName="background4"/>
+                                      <dgm:constr type="l" for="ch" forName="background4"/>
+                                      <dgm:constr type="w" for="ch" forName="text4" refType="w" fact="0.9"/>
+                                      <dgm:constr type="h" for="ch" forName="text4" refType="w" refFor="ch" refForName="text4" fact="0.635"/>
+                                      <dgm:constr type="t" for="ch" forName="text4" refType="w" fact="0.095"/>
+                                      <dgm:constr type="l" for="ch" forName="text4" refType="w" fact="0.1"/>
+                                    </dgm:constrLst>
+                                    <dgm:ruleLst/>
+                                    <dgm:layoutNode name="background4" moveWith="text4">
+                                      <dgm:alg type="sp"/>
+                                      <dgm:shape xmlns:r="http://schemas.openxmlformats.org/officeDocument/2006/relationships" type="roundRect" r:blip="">
+                                        <dgm:adjLst>
+                                          <dgm:adj idx="1" val="0.1"/>
+                                        </dgm:adjLst>
+                                      </dgm:shape>
+                                      <dgm:presOf/>
+                                      <dgm:constrLst/>
+                                      <dgm:ruleLst/>
+                                    </dgm:layoutNode>
+                                    <dgm:layoutNode name="text4" styleLbl="fgAcc4">
+                                      <dgm:varLst>
+                                        <dgm:chPref val="3"/>
+                                      </dgm:varLst>
+                                      <dgm:alg type="tx"/>
+                                      <dgm:shape xmlns:r="http://schemas.openxmlformats.org/officeDocument/2006/relationships" type="roundRect" r:blip="">
+                                        <dgm:adjLst>
+                                          <dgm:adj idx="1" val="0.1"/>
+                                        </dgm:adjLst>
+                                      </dgm:shape>
+                                      <dgm:presOf axis="self"/>
+                                      <dgm:constrLst>
+                                        <dgm:constr type="tMarg" refType="primFontSz" fact="0.3"/>
+                                        <dgm:constr type="bMarg" refType="primFontSz" fact="0.3"/>
+                                        <dgm:constr type="lMarg" refType="primFontSz" fact="0.3"/>
+                                        <dgm:constr type="rMarg" refType="primFontSz" fact="0.3"/>
+                                      </dgm:constrLst>
+                                      <dgm:ruleLst>
+                                        <dgm:rule type="primFontSz" val="5" fact="NaN" max="NaN"/>
+                                      </dgm:ruleLst>
+                                    </dgm:layoutNode>
+                                  </dgm:layoutNode>
+                                  <dgm:layoutNode name="hierChild5">
+                                    <dgm:choose name="Name28">
+                                      <dgm:if name="Name29" func="var" arg="dir" op="equ" val="norm">
+                                        <dgm:alg type="hierChild">
+                                          <dgm:param type="linDir" val="fromL"/>
+                                        </dgm:alg>
+                                      </dgm:if>
+                                      <dgm:else name="Name30">
+                                        <dgm:alg type="hierChild">
+                                          <dgm:param type="linDir" val="fromR"/>
+                                        </dgm:alg>
+                                      </dgm:else>
+                                    </dgm:choose>
+                                    <dgm:shape xmlns:r="http://schemas.openxmlformats.org/officeDocument/2006/relationships" r:blip="">
+                                      <dgm:adjLst/>
+                                    </dgm:shape>
+                                    <dgm:presOf/>
+                                    <dgm:constrLst/>
+                                    <dgm:ruleLst/>
+                                    <dgm:forEach name="Name31" ref="repeat"/>
+                                  </dgm:layoutNode>
+                                </dgm:layoutNode>
+                              </dgm:forEach>
+                            </dgm:forEach>
+                          </dgm:layoutNode>
+                        </dgm:layoutNode>
+                      </dgm:forEach>
+                    </dgm:forEach>
+                  </dgm:layoutNode>
+                </dgm:layoutNode>
+              </dgm:forEach>
+            </dgm:forEach>
+          </dgm:layoutNode>
+        </dgm:layoutNode>
+      </dgm:forEach>
+    </dgm:forEach>
+  </dgm:layoutNode>
+</dgm:layoutDef>
+</file>
+
+<file path=ppt/diagrams/quickStyle1.xml><?xml version="1.0" encoding="utf-8"?>
+<dgm:styleDef xmlns:dgm="http://schemas.openxmlformats.org/drawingml/2006/diagram" xmlns:a="http://schemas.openxmlformats.org/drawingml/2006/main" uniqueId="urn:microsoft.com/office/officeart/2005/8/quickstyle/simple4">
+  <dgm:title val=""/>
+  <dgm:desc val=""/>
+  <dgm:catLst>
+    <dgm:cat type="simple" pri="10400"/>
+  </dgm:catLst>
+  <dgm:scene3d>
+    <a:camera prst="orthographicFront"/>
+    <a:lightRig rig="threePt" dir="t"/>
+  </dgm:scene3d>
+  <dgm:styleLbl name="node0">
+    <dgm:scene3d>
+      <a:camera prst="orthographicFront"/>
+      <a:lightRig rig="threePt" dir="t"/>
+    </dgm:scene3d>
+    <dgm:sp3d/>
+    <dgm:txPr/>
+    <dgm:style>
+      <a:lnRef idx="0">
+        <a:scrgbClr r="0" g="0" b="0"/>
+      </a:lnRef>
+      <a:fillRef idx="3">
+        <a:scrgbClr r="0" g="0" b="0"/>
+      </a:fillRef>
+      <a:effectRef idx="2">
+        <a:scrgbClr r="0" g="0" b="0"/>
+      </a:effectRef>
+      <a:fontRef idx="minor">
+        <a:schemeClr val="lt1"/>
+      </a:fontRef>
+    </dgm:style>
+  </dgm:styleLbl>
+  <dgm:styleLbl name="lnNode1">
+    <dgm:scene3d>
+      <a:camera prst="orthographicFront"/>
+      <a:lightRig rig="threePt" dir="t"/>
+    </dgm:scene3d>
+    <dgm:sp3d/>
+    <dgm:txPr/>
+    <dgm:style>
+      <a:lnRef idx="1">
+        <a:scrgbClr r="0" g="0" b="0"/>
+      </a:lnRef>
+      <a:fillRef idx="3">
+        <a:scrgbClr r="0" g="0" b="0"/>
+      </a:fillRef>
+      <a:effectRef idx="2">
+        <a:scrgbClr r="0" g="0" b="0"/>
+      </a:effectRef>
+      <a:fontRef idx="minor">
+        <a:schemeClr val="lt1"/>
+      </a:fontRef>
+    </dgm:style>
+  </dgm:styleLbl>
+  <dgm:styleLbl name="vennNode1">
+    <dgm:scene3d>
+      <a:camera prst="orthographicFront"/>
+      <a:lightRig rig="threePt" dir="t"/>
+    </dgm:scene3d>
+    <dgm:sp3d/>
+    <dgm:txPr/>
+    <dgm:style>
+      <a:lnRef idx="0">
+        <a:scrgbClr r="0" g="0" b="0"/>
+      </a:lnRef>
+      <a:fillRef idx="3">
+        <a:scrgbClr r="0" g="0" b="0"/>
+      </a:fillRef>
+      <a:effectRef idx="0">
+        <a:scrgbClr r="0" g="0" b="0"/>
+      </a:effectRef>
+      <a:fontRef idx="minor">
+        <a:schemeClr val="tx1"/>
+      </a:fontRef>
+    </dgm:style>
+  </dgm:styleLbl>
+  <dgm:styleLbl name="alignNode1">
+    <dgm:scene3d>
+      <a:camera prst="orthographicFront"/>
+      <a:lightRig rig="threePt" dir="t"/>
+    </dgm:scene3d>
+    <dgm:sp3d/>
+    <dgm:txPr/>
+    <dgm:style>
+      <a:lnRef idx="1">
+        <a:scrgbClr r="0" g="0" b="0"/>
+      </a:lnRef>
+      <a:fillRef idx="3">
+        <a:scrgbClr r="0" g="0" b="0"/>
+      </a:fillRef>
+      <a:effectRef idx="2">
+        <a:scrgbClr r="0" g="0" b="0"/>
+      </a:effectRef>
+      <a:fontRef idx="minor">
+        <a:schemeClr val="lt1"/>
+      </a:fontRef>
+    </dgm:style>
+  </dgm:styleLbl>
+  <dgm:styleLbl name="node1">
+    <dgm:scene3d>
+      <a:camera prst="orthographicFront"/>
+      <a:lightRig rig="threePt" dir="t"/>
+    </dgm:scene3d>
+    <dgm:sp3d/>
+    <dgm:txPr/>
+    <dgm:style>
+      <a:lnRef idx="0">
+        <a:scrgbClr r="0" g="0" b="0"/>
+      </a:lnRef>
+      <a:fillRef idx="3">
+        <a:scrgbClr r="0" g="0" b="0"/>
+      </a:fillRef>
+      <a:effectRef idx="2">
+        <a:scrgbClr r="0" g="0" b="0"/>
+      </a:effectRef>
+      <a:fontRef idx="minor">
+        <a:schemeClr val="lt1"/>
+      </a:fontRef>
+    </dgm:style>
+  </dgm:styleLbl>
+  <dgm:styleLbl name="node2">
+    <dgm:scene3d>
+      <a:camera prst="orthographicFront"/>
+      <a:lightRig rig="threePt" dir="t"/>
+    </dgm:scene3d>
+    <dgm:sp3d/>
+    <dgm:txPr/>
+    <dgm:style>
+      <a:lnRef idx="0">
+        <a:scrgbClr r="0" g="0" b="0"/>
+      </a:lnRef>
+      <a:fillRef idx="3">
+        <a:scrgbClr r="0" g="0" b="0"/>
+      </a:fillRef>
+      <a:effectRef idx="2">
+        <a:scrgbClr r="0" g="0" b="0"/>
+      </a:effectRef>
+      <a:fontRef idx="minor">
+        <a:schemeClr val="lt1"/>
+      </a:fontRef>
+    </dgm:style>
+  </dgm:styleLbl>
+  <dgm:styleLbl name="node3">
+    <dgm:scene3d>
+      <a:camera prst="orthographicFront"/>
+      <a:lightRig rig="threePt" dir="t"/>
+    </dgm:scene3d>
+    <dgm:sp3d/>
+    <dgm:txPr/>
+    <dgm:style>
+      <a:lnRef idx="0">
+        <a:scrgbClr r="0" g="0" b="0"/>
+      </a:lnRef>
+      <a:fillRef idx="3">
+        <a:scrgbClr r="0" g="0" b="0"/>
+      </a:fillRef>
+      <a:effectRef idx="2">
+        <a:scrgbClr r="0" g="0" b="0"/>
+      </a:effectRef>
+      <a:fontRef idx="minor">
+        <a:schemeClr val="lt1"/>
+      </a:fontRef>
+    </dgm:style>
+  </dgm:styleLbl>
+  <dgm:styleLbl name="node4">
+    <dgm:scene3d>
+      <a:camera prst="orthographicFront"/>
+      <a:lightRig rig="threePt" dir="t"/>
+    </dgm:scene3d>
+    <dgm:sp3d/>
+    <dgm:txPr/>
+    <dgm:style>
+      <a:lnRef idx="0">
+        <a:scrgbClr r="0" g="0" b="0"/>
+      </a:lnRef>
+      <a:fillRef idx="3">
+        <a:scrgbClr r="0" g="0" b="0"/>
+      </a:fillRef>
+      <a:effectRef idx="2">
+        <a:scrgbClr r="0" g="0" b="0"/>
+      </a:effectRef>
+      <a:fontRef idx="minor">
+        <a:schemeClr val="lt1"/>
+      </a:fontRef>
+    </dgm:style>
+  </dgm:styleLbl>
+  <dgm:styleLbl name="fgImgPlace1">
+    <dgm:scene3d>
+      <a:camera prst="orthographicFront"/>
+      <a:lightRig rig="threePt" dir="t"/>
+    </dgm:scene3d>
+    <dgm:sp3d/>
+    <dgm:txPr/>
+    <dgm:style>
+      <a:lnRef idx="0">
+        <a:scrgbClr r="0" g="0" b="0"/>
+      </a:lnRef>
+      <a:fillRef idx="1">
+        <a:scrgbClr r="0" g="0" b="0"/>
+      </a:fillRef>
+      <a:effectRef idx="2">
+        <a:scrgbClr r="0" g="0" b="0"/>
+      </a:effectRef>
+      <a:fontRef idx="minor"/>
+    </dgm:style>
+  </dgm:styleLbl>
+  <dgm:styleLbl name="alignImgPlace1">
+    <dgm:scene3d>
+      <a:camera prst="orthographicFront"/>
+      <a:lightRig rig="threePt" dir="t"/>
+    </dgm:scene3d>
+    <dgm:sp3d/>
+    <dgm:txPr/>
+    <dgm:style>
+      <a:lnRef idx="0">
+        <a:scrgbClr r="0" g="0" b="0"/>
+      </a:lnRef>
+      <a:fillRef idx="1">
+        <a:scrgbClr r="0" g="0" b="0"/>
+      </a:fillRef>
+      <a:effectRef idx="2">
+        <a:scrgbClr r="0" g="0" b="0"/>
+      </a:effectRef>
+      <a:fontRef idx="minor"/>
+    </dgm:style>
+  </dgm:styleLbl>
+  <dgm:styleLbl name="bgImgPlace1">
+    <dgm:scene3d>
+      <a:camera prst="orthographicFront"/>
+      <a:lightRig rig="threePt" dir="t"/>
+    </dgm:scene3d>
+    <dgm:sp3d/>
+    <dgm:txPr/>
+    <dgm:style>
+      <a:lnRef idx="0">
+        <a:scrgbClr r="0" g="0" b="0"/>
+      </a:lnRef>
+      <a:fillRef idx="1">
+        <a:scrgbClr r="0" g="0" b="0"/>
+      </a:fillRef>
+      <a:effectRef idx="2">
+        <a:scrgbClr r="0" g="0" b="0"/>
+      </a:effectRef>
+      <a:fontRef idx="minor"/>
+    </dgm:style>
+  </dgm:styleLbl>
+  <dgm:styleLbl name="sibTrans2D1">
+    <dgm:scene3d>
+      <a:camera prst="orthographicFront"/>
+      <a:lightRig rig="threePt" dir="t"/>
+    </dgm:scene3d>
+    <dgm:sp3d/>
+    <dgm:txPr/>
+    <dgm:style>
+      <a:lnRef idx="0">
+        <a:scrgbClr r="0" g="0" b="0"/>
+      </a:lnRef>
+      <a:fillRef idx="3">
+        <a:scrgbClr r="0" g="0" b="0"/>
+      </a:fillRef>
+      <a:effectRef idx="2">
+        <a:scrgbClr r="0" g="0" b="0"/>
+      </a:effectRef>
+      <a:fontRef idx="minor">
+        <a:schemeClr val="lt1"/>
+      </a:fontRef>
+    </dgm:style>
+  </dgm:styleLbl>
+  <dgm:styleLbl name="fgSibTrans2D1">
+    <dgm:scene3d>
+      <a:camera prst="orthographicFront"/>
+      <a:lightRig rig="threePt" dir="t"/>
+    </dgm:scene3d>
+    <dgm:sp3d/>
+    <dgm:txPr/>
+    <dgm:style>
+      <a:lnRef idx="0">
+        <a:scrgbClr r="0" g="0" b="0"/>
+      </a:lnRef>
+      <a:fillRef idx="3">
+        <a:scrgbClr r="0" g="0" b="0"/>
+      </a:fillRef>
+      <a:effectRef idx="2">
+        <a:scrgbClr r="0" g="0" b="0"/>
+      </a:effectRef>
+      <a:fontRef idx="minor">
+        <a:schemeClr val="lt1"/>
+      </a:fontRef>
+    </dgm:style>
+  </dgm:styleLbl>
+  <dgm:styleLbl name="bgSibTrans2D1">
+    <dgm:scene3d>
+      <a:camera prst="orthographicFront"/>
+      <a:lightRig rig="threePt" dir="t"/>
+    </dgm:scene3d>
+    <dgm:sp3d/>
+    <dgm:txPr/>
+    <dgm:style>
+      <a:lnRef idx="0">
+        <a:scrgbClr r="0" g="0" b="0"/>
+      </a:lnRef>
+      <a:fillRef idx="3">
+        <a:scrgbClr r="0" g="0" b="0"/>
+      </a:fillRef>
+      <a:effectRef idx="2">
+        <a:scrgbClr r="0" g="0" b="0"/>
+      </a:effectRef>
+      <a:fontRef idx="minor">
+        <a:schemeClr val="lt1"/>
+      </a:fontRef>
+    </dgm:style>
+  </dgm:styleLbl>
+  <dgm:styleLbl name="sibTrans1D1">
+    <dgm:scene3d>
+      <a:camera prst="orthographicFront"/>
+      <a:lightRig rig="threePt" dir="t"/>
+    </dgm:scene3d>
+    <dgm:sp3d/>
+    <dgm:txPr/>
+    <dgm:style>
+      <a:lnRef idx="1">
+        <a:scrgbClr r="0" g="0" b="0"/>
+      </a:lnRef>
+      <a:fillRef idx="0">
+        <a:scrgbClr r="0" g="0" b="0"/>
+      </a:fillRef>
+      <a:effectRef idx="0">
+        <a:scrgbClr r="0" g="0" b="0"/>
+      </a:effectRef>
+      <a:fontRef idx="minor"/>
+    </dgm:style>
+  </dgm:styleLbl>
+  <dgm:styleLbl name="callout">
+    <dgm:scene3d>
+      <a:camera prst="orthographicFront"/>
+      <a:lightRig rig="threePt" dir="t"/>
+    </dgm:scene3d>
+    <dgm:sp3d/>
+    <dgm:txPr/>
+    <dgm:style>
+      <a:lnRef idx="2">
+        <a:scrgbClr r="0" g="0" b="0"/>
+      </a:lnRef>
+      <a:fillRef idx="1">
+        <a:scrgbClr r="0" g="0" b="0"/>
+      </a:fillRef>
+      <a:effectRef idx="1">
+        <a:scrgbClr r="0" g="0" b="0"/>
+      </a:effectRef>
+      <a:fontRef idx="minor"/>
+    </dgm:style>
+  </dgm:styleLbl>
+  <dgm:styleLbl name="asst0">
+    <dgm:scene3d>
+      <a:camera prst="orthographicFront"/>
+      <a:lightRig rig="threePt" dir="t"/>
+    </dgm:scene3d>
+    <dgm:sp3d/>
+    <dgm:txPr/>
+    <dgm:style>
+      <a:lnRef idx="0">
+        <a:scrgbClr r="0" g="0" b="0"/>
+      </a:lnRef>
+      <a:fillRef idx="3">
+        <a:scrgbClr r="0" g="0" b="0"/>
+      </a:fillRef>
+      <a:effectRef idx="2">
+        <a:scrgbClr r="0" g="0" b="0"/>
+      </a:effectRef>
+      <a:fontRef idx="minor">
+        <a:schemeClr val="lt1"/>
+      </a:fontRef>
+    </dgm:style>
+  </dgm:styleLbl>
+  <dgm:styleLbl name="asst1">
+    <dgm:scene3d>
+      <a:camera prst="orthographicFront"/>
+      <a:lightRig rig="threePt" dir="t"/>
+    </dgm:scene3d>
+    <dgm:sp3d/>
+    <dgm:txPr/>
+    <dgm:style>
+      <a:lnRef idx="0">
+        <a:scrgbClr r="0" g="0" b="0"/>
+      </a:lnRef>
+      <a:fillRef idx="3">
+        <a:scrgbClr r="0" g="0" b="0"/>
+      </a:fillRef>
+      <a:effectRef idx="2">
+        <a:scrgbClr r="0" g="0" b="0"/>
+      </a:effectRef>
+      <a:fontRef idx="minor">
+        <a:schemeClr val="lt1"/>
+      </a:fontRef>
+    </dgm:style>
+  </dgm:styleLbl>
+  <dgm:styleLbl name="asst2">
+    <dgm:scene3d>
+      <a:camera prst="orthographicFront"/>
+      <a:lightRig rig="threePt" dir="t"/>
+    </dgm:scene3d>
+    <dgm:sp3d/>
+    <dgm:txPr/>
+    <dgm:style>
+      <a:lnRef idx="0">
+        <a:scrgbClr r="0" g="0" b="0"/>
+      </a:lnRef>
+      <a:fillRef idx="3">
+        <a:scrgbClr r="0" g="0" b="0"/>
+      </a:fillRef>
+      <a:effectRef idx="2">
+        <a:scrgbClr r="0" g="0" b="0"/>
+      </a:effectRef>
+      <a:fontRef idx="minor">
+        <a:schemeClr val="lt1"/>
+      </a:fontRef>
+    </dgm:style>
+  </dgm:styleLbl>
+  <dgm:styleLbl name="asst3">
+    <dgm:scene3d>
+      <a:camera prst="orthographicFront"/>
+      <a:lightRig rig="threePt" dir="t"/>
+    </dgm:scene3d>
+    <dgm:sp3d/>
+    <dgm:txPr/>
+    <dgm:style>
+      <a:lnRef idx="0">
+        <a:scrgbClr r="0" g="0" b="0"/>
+      </a:lnRef>
+      <a:fillRef idx="3">
+        <a:scrgbClr r="0" g="0" b="0"/>
+      </a:fillRef>
+      <a:effectRef idx="2">
+        <a:scrgbClr r="0" g="0" b="0"/>
+      </a:effectRef>
+      <a:fontRef idx="minor">
+        <a:schemeClr val="lt1"/>
+      </a:fontRef>
+    </dgm:style>
+  </dgm:styleLbl>
+  <dgm:styleLbl name="asst4">
+    <dgm:scene3d>
+      <a:camera prst="orthographicFront"/>
+      <a:lightRig rig="threePt" dir="t"/>
+    </dgm:scene3d>
+    <dgm:sp3d/>
+    <dgm:txPr/>
+    <dgm:style>
+      <a:lnRef idx="0">
+        <a:scrgbClr r="0" g="0" b="0"/>
+      </a:lnRef>
+      <a:fillRef idx="3">
+        <a:scrgbClr r="0" g="0" b="0"/>
+      </a:fillRef>
+      <a:effectRef idx="2">
+        <a:scrgbClr r="0" g="0" b="0"/>
+      </a:effectRef>
+      <a:fontRef idx="minor">
+        <a:schemeClr val="lt1"/>
+      </a:fontRef>
+    </dgm:style>
+  </dgm:styleLbl>
+  <dgm:styleLbl name="parChTrans2D1">
+    <dgm:scene3d>
+      <a:camera prst="orthographicFront"/>
+      <a:lightRig rig="threePt" dir="t"/>
+    </dgm:scene3d>
+    <dgm:sp3d/>
+    <dgm:txPr/>
+    <dgm:style>
+      <a:lnRef idx="0">
+        <a:scrgbClr r="0" g="0" b="0"/>
+      </a:lnRef>
+      <a:fillRef idx="3">
+        <a:scrgbClr r="0" g="0" b="0"/>
+      </a:fillRef>
+      <a:effectRef idx="2">
+        <a:scrgbClr r="0" g="0" b="0"/>
+      </a:effectRef>
+      <a:fontRef idx="minor">
+        <a:schemeClr val="lt1"/>
+      </a:fontRef>
+    </dgm:style>
+  </dgm:styleLbl>
+  <dgm:styleLbl name="parChTrans2D2">
+    <dgm:scene3d>
+      <a:camera prst="orthographicFront"/>
+      <a:lightRig rig="threePt" dir="t"/>
+    </dgm:scene3d>
+    <dgm:sp3d/>
+    <dgm:txPr/>
+    <dgm:style>
+      <a:lnRef idx="0">
+        <a:scrgbClr r="0" g="0" b="0"/>
+      </a:lnRef>
+      <a:fillRef idx="3">
+        <a:scrgbClr r="0" g="0" b="0"/>
+      </a:fillRef>
+      <a:effectRef idx="2">
+        <a:scrgbClr r="0" g="0" b="0"/>
+      </a:effectRef>
+      <a:fontRef idx="minor">
+        <a:schemeClr val="lt1"/>
+      </a:fontRef>
+    </dgm:style>
+  </dgm:styleLbl>
+  <dgm:styleLbl name="parChTrans2D3">
+    <dgm:scene3d>
+      <a:camera prst="orthographicFront"/>
+      <a:lightRig rig="threePt" dir="t"/>
+    </dgm:scene3d>
+    <dgm:sp3d/>
+    <dgm:txPr/>
+    <dgm:style>
+      <a:lnRef idx="1">
+        <a:scrgbClr r="0" g="0" b="0"/>
+      </a:lnRef>
+      <a:fillRef idx="3">
+        <a:scrgbClr r="0" g="0" b="0"/>
+      </a:fillRef>
+      <a:effectRef idx="2">
+        <a:scrgbClr r="0" g="0" b="0"/>
+      </a:effectRef>
+      <a:fontRef idx="minor">
+        <a:schemeClr val="lt1"/>
+      </a:fontRef>
+    </dgm:style>
+  </dgm:styleLbl>
+  <dgm:styleLbl name="parChTrans2D4">
+    <dgm:scene3d>
+      <a:camera prst="orthographicFront"/>
+      <a:lightRig rig="threePt" dir="t"/>
+    </dgm:scene3d>
+    <dgm:sp3d/>
+    <dgm:txPr/>
+    <dgm:style>
+      <a:lnRef idx="1">
+        <a:scrgbClr r="0" g="0" b="0"/>
+      </a:lnRef>
+      <a:fillRef idx="3">
+        <a:scrgbClr r="0" g="0" b="0"/>
+      </a:fillRef>
+      <a:effectRef idx="2">
+        <a:scrgbClr r="0" g="0" b="0"/>
+      </a:effectRef>
+      <a:fontRef idx="minor">
+        <a:schemeClr val="lt1"/>
+      </a:fontRef>
+    </dgm:style>
+  </dgm:styleLbl>
+  <dgm:styleLbl name="parChTrans1D1">
+    <dgm:scene3d>
+      <a:camera prst="orthographicFront"/>
+      <a:lightRig rig="threePt" dir="t"/>
+    </dgm:scene3d>
+    <dgm:sp3d/>
+    <dgm:txPr/>
+    <dgm:style>
+      <a:lnRef idx="1">
+        <a:scrgbClr r="0" g="0" b="0"/>
+      </a:lnRef>
+      <a:fillRef idx="0">
+        <a:scrgbClr r="0" g="0" b="0"/>
+      </a:fillRef>
+      <a:effectRef idx="0">
+        <a:scrgbClr r="0" g="0" b="0"/>
+      </a:effectRef>
+      <a:fontRef idx="minor"/>
+    </dgm:style>
+  </dgm:styleLbl>
+  <dgm:styleLbl name="parChTrans1D2">
+    <dgm:scene3d>
+      <a:camera prst="orthographicFront"/>
+      <a:lightRig rig="threePt" dir="t"/>
+    </dgm:scene3d>
+    <dgm:sp3d/>
+    <dgm:txPr/>
+    <dgm:style>
+      <a:lnRef idx="1">
+        <a:scrgbClr r="0" g="0" b="0"/>
+      </a:lnRef>
+      <a:fillRef idx="0">
+        <a:scrgbClr r="0" g="0" b="0"/>
+      </a:fillRef>
+      <a:effectRef idx="0">
+        <a:scrgbClr r="0" g="0" b="0"/>
+      </a:effectRef>
+      <a:fontRef idx="minor"/>
+    </dgm:style>
+  </dgm:styleLbl>
+  <dgm:styleLbl name="parChTrans1D3">
+    <dgm:scene3d>
+      <a:camera prst="orthographicFront"/>
+      <a:lightRig rig="threePt" dir="t"/>
+    </dgm:scene3d>
+    <dgm:sp3d/>
+    <dgm:txPr/>
+    <dgm:style>
+      <a:lnRef idx="1">
+        <a:scrgbClr r="0" g="0" b="0"/>
+      </a:lnRef>
+      <a:fillRef idx="0">
+        <a:scrgbClr r="0" g="0" b="0"/>
+      </a:fillRef>
+      <a:effectRef idx="0">
+        <a:scrgbClr r="0" g="0" b="0"/>
+      </a:effectRef>
+      <a:fontRef idx="minor"/>
+    </dgm:style>
+  </dgm:styleLbl>
+  <dgm:styleLbl name="parChTrans1D4">
+    <dgm:scene3d>
+      <a:camera prst="orthographicFront"/>
+      <a:lightRig rig="threePt" dir="t"/>
+    </dgm:scene3d>
+    <dgm:sp3d/>
+    <dgm:txPr/>
+    <dgm:style>
+      <a:lnRef idx="1">
+        <a:scrgbClr r="0" g="0" b="0"/>
+      </a:lnRef>
+      <a:fillRef idx="0">
+        <a:scrgbClr r="0" g="0" b="0"/>
+      </a:fillRef>
+      <a:effectRef idx="0">
+        <a:scrgbClr r="0" g="0" b="0"/>
+      </a:effectRef>
+      <a:fontRef idx="minor"/>
+    </dgm:style>
+  </dgm:styleLbl>
+  <dgm:styleLbl name="fgAcc1">
+    <dgm:scene3d>
+      <a:camera prst="orthographicFront"/>
+      <a:lightRig rig="threePt" dir="t"/>
+    </dgm:scene3d>
+    <dgm:sp3d/>
+    <dgm:txPr/>
+    <dgm:style>
+      <a:lnRef idx="1">
+        <a:scrgbClr r="0" g="0" b="0"/>
+      </a:lnRef>
+      <a:fillRef idx="1">
+        <a:scrgbClr r="0" g="0" b="0"/>
+      </a:fillRef>
+      <a:effectRef idx="0">
+        <a:scrgbClr r="0" g="0" b="0"/>
+      </a:effectRef>
+      <a:fontRef idx="minor"/>
+    </dgm:style>
+  </dgm:styleLbl>
+  <dgm:styleLbl name="conFgAcc1">
+    <dgm:scene3d>
+      <a:camera prst="orthographicFront"/>
+      <a:lightRig rig="threePt" dir="t"/>
+    </dgm:scene3d>
+    <dgm:sp3d/>
+    <dgm:txPr/>
+    <dgm:style>
+      <a:lnRef idx="1">
+        <a:scrgbClr r="0" g="0" b="0"/>
+      </a:lnRef>
+      <a:fillRef idx="1">
+        <a:scrgbClr r="0" g="0" b="0"/>
+      </a:fillRef>
+      <a:effectRef idx="0">
+        <a:scrgbClr r="0" g="0" b="0"/>
+      </a:effectRef>
+      <a:fontRef idx="minor"/>
+    </dgm:style>
+  </dgm:styleLbl>
+  <dgm:styleLbl name="alignAcc1">
+    <dgm:scene3d>
+      <a:camera prst="orthographicFront"/>
+      <a:lightRig rig="threePt" dir="t"/>
+    </dgm:scene3d>
+    <dgm:sp3d/>
+    <dgm:txPr/>
+    <dgm:style>
+      <a:lnRef idx="1">
+        <a:scrgbClr r="0" g="0" b="0"/>
+      </a:lnRef>
+      <a:fillRef idx="1">
+        <a:scrgbClr r="0" g="0" b="0"/>
+      </a:fillRef>
+      <a:effectRef idx="0">
+        <a:scrgbClr r="0" g="0" b="0"/>
+      </a:effectRef>
+      <a:fontRef idx="minor"/>
+    </dgm:style>
+  </dgm:styleLbl>
+  <dgm:styleLbl name="trAlignAcc1">
+    <dgm:scene3d>
+      <a:camera prst="orthographicFront"/>
+      <a:lightRig rig="threePt" dir="t"/>
+    </dgm:scene3d>
+    <dgm:sp3d/>
+    <dgm:txPr/>
+    <dgm:style>
+      <a:lnRef idx="1">
+        <a:scrgbClr r="0" g="0" b="0"/>
+      </a:lnRef>
+      <a:fillRef idx="1">
+        <a:scrgbClr r="0" g="0" b="0"/>
+      </a:fillRef>
+      <a:effectRef idx="0">
+        <a:scrgbClr r="0" g="0" b="0"/>
+      </a:effectRef>
+      <a:fontRef idx="minor"/>
+    </dgm:style>
+  </dgm:styleLbl>
+  <dgm:styleLbl name="bgAcc1">
+    <dgm:scene3d>
+      <a:camera prst="orthographicFront"/>
+      <a:lightRig rig="threePt" dir="t"/>
+    </dgm:scene3d>
+    <dgm:sp3d/>
+    <dgm:txPr/>
+    <dgm:style>
+      <a:lnRef idx="1">
+        <a:scrgbClr r="0" g="0" b="0"/>
+      </a:lnRef>
+      <a:fillRef idx="1">
+        <a:scrgbClr r="0" g="0" b="0"/>
+      </a:fillRef>
+      <a:effectRef idx="0">
+        <a:scrgbClr r="0" g="0" b="0"/>
+      </a:effectRef>
+      <a:fontRef idx="minor"/>
+    </dgm:style>
+  </dgm:styleLbl>
+  <dgm:styleLbl name="solidFgAcc1">
+    <dgm:scene3d>
+      <a:camera prst="orthographicFront"/>
+      <a:lightRig rig="threePt" dir="t"/>
+    </dgm:scene3d>
+    <dgm:sp3d/>
+    <dgm:txPr/>
+    <dgm:style>
+      <a:lnRef idx="1">
+        <a:scrgbClr r="0" g="0" b="0"/>
+      </a:lnRef>
+      <a:fillRef idx="1">
+        <a:scrgbClr r="0" g="0" b="0"/>
+      </a:fillRef>
+      <a:effectRef idx="0">
+        <a:scrgbClr r="0" g="0" b="0"/>
+      </a:effectRef>
+      <a:fontRef idx="minor"/>
+    </dgm:style>
+  </dgm:styleLbl>
+  <dgm:styleLbl name="solidAlignAcc1">
+    <dgm:scene3d>
+      <a:camera prst="orthographicFront"/>
+      <a:lightRig rig="threePt" dir="t"/>
+    </dgm:scene3d>
+    <dgm:sp3d/>
+    <dgm:txPr/>
+    <dgm:style>
+      <a:lnRef idx="1">
+        <a:scrgbClr r="0" g="0" b="0"/>
+      </a:lnRef>
+      <a:fillRef idx="1">
+        <a:scrgbClr r="0" g="0" b="0"/>
+      </a:fillRef>
+      <a:effectRef idx="0">
+        <a:scrgbClr r="0" g="0" b="0"/>
+      </a:effectRef>
+      <a:fontRef idx="minor"/>
+    </dgm:style>
+  </dgm:styleLbl>
+  <dgm:styleLbl name="solidBgAcc1">
+    <dgm:scene3d>
+      <a:camera prst="orthographicFront"/>
+      <a:lightRig rig="threePt" dir="t"/>
+    </dgm:scene3d>
+    <dgm:sp3d/>
+    <dgm:txPr/>
+    <dgm:style>
+      <a:lnRef idx="1">
+        <a:scrgbClr r="0" g="0" b="0"/>
+      </a:lnRef>
+      <a:fillRef idx="1">
+        <a:scrgbClr r="0" g="0" b="0"/>
+      </a:fillRef>
+      <a:effectRef idx="0">
+        <a:scrgbClr r="0" g="0" b="0"/>
+      </a:effectRef>
+      <a:fontRef idx="minor"/>
+    </dgm:style>
+  </dgm:styleLbl>
+  <dgm:styleLbl name="fgAccFollowNode1">
+    <dgm:scene3d>
+      <a:camera prst="orthographicFront"/>
+      <a:lightRig rig="threePt" dir="t"/>
+    </dgm:scene3d>
+    <dgm:sp3d/>
+    <dgm:txPr/>
+    <dgm:style>
+      <a:lnRef idx="1">
+        <a:scrgbClr r="0" g="0" b="0"/>
+      </a:lnRef>
+      <a:fillRef idx="1">
+        <a:scrgbClr r="0" g="0" b="0"/>
+      </a:fillRef>
+      <a:effectRef idx="0">
+        <a:scrgbClr r="0" g="0" b="0"/>
+      </a:effectRef>
+      <a:fontRef idx="minor"/>
+    </dgm:style>
+  </dgm:styleLbl>
+  <dgm:styleLbl name="alignAccFollowNode1">
+    <dgm:scene3d>
+      <a:camera prst="orthographicFront"/>
+      <a:lightRig rig="threePt" dir="t"/>
+    </dgm:scene3d>
+    <dgm:sp3d/>
+    <dgm:txPr/>
+    <dgm:style>
+      <a:lnRef idx="1">
+        <a:scrgbClr r="0" g="0" b="0"/>
+      </a:lnRef>
+      <a:fillRef idx="1">
+        <a:scrgbClr r="0" g="0" b="0"/>
+      </a:fillRef>
+      <a:effectRef idx="0">
+        <a:scrgbClr r="0" g="0" b="0"/>
+      </a:effectRef>
+      <a:fontRef idx="minor"/>
+    </dgm:style>
+  </dgm:styleLbl>
+  <dgm:styleLbl name="bgAccFollowNode1">
+    <dgm:scene3d>
+      <a:camera prst="orthographicFront"/>
+      <a:lightRig rig="threePt" dir="t"/>
+    </dgm:scene3d>
+    <dgm:sp3d/>
+    <dgm:txPr/>
+    <dgm:style>
+      <a:lnRef idx="1">
+        <a:scrgbClr r="0" g="0" b="0"/>
+      </a:lnRef>
+      <a:fillRef idx="1">
+        <a:scrgbClr r="0" g="0" b="0"/>
+      </a:fillRef>
+      <a:effectRef idx="0">
+        <a:scrgbClr r="0" g="0" b="0"/>
+      </a:effectRef>
+      <a:fontRef idx="minor"/>
+    </dgm:style>
+  </dgm:styleLbl>
+  <dgm:styleLbl name="fgAcc0">
+    <dgm:scene3d>
+      <a:camera prst="orthographicFront"/>
+      <a:lightRig rig="threePt" dir="t"/>
+    </dgm:scene3d>
+    <dgm:sp3d/>
+    <dgm:txPr/>
+    <dgm:style>
+      <a:lnRef idx="1">
+        <a:scrgbClr r="0" g="0" b="0"/>
+      </a:lnRef>
+      <a:fillRef idx="1">
+        <a:scrgbClr r="0" g="0" b="0"/>
+      </a:fillRef>
+      <a:effectRef idx="0">
+        <a:scrgbClr r="0" g="0" b="0"/>
+      </a:effectRef>
+      <a:fontRef idx="minor"/>
+    </dgm:style>
+  </dgm:styleLbl>
+  <dgm:styleLbl name="fgAcc2">
+    <dgm:scene3d>
+      <a:camera prst="orthographicFront"/>
+      <a:lightRig rig="threePt" dir="t"/>
+    </dgm:scene3d>
+    <dgm:sp3d/>
+    <dgm:txPr/>
+    <dgm:style>
+      <a:lnRef idx="1">
+        <a:scrgbClr r="0" g="0" b="0"/>
+      </a:lnRef>
+      <a:fillRef idx="1">
+        <a:scrgbClr r="0" g="0" b="0"/>
+      </a:fillRef>
+      <a:effectRef idx="0">
+        <a:scrgbClr r="0" g="0" b="0"/>
+      </a:effectRef>
+      <a:fontRef idx="minor"/>
+    </dgm:style>
+  </dgm:styleLbl>
+  <dgm:styleLbl name="fgAcc3">
+    <dgm:scene3d>
+      <a:camera prst="orthographicFront"/>
+      <a:lightRig rig="threePt" dir="t"/>
+    </dgm:scene3d>
+    <dgm:sp3d/>
+    <dgm:txPr/>
+    <dgm:style>
+      <a:lnRef idx="1">
+        <a:scrgbClr r="0" g="0" b="0"/>
+      </a:lnRef>
+      <a:fillRef idx="1">
+        <a:scrgbClr r="0" g="0" b="0"/>
+      </a:fillRef>
+      <a:effectRef idx="0">
+        <a:scrgbClr r="0" g="0" b="0"/>
+      </a:effectRef>
+      <a:fontRef idx="minor"/>
+    </dgm:style>
+  </dgm:styleLbl>
+  <dgm:styleLbl name="fgAcc4">
+    <dgm:scene3d>
+      <a:camera prst="orthographicFront"/>
+      <a:lightRig rig="threePt" dir="t"/>
+    </dgm:scene3d>
+    <dgm:sp3d/>
+    <dgm:txPr/>
+    <dgm:style>
+      <a:lnRef idx="1">
+        <a:scrgbClr r="0" g="0" b="0"/>
+      </a:lnRef>
+      <a:fillRef idx="1">
+        <a:scrgbClr r="0" g="0" b="0"/>
+      </a:fillRef>
+      <a:effectRef idx="0">
+        <a:scrgbClr r="0" g="0" b="0"/>
+      </a:effectRef>
+      <a:fontRef idx="minor"/>
+    </dgm:style>
+  </dgm:styleLbl>
+  <dgm:styleLbl name="bgShp">
+    <dgm:scene3d>
+      <a:camera prst="orthographicFront"/>
+      <a:lightRig rig="threePt" dir="t"/>
+    </dgm:scene3d>
+    <dgm:sp3d/>
+    <dgm:txPr/>
+    <dgm:style>
+      <a:lnRef idx="0">
+        <a:scrgbClr r="0" g="0" b="0"/>
+      </a:lnRef>
+      <a:fillRef idx="1">
+        <a:scrgbClr r="0" g="0" b="0"/>
+      </a:fillRef>
+      <a:effectRef idx="2">
+        <a:scrgbClr r="0" g="0" b="0"/>
+      </a:effectRef>
+      <a:fontRef idx="minor"/>
+    </dgm:style>
+  </dgm:styleLbl>
+  <dgm:styleLbl name="dkBgShp">
+    <dgm:scene3d>
+      <a:camera prst="orthographicFront"/>
+      <a:lightRig rig="threePt" dir="t"/>
+    </dgm:scene3d>
+    <dgm:sp3d/>
+    <dgm:txPr/>
+    <dgm:style>
+      <a:lnRef idx="0">
+        <a:scrgbClr r="0" g="0" b="0"/>
+      </a:lnRef>
+      <a:fillRef idx="1">
+        <a:scrgbClr r="0" g="0" b="0"/>
+      </a:fillRef>
+      <a:effectRef idx="2">
+        <a:scrgbClr r="0" g="0" b="0"/>
+      </a:effectRef>
+      <a:fontRef idx="minor"/>
+    </dgm:style>
+  </dgm:styleLbl>
+  <dgm:styleLbl name="trBgShp">
+    <dgm:scene3d>
+      <a:camera prst="orthographicFront"/>
+      <a:lightRig rig="threePt" dir="t"/>
+    </dgm:scene3d>
+    <dgm:sp3d/>
+    <dgm:txPr/>
+    <dgm:style>
+      <a:lnRef idx="0">
+        <a:scrgbClr r="0" g="0" b="0"/>
+      </a:lnRef>
+      <a:fillRef idx="1">
+        <a:scrgbClr r="0" g="0" b="0"/>
+      </a:fillRef>
+      <a:effectRef idx="0">
+        <a:scrgbClr r="0" g="0" b="0"/>
+      </a:effectRef>
+      <a:fontRef idx="minor"/>
+    </dgm:style>
+  </dgm:styleLbl>
+  <dgm:styleLbl name="fgShp">
+    <dgm:scene3d>
+      <a:camera prst="orthographicFront"/>
+      <a:lightRig rig="threePt" dir="t"/>
+    </dgm:scene3d>
+    <dgm:sp3d/>
+    <dgm:txPr/>
+    <dgm:style>
+      <a:lnRef idx="0">
+        <a:scrgbClr r="0" g="0" b="0"/>
+      </a:lnRef>
+      <a:fillRef idx="3">
+        <a:scrgbClr r="0" g="0" b="0"/>
+      </a:fillRef>
+      <a:effectRef idx="2">
+        <a:scrgbClr r="0" g="0" b="0"/>
+      </a:effectRef>
+      <a:fontRef idx="minor"/>
+    </dgm:style>
+  </dgm:styleLbl>
+  <dgm:styleLbl name="revTx">
+    <dgm:scene3d>
+      <a:camera prst="orthographicFront"/>
+      <a:lightRig rig="threePt" dir="t"/>
+    </dgm:scene3d>
+    <dgm:sp3d/>
+    <dgm:txPr/>
+    <dgm:style>
+      <a:lnRef idx="0">
+        <a:scrgbClr r="0" g="0" b="0"/>
+      </a:lnRef>
+      <a:fillRef idx="0">
+        <a:scrgbClr r="0" g="0" b="0"/>
+      </a:fillRef>
+      <a:effectRef idx="0">
+        <a:scrgbClr r="0" g="0" b="0"/>
+      </a:effectRef>
+      <a:fontRef idx="minor"/>
+    </dgm:style>
+  </dgm:styleLbl>
+</dgm:styleDef>
 </file>
 
 <file path=ppt/slideLayouts/slideLayout1.xml><?xml version="1.0" encoding="utf-8"?>
@@ -6049,8 +10115,13 @@
           <a:p>
             <a:r>
               <a:rPr lang="en-US" dirty="0" smtClean="0"/>
-              <a:t>Weekly report</a:t>
-            </a:r>
+              <a:t>Mid </a:t>
+            </a:r>
+            <a:r>
+              <a:rPr lang="en-US" smtClean="0"/>
+              <a:t>term report 				Feb/28/2018 </a:t>
+            </a:r>
+            <a:endParaRPr lang="en-US" dirty="0" smtClean="0"/>
           </a:p>
           <a:p>
             <a:r>
@@ -6100,6 +10171,187 @@
     <p:extLst>
       <p:ext uri="{BB962C8B-B14F-4D97-AF65-F5344CB8AC3E}">
         <p14:creationId xmlns:p14="http://schemas.microsoft.com/office/powerpoint/2010/main" val="1299248648"/>
+      </p:ext>
+    </p:extLst>
+  </p:cSld>
+  <p:clrMapOvr>
+    <a:masterClrMapping/>
+  </p:clrMapOvr>
+</p:sld>
+</file>
+
+<file path=ppt/slides/slide10.xml><?xml version="1.0" encoding="utf-8"?>
+<p:sld xmlns:a="http://schemas.openxmlformats.org/drawingml/2006/main" xmlns:r="http://schemas.openxmlformats.org/officeDocument/2006/relationships" xmlns:p="http://schemas.openxmlformats.org/presentationml/2006/main">
+  <p:cSld>
+    <p:spTree>
+      <p:nvGrpSpPr>
+        <p:cNvPr id="1" name=""/>
+        <p:cNvGrpSpPr/>
+        <p:nvPr/>
+      </p:nvGrpSpPr>
+      <p:grpSpPr>
+        <a:xfrm>
+          <a:off x="0" y="0"/>
+          <a:ext cx="0" cy="0"/>
+          <a:chOff x="0" y="0"/>
+          <a:chExt cx="0" cy="0"/>
+        </a:xfrm>
+      </p:grpSpPr>
+      <p:sp>
+        <p:nvSpPr>
+          <p:cNvPr id="2" name="Title 1"/>
+          <p:cNvSpPr>
+            <a:spLocks noGrp="1"/>
+          </p:cNvSpPr>
+          <p:nvPr>
+            <p:ph type="title"/>
+          </p:nvPr>
+        </p:nvSpPr>
+        <p:spPr/>
+        <p:txBody>
+          <a:bodyPr/>
+          <a:lstStyle/>
+          <a:p>
+            <a:r>
+              <a:rPr lang="en-US" dirty="0" smtClean="0"/>
+              <a:t>Future work</a:t>
+            </a:r>
+            <a:endParaRPr lang="en-US" dirty="0"/>
+          </a:p>
+        </p:txBody>
+      </p:sp>
+      <p:sp>
+        <p:nvSpPr>
+          <p:cNvPr id="3" name="Content Placeholder 2"/>
+          <p:cNvSpPr>
+            <a:spLocks noGrp="1"/>
+          </p:cNvSpPr>
+          <p:nvPr>
+            <p:ph idx="1"/>
+          </p:nvPr>
+        </p:nvSpPr>
+        <p:spPr/>
+        <p:txBody>
+          <a:bodyPr/>
+          <a:lstStyle/>
+          <a:p>
+            <a:r>
+              <a:rPr lang="en-US" sz="3200" b="1" dirty="0" smtClean="0"/>
+              <a:t>Algorithm - PCA</a:t>
+            </a:r>
+          </a:p>
+          <a:p>
+            <a:r>
+              <a:rPr lang="en-US" sz="3200" b="1" dirty="0"/>
+              <a:t>A present website of our </a:t>
+            </a:r>
+            <a:r>
+              <a:rPr lang="en-US" sz="3200" b="1" dirty="0" smtClean="0"/>
+              <a:t>work(name?)</a:t>
+            </a:r>
+            <a:endParaRPr lang="en-US" sz="3200" b="1" dirty="0"/>
+          </a:p>
+        </p:txBody>
+      </p:sp>
+    </p:spTree>
+    <p:extLst>
+      <p:ext uri="{BB962C8B-B14F-4D97-AF65-F5344CB8AC3E}">
+        <p14:creationId xmlns:p14="http://schemas.microsoft.com/office/powerpoint/2010/main" val="353371669"/>
+      </p:ext>
+    </p:extLst>
+  </p:cSld>
+  <p:clrMapOvr>
+    <a:masterClrMapping/>
+  </p:clrMapOvr>
+</p:sld>
+</file>
+
+<file path=ppt/slides/slide11.xml><?xml version="1.0" encoding="utf-8"?>
+<p:sld xmlns:a="http://schemas.openxmlformats.org/drawingml/2006/main" xmlns:r="http://schemas.openxmlformats.org/officeDocument/2006/relationships" xmlns:p="http://schemas.openxmlformats.org/presentationml/2006/main">
+  <p:cSld>
+    <p:spTree>
+      <p:nvGrpSpPr>
+        <p:cNvPr id="1" name=""/>
+        <p:cNvGrpSpPr/>
+        <p:nvPr/>
+      </p:nvGrpSpPr>
+      <p:grpSpPr>
+        <a:xfrm>
+          <a:off x="0" y="0"/>
+          <a:ext cx="0" cy="0"/>
+          <a:chOff x="0" y="0"/>
+          <a:chExt cx="0" cy="0"/>
+        </a:xfrm>
+      </p:grpSpPr>
+      <p:sp>
+        <p:nvSpPr>
+          <p:cNvPr id="2" name="Title 1"/>
+          <p:cNvSpPr>
+            <a:spLocks noGrp="1"/>
+          </p:cNvSpPr>
+          <p:nvPr>
+            <p:ph type="title"/>
+          </p:nvPr>
+        </p:nvSpPr>
+        <p:spPr/>
+        <p:txBody>
+          <a:bodyPr/>
+          <a:lstStyle/>
+          <a:p>
+            <a:r>
+              <a:rPr lang="en-US" dirty="0" smtClean="0"/>
+              <a:t>Reference data</a:t>
+            </a:r>
+            <a:endParaRPr lang="en-US" dirty="0"/>
+          </a:p>
+        </p:txBody>
+      </p:sp>
+      <p:pic>
+        <p:nvPicPr>
+          <p:cNvPr id="5" name="Content Placeholder 4"/>
+          <p:cNvPicPr>
+            <a:picLocks noGrp="1" noChangeAspect="1"/>
+          </p:cNvPicPr>
+          <p:nvPr>
+            <p:ph idx="1"/>
+          </p:nvPr>
+        </p:nvPicPr>
+        <p:blipFill>
+          <a:blip r:embed="rId2">
+            <a:extLst>
+              <a:ext uri="{28A0092B-C50C-407E-A947-70E740481C1C}">
+                <a14:useLocalDpi xmlns:a14="http://schemas.microsoft.com/office/drawing/2010/main" val="0"/>
+              </a:ext>
+            </a:extLst>
+          </a:blip>
+          <a:stretch>
+            <a:fillRect/>
+          </a:stretch>
+        </p:blipFill>
+        <p:spPr bwMode="auto">
+          <a:xfrm>
+            <a:off x="1871544" y="1152983"/>
+            <a:ext cx="7307626" cy="5170998"/>
+          </a:xfrm>
+          <a:prstGeom prst="rect">
+            <a:avLst/>
+          </a:prstGeom>
+          <a:noFill/>
+          <a:extLst>
+            <a:ext uri="{909E8E84-426E-40DD-AFC4-6F175D3DCCD1}">
+              <a14:hiddenFill xmlns:a14="http://schemas.microsoft.com/office/drawing/2010/main">
+                <a:solidFill>
+                  <a:srgbClr val="FFFFFF"/>
+                </a:solidFill>
+              </a14:hiddenFill>
+            </a:ext>
+          </a:extLst>
+        </p:spPr>
+      </p:pic>
+    </p:spTree>
+    <p:extLst>
+      <p:ext uri="{BB962C8B-B14F-4D97-AF65-F5344CB8AC3E}">
+        <p14:creationId xmlns:p14="http://schemas.microsoft.com/office/powerpoint/2010/main" val="303130174"/>
       </p:ext>
     </p:extLst>
   </p:cSld>
@@ -6680,6 +10932,13 @@
   <p:clrMapOvr>
     <a:masterClrMapping/>
   </p:clrMapOvr>
+  <p:timing>
+    <p:tnLst>
+      <p:par>
+        <p:cTn id="1" dur="indefinite" restart="never" nodeType="tmRoot"/>
+      </p:par>
+    </p:tnLst>
+  </p:timing>
 </p:sld>
 </file>
 
@@ -7371,6 +11630,13 @@
   <p:clrMapOvr>
     <a:masterClrMapping/>
   </p:clrMapOvr>
+  <p:timing>
+    <p:tnLst>
+      <p:par>
+        <p:cTn id="1" dur="indefinite" restart="never" nodeType="tmRoot"/>
+      </p:par>
+    </p:tnLst>
+  </p:timing>
 </p:sld>
 </file>
 
@@ -7408,58 +11674,41 @@
           <a:p>
             <a:r>
               <a:rPr lang="en-US" dirty="0" smtClean="0"/>
-              <a:t>What we did this week?</a:t>
+              <a:t>Models of algorithm </a:t>
             </a:r>
             <a:endParaRPr lang="en-US" dirty="0"/>
           </a:p>
         </p:txBody>
       </p:sp>
-      <p:sp>
-        <p:nvSpPr>
-          <p:cNvPr id="6" name="Content Placeholder 2"/>
-          <p:cNvSpPr>
-            <a:spLocks noGrp="1"/>
-          </p:cNvSpPr>
+      <p:graphicFrame>
+        <p:nvGraphicFramePr>
+          <p:cNvPr id="4" name="Content Placeholder 3"/>
+          <p:cNvGraphicFramePr>
+            <a:graphicFrameLocks noGrp="1"/>
+          </p:cNvGraphicFramePr>
           <p:nvPr>
             <p:ph idx="1"/>
-          </p:nvPr>
-        </p:nvSpPr>
-        <p:spPr>
-          <a:xfrm>
-            <a:off x="875201" y="1760818"/>
-            <a:ext cx="8946541" cy="4195481"/>
-          </a:xfrm>
-        </p:spPr>
-        <p:txBody>
-          <a:bodyPr/>
-          <a:lstStyle/>
-          <a:p>
-            <a:r>
-              <a:rPr lang="en-US" dirty="0" smtClean="0"/>
-              <a:t>We merge the quick data and the slow data together into </a:t>
-            </a:r>
-            <a:r>
-              <a:rPr lang="en-US" dirty="0" err="1" smtClean="0"/>
-              <a:t>Influxdb</a:t>
-            </a:r>
-            <a:r>
-              <a:rPr lang="en-US" dirty="0" smtClean="0"/>
-              <a:t>. The quick data include the stack marketing and we are doing another dataset for conflicts. We merge the fast data with the slow data year by year(Stock marketing use the average data gather 2000+ companies per year) We merge the </a:t>
-            </a:r>
-            <a:r>
-              <a:rPr lang="en-US" altLang="zh-CN" dirty="0" smtClean="0"/>
-              <a:t>quick dataset by day (Still doing since conflict date is not continuously)</a:t>
-            </a:r>
-          </a:p>
-          <a:p>
-            <a:endParaRPr lang="en-US" altLang="zh-CN" dirty="0" smtClean="0"/>
-          </a:p>
-        </p:txBody>
-      </p:sp>
+            <p:extLst>
+              <p:ext uri="{D42A27DB-BD31-4B8C-83A1-F6EECF244321}">
+                <p14:modId xmlns:p14="http://schemas.microsoft.com/office/powerpoint/2010/main" val="1806876070"/>
+              </p:ext>
+            </p:extLst>
+          </p:nvPr>
+        </p:nvGraphicFramePr>
+        <p:xfrm>
+          <a:off x="188913" y="1582616"/>
+          <a:ext cx="9676056" cy="3927230"/>
+        </p:xfrm>
+        <a:graphic>
+          <a:graphicData uri="http://schemas.openxmlformats.org/drawingml/2006/diagram">
+            <dgm:relIds xmlns:dgm="http://schemas.openxmlformats.org/drawingml/2006/diagram" xmlns:r="http://schemas.openxmlformats.org/officeDocument/2006/relationships" r:dm="rId2" r:lo="rId3" r:qs="rId4" r:cs="rId5"/>
+          </a:graphicData>
+        </a:graphic>
+      </p:graphicFrame>
     </p:spTree>
     <p:extLst>
       <p:ext uri="{BB962C8B-B14F-4D97-AF65-F5344CB8AC3E}">
-        <p14:creationId xmlns:p14="http://schemas.microsoft.com/office/powerpoint/2010/main" val="30572115"/>
+        <p14:creationId xmlns:p14="http://schemas.microsoft.com/office/powerpoint/2010/main" val="388096857"/>
       </p:ext>
     </p:extLst>
   </p:cSld>
@@ -7502,8 +11751,16 @@
           <a:lstStyle/>
           <a:p>
             <a:r>
-              <a:rPr lang="en-US" dirty="0" err="1" smtClean="0"/>
-              <a:t>Visulization</a:t>
+              <a:rPr lang="en-US" dirty="0" smtClean="0"/>
+              <a:t>What we did </a:t>
+            </a:r>
+            <a:r>
+              <a:rPr lang="en-US" dirty="0" smtClean="0"/>
+              <a:t>these </a:t>
+            </a:r>
+            <a:r>
+              <a:rPr lang="en-US" dirty="0" smtClean="0"/>
+              <a:t>week?</a:t>
             </a:r>
             <a:endParaRPr lang="en-US" dirty="0"/>
           </a:p>
@@ -7511,7 +11768,7 @@
       </p:sp>
       <p:sp>
         <p:nvSpPr>
-          <p:cNvPr id="3" name="Content Placeholder 2"/>
+          <p:cNvPr id="6" name="Content Placeholder 2"/>
           <p:cNvSpPr>
             <a:spLocks noGrp="1"/>
           </p:cNvSpPr>
@@ -7519,25 +11776,84 @@
             <p:ph idx="1"/>
           </p:nvPr>
         </p:nvSpPr>
-        <p:spPr/>
+        <p:spPr>
+          <a:xfrm>
+            <a:off x="875201" y="1760818"/>
+            <a:ext cx="8946541" cy="4195481"/>
+          </a:xfrm>
+        </p:spPr>
         <p:txBody>
           <a:bodyPr/>
           <a:lstStyle/>
           <a:p>
-            <a:endParaRPr lang="en-US" dirty="0"/>
+            <a:r>
+              <a:rPr lang="en-US" dirty="0" smtClean="0"/>
+              <a:t>We looking for useful  open-source dataset and merge the data together</a:t>
+            </a:r>
+          </a:p>
+          <a:p>
+            <a:endParaRPr lang="en-US" dirty="0" smtClean="0"/>
+          </a:p>
+          <a:p>
+            <a:r>
+              <a:rPr lang="en-US" dirty="0" smtClean="0"/>
+              <a:t>We </a:t>
+            </a:r>
+            <a:r>
+              <a:rPr lang="en-US" dirty="0" smtClean="0"/>
+              <a:t>merge the quick data and the slow data together into </a:t>
+            </a:r>
+            <a:r>
+              <a:rPr lang="en-US" dirty="0" err="1" smtClean="0"/>
+              <a:t>Influxdb</a:t>
+            </a:r>
+            <a:r>
+              <a:rPr lang="en-US" dirty="0" smtClean="0"/>
+              <a:t>. The quick data include the </a:t>
+            </a:r>
+            <a:r>
+              <a:rPr lang="en-US" dirty="0" smtClean="0"/>
+              <a:t>st</a:t>
+            </a:r>
+            <a:r>
+              <a:rPr lang="en-US" altLang="zh-CN" dirty="0" smtClean="0"/>
+              <a:t>o</a:t>
+            </a:r>
+            <a:r>
+              <a:rPr lang="en-US" dirty="0" smtClean="0"/>
+              <a:t>ck </a:t>
+            </a:r>
+            <a:r>
+              <a:rPr lang="en-US" dirty="0" smtClean="0"/>
+              <a:t>marketing and we are doing another dataset for conflicts. We merge the fast data with the slow data year by year(Stock marketing use the average data gather 2000+ companies per year) We merge the </a:t>
+            </a:r>
+            <a:r>
+              <a:rPr lang="en-US" altLang="zh-CN" dirty="0" smtClean="0"/>
+              <a:t>quick dataset by day (Still doing since conflict date is not continuously)</a:t>
+            </a:r>
+          </a:p>
+          <a:p>
+            <a:endParaRPr lang="en-US" altLang="zh-CN" dirty="0" smtClean="0"/>
           </a:p>
         </p:txBody>
       </p:sp>
     </p:spTree>
     <p:extLst>
       <p:ext uri="{BB962C8B-B14F-4D97-AF65-F5344CB8AC3E}">
-        <p14:creationId xmlns:p14="http://schemas.microsoft.com/office/powerpoint/2010/main" val="851941189"/>
+        <p14:creationId xmlns:p14="http://schemas.microsoft.com/office/powerpoint/2010/main" val="30572115"/>
       </p:ext>
     </p:extLst>
   </p:cSld>
   <p:clrMapOvr>
     <a:masterClrMapping/>
   </p:clrMapOvr>
+  <p:timing>
+    <p:tnLst>
+      <p:par>
+        <p:cTn id="1" dur="indefinite" restart="never" nodeType="tmRoot"/>
+      </p:par>
+    </p:tnLst>
+  </p:timing>
 </p:sld>
 </file>
 
@@ -7575,7 +11891,93 @@
           <a:p>
             <a:r>
               <a:rPr lang="en-US" dirty="0" smtClean="0"/>
-              <a:t>Query's</a:t>
+              <a:t>Visualization</a:t>
+            </a:r>
+            <a:endParaRPr lang="en-US" dirty="0"/>
+          </a:p>
+        </p:txBody>
+      </p:sp>
+      <p:pic>
+        <p:nvPicPr>
+          <p:cNvPr id="4" name="Content Placeholder 3"/>
+          <p:cNvPicPr>
+            <a:picLocks noGrp="1" noChangeAspect="1"/>
+          </p:cNvPicPr>
+          <p:nvPr>
+            <p:ph idx="1"/>
+          </p:nvPr>
+        </p:nvPicPr>
+        <p:blipFill>
+          <a:blip r:embed="rId2"/>
+          <a:stretch>
+            <a:fillRect/>
+          </a:stretch>
+        </p:blipFill>
+        <p:spPr>
+          <a:xfrm>
+            <a:off x="1807811" y="1665777"/>
+            <a:ext cx="7960183" cy="4195762"/>
+          </a:xfrm>
+          <a:prstGeom prst="rect">
+            <a:avLst/>
+          </a:prstGeom>
+        </p:spPr>
+      </p:pic>
+    </p:spTree>
+    <p:extLst>
+      <p:ext uri="{BB962C8B-B14F-4D97-AF65-F5344CB8AC3E}">
+        <p14:creationId xmlns:p14="http://schemas.microsoft.com/office/powerpoint/2010/main" val="851941189"/>
+      </p:ext>
+    </p:extLst>
+  </p:cSld>
+  <p:clrMapOvr>
+    <a:masterClrMapping/>
+  </p:clrMapOvr>
+  <p:timing>
+    <p:tnLst>
+      <p:par>
+        <p:cTn id="1" dur="indefinite" restart="never" nodeType="tmRoot"/>
+      </p:par>
+    </p:tnLst>
+  </p:timing>
+</p:sld>
+</file>
+
+<file path=ppt/slides/slide9.xml><?xml version="1.0" encoding="utf-8"?>
+<p:sld xmlns:a="http://schemas.openxmlformats.org/drawingml/2006/main" xmlns:r="http://schemas.openxmlformats.org/officeDocument/2006/relationships" xmlns:p="http://schemas.openxmlformats.org/presentationml/2006/main">
+  <p:cSld>
+    <p:spTree>
+      <p:nvGrpSpPr>
+        <p:cNvPr id="1" name=""/>
+        <p:cNvGrpSpPr/>
+        <p:nvPr/>
+      </p:nvGrpSpPr>
+      <p:grpSpPr>
+        <a:xfrm>
+          <a:off x="0" y="0"/>
+          <a:ext cx="0" cy="0"/>
+          <a:chOff x="0" y="0"/>
+          <a:chExt cx="0" cy="0"/>
+        </a:xfrm>
+      </p:grpSpPr>
+      <p:sp>
+        <p:nvSpPr>
+          <p:cNvPr id="2" name="Title 1"/>
+          <p:cNvSpPr>
+            <a:spLocks noGrp="1"/>
+          </p:cNvSpPr>
+          <p:nvPr>
+            <p:ph type="title"/>
+          </p:nvPr>
+        </p:nvSpPr>
+        <p:spPr/>
+        <p:txBody>
+          <a:bodyPr/>
+          <a:lstStyle/>
+          <a:p>
+            <a:r>
+              <a:rPr lang="en-US" dirty="0" smtClean="0"/>
+              <a:t>Queries</a:t>
             </a:r>
             <a:endParaRPr lang="en-US" dirty="0"/>
           </a:p>
@@ -7616,11 +12018,7 @@
           <a:p>
             <a:r>
               <a:rPr lang="en-US" dirty="0" smtClean="0"/>
-              <a:t>Will the enrollment of high education will influence </a:t>
-            </a:r>
-            <a:r>
-              <a:rPr lang="en-US" smtClean="0"/>
-              <a:t>people’s happiness?</a:t>
+              <a:t>Will the enrollment of high education will influence people’s happiness?</a:t>
             </a:r>
           </a:p>
         </p:txBody>
@@ -7635,6 +12033,13 @@
   <p:clrMapOvr>
     <a:masterClrMapping/>
   </p:clrMapOvr>
+  <p:timing>
+    <p:tnLst>
+      <p:par>
+        <p:cTn id="1" dur="indefinite" restart="never" nodeType="tmRoot"/>
+      </p:par>
+    </p:tnLst>
+  </p:timing>
 </p:sld>
 </file>
 
